--- a/Manuscript/chemical_graph.pptx
+++ b/Manuscript/chemical_graph.pptx
@@ -6,6 +6,7 @@
   </p:sldMasterIdLst>
   <p:sldIdLst>
     <p:sldId id="256" r:id="rId2"/>
+    <p:sldId id="257" r:id="rId3"/>
   </p:sldIdLst>
   <p:sldSz cx="9144000" cy="6858000" type="screen4x3"/>
   <p:notesSz cx="6858000" cy="9144000"/>
@@ -288,7 +289,7 @@
           <a:p>
             <a:fld id="{530820CF-B880-4189-942D-D702A7CBA730}" type="datetimeFigureOut">
               <a:rPr lang="zh-CN" altLang="en-US" smtClean="0"/>
-              <a:t>2017/9/18</a:t>
+              <a:t>2017/10/27</a:t>
             </a:fld>
             <a:endParaRPr lang="zh-CN" altLang="en-US"/>
           </a:p>
@@ -453,7 +454,7 @@
           <a:p>
             <a:fld id="{530820CF-B880-4189-942D-D702A7CBA730}" type="datetimeFigureOut">
               <a:rPr lang="zh-CN" altLang="en-US" smtClean="0"/>
-              <a:t>2017/9/18</a:t>
+              <a:t>2017/10/27</a:t>
             </a:fld>
             <a:endParaRPr lang="zh-CN" altLang="en-US"/>
           </a:p>
@@ -628,7 +629,7 @@
           <a:p>
             <a:fld id="{530820CF-B880-4189-942D-D702A7CBA730}" type="datetimeFigureOut">
               <a:rPr lang="zh-CN" altLang="en-US" smtClean="0"/>
-              <a:t>2017/9/18</a:t>
+              <a:t>2017/10/27</a:t>
             </a:fld>
             <a:endParaRPr lang="zh-CN" altLang="en-US"/>
           </a:p>
@@ -793,7 +794,7 @@
           <a:p>
             <a:fld id="{530820CF-B880-4189-942D-D702A7CBA730}" type="datetimeFigureOut">
               <a:rPr lang="zh-CN" altLang="en-US" smtClean="0"/>
-              <a:t>2017/9/18</a:t>
+              <a:t>2017/10/27</a:t>
             </a:fld>
             <a:endParaRPr lang="zh-CN" altLang="en-US"/>
           </a:p>
@@ -1034,7 +1035,7 @@
           <a:p>
             <a:fld id="{530820CF-B880-4189-942D-D702A7CBA730}" type="datetimeFigureOut">
               <a:rPr lang="zh-CN" altLang="en-US" smtClean="0"/>
-              <a:t>2017/9/18</a:t>
+              <a:t>2017/10/27</a:t>
             </a:fld>
             <a:endParaRPr lang="zh-CN" altLang="en-US"/>
           </a:p>
@@ -1317,7 +1318,7 @@
           <a:p>
             <a:fld id="{530820CF-B880-4189-942D-D702A7CBA730}" type="datetimeFigureOut">
               <a:rPr lang="zh-CN" altLang="en-US" smtClean="0"/>
-              <a:t>2017/9/18</a:t>
+              <a:t>2017/10/27</a:t>
             </a:fld>
             <a:endParaRPr lang="zh-CN" altLang="en-US"/>
           </a:p>
@@ -1734,7 +1735,7 @@
           <a:p>
             <a:fld id="{530820CF-B880-4189-942D-D702A7CBA730}" type="datetimeFigureOut">
               <a:rPr lang="zh-CN" altLang="en-US" smtClean="0"/>
-              <a:t>2017/9/18</a:t>
+              <a:t>2017/10/27</a:t>
             </a:fld>
             <a:endParaRPr lang="zh-CN" altLang="en-US"/>
           </a:p>
@@ -1847,7 +1848,7 @@
           <a:p>
             <a:fld id="{530820CF-B880-4189-942D-D702A7CBA730}" type="datetimeFigureOut">
               <a:rPr lang="zh-CN" altLang="en-US" smtClean="0"/>
-              <a:t>2017/9/18</a:t>
+              <a:t>2017/10/27</a:t>
             </a:fld>
             <a:endParaRPr lang="zh-CN" altLang="en-US"/>
           </a:p>
@@ -1937,7 +1938,7 @@
           <a:p>
             <a:fld id="{530820CF-B880-4189-942D-D702A7CBA730}" type="datetimeFigureOut">
               <a:rPr lang="zh-CN" altLang="en-US" smtClean="0"/>
-              <a:t>2017/9/18</a:t>
+              <a:t>2017/10/27</a:t>
             </a:fld>
             <a:endParaRPr lang="zh-CN" altLang="en-US"/>
           </a:p>
@@ -2209,7 +2210,7 @@
           <a:p>
             <a:fld id="{530820CF-B880-4189-942D-D702A7CBA730}" type="datetimeFigureOut">
               <a:rPr lang="zh-CN" altLang="en-US" smtClean="0"/>
-              <a:t>2017/9/18</a:t>
+              <a:t>2017/10/27</a:t>
             </a:fld>
             <a:endParaRPr lang="zh-CN" altLang="en-US"/>
           </a:p>
@@ -2457,7 +2458,7 @@
           <a:p>
             <a:fld id="{530820CF-B880-4189-942D-D702A7CBA730}" type="datetimeFigureOut">
               <a:rPr lang="zh-CN" altLang="en-US" smtClean="0"/>
-              <a:t>2017/9/18</a:t>
+              <a:t>2017/10/27</a:t>
             </a:fld>
             <a:endParaRPr lang="zh-CN" altLang="en-US"/>
           </a:p>
@@ -2665,7 +2666,7 @@
           <a:p>
             <a:fld id="{530820CF-B880-4189-942D-D702A7CBA730}" type="datetimeFigureOut">
               <a:rPr lang="zh-CN" altLang="en-US" smtClean="0"/>
-              <a:t>2017/9/18</a:t>
+              <a:t>2017/10/27</a:t>
             </a:fld>
             <a:endParaRPr lang="zh-CN" altLang="en-US"/>
           </a:p>
@@ -3368,6 +3369,1844 @@
 </p:sld>
 </file>
 
+<file path=ppt/slides/slide2.xml><?xml version="1.0" encoding="utf-8"?>
+<p:sld xmlns:a="http://schemas.openxmlformats.org/drawingml/2006/main" xmlns:r="http://schemas.openxmlformats.org/officeDocument/2006/relationships" xmlns:p="http://schemas.openxmlformats.org/presentationml/2006/main">
+  <p:cSld>
+    <p:spTree>
+      <p:nvGrpSpPr>
+        <p:cNvPr id="1" name=""/>
+        <p:cNvGrpSpPr/>
+        <p:nvPr/>
+      </p:nvGrpSpPr>
+      <p:grpSpPr>
+        <a:xfrm>
+          <a:off x="0" y="0"/>
+          <a:ext cx="0" cy="0"/>
+          <a:chOff x="0" y="0"/>
+          <a:chExt cx="0" cy="0"/>
+        </a:xfrm>
+      </p:grpSpPr>
+      <p:grpSp>
+        <p:nvGrpSpPr>
+          <p:cNvPr id="84" name="组合 83"/>
+          <p:cNvGrpSpPr/>
+          <p:nvPr/>
+        </p:nvGrpSpPr>
+        <p:grpSpPr>
+          <a:xfrm>
+            <a:off x="115640" y="16473"/>
+            <a:ext cx="3790070" cy="2563684"/>
+            <a:chOff x="115640" y="16473"/>
+            <a:chExt cx="3790070" cy="2563684"/>
+          </a:xfrm>
+        </p:grpSpPr>
+        <p:grpSp>
+          <p:nvGrpSpPr>
+            <p:cNvPr id="24" name="组合 23"/>
+            <p:cNvGrpSpPr/>
+            <p:nvPr/>
+          </p:nvGrpSpPr>
+          <p:grpSpPr>
+            <a:xfrm>
+              <a:off x="115640" y="201139"/>
+              <a:ext cx="3629400" cy="2379018"/>
+              <a:chOff x="130806" y="361633"/>
+              <a:chExt cx="3629400" cy="2379018"/>
+            </a:xfrm>
+          </p:grpSpPr>
+          <p:sp>
+            <p:nvSpPr>
+              <p:cNvPr id="4" name="椭圆 3"/>
+              <p:cNvSpPr/>
+              <p:nvPr/>
+            </p:nvSpPr>
+            <p:spPr>
+              <a:xfrm>
+                <a:off x="1750320" y="361633"/>
+                <a:ext cx="360040" cy="360040"/>
+              </a:xfrm>
+              <a:prstGeom prst="ellipse">
+                <a:avLst/>
+              </a:prstGeom>
+            </p:spPr>
+            <p:style>
+              <a:lnRef idx="1">
+                <a:schemeClr val="accent3"/>
+              </a:lnRef>
+              <a:fillRef idx="3">
+                <a:schemeClr val="accent3"/>
+              </a:fillRef>
+              <a:effectRef idx="2">
+                <a:schemeClr val="accent3"/>
+              </a:effectRef>
+              <a:fontRef idx="minor">
+                <a:schemeClr val="lt1"/>
+              </a:fontRef>
+            </p:style>
+            <p:txBody>
+              <a:bodyPr rtlCol="0" anchor="ctr"/>
+              <a:lstStyle/>
+              <a:p>
+                <a:pPr algn="ctr"/>
+                <a:endParaRPr lang="zh-CN" altLang="en-US"/>
+              </a:p>
+            </p:txBody>
+          </p:sp>
+          <p:sp>
+            <p:nvSpPr>
+              <p:cNvPr id="5" name="椭圆 4"/>
+              <p:cNvSpPr/>
+              <p:nvPr/>
+            </p:nvSpPr>
+            <p:spPr>
+              <a:xfrm>
+                <a:off x="701615" y="1992432"/>
+                <a:ext cx="360040" cy="360040"/>
+              </a:xfrm>
+              <a:prstGeom prst="ellipse">
+                <a:avLst/>
+              </a:prstGeom>
+            </p:spPr>
+            <p:style>
+              <a:lnRef idx="1">
+                <a:schemeClr val="accent3"/>
+              </a:lnRef>
+              <a:fillRef idx="3">
+                <a:schemeClr val="accent3"/>
+              </a:fillRef>
+              <a:effectRef idx="2">
+                <a:schemeClr val="accent3"/>
+              </a:effectRef>
+              <a:fontRef idx="minor">
+                <a:schemeClr val="lt1"/>
+              </a:fontRef>
+            </p:style>
+            <p:txBody>
+              <a:bodyPr rtlCol="0" anchor="ctr"/>
+              <a:lstStyle/>
+              <a:p>
+                <a:pPr algn="ctr"/>
+                <a:endParaRPr lang="zh-CN" altLang="en-US"/>
+              </a:p>
+            </p:txBody>
+          </p:sp>
+          <p:sp>
+            <p:nvSpPr>
+              <p:cNvPr id="6" name="椭圆 5"/>
+              <p:cNvSpPr/>
+              <p:nvPr/>
+            </p:nvSpPr>
+            <p:spPr>
+              <a:xfrm>
+                <a:off x="2604772" y="2006896"/>
+                <a:ext cx="360040" cy="360040"/>
+              </a:xfrm>
+              <a:prstGeom prst="ellipse">
+                <a:avLst/>
+              </a:prstGeom>
+            </p:spPr>
+            <p:style>
+              <a:lnRef idx="1">
+                <a:schemeClr val="accent3"/>
+              </a:lnRef>
+              <a:fillRef idx="3">
+                <a:schemeClr val="accent3"/>
+              </a:fillRef>
+              <a:effectRef idx="2">
+                <a:schemeClr val="accent3"/>
+              </a:effectRef>
+              <a:fontRef idx="minor">
+                <a:schemeClr val="lt1"/>
+              </a:fontRef>
+            </p:style>
+            <p:txBody>
+              <a:bodyPr rtlCol="0" anchor="ctr"/>
+              <a:lstStyle/>
+              <a:p>
+                <a:pPr algn="ctr"/>
+                <a:endParaRPr lang="zh-CN" altLang="en-US"/>
+              </a:p>
+            </p:txBody>
+          </p:sp>
+          <p:cxnSp>
+            <p:nvCxnSpPr>
+              <p:cNvPr id="8" name="直接连接符 7"/>
+              <p:cNvCxnSpPr>
+                <a:stCxn id="4" idx="4"/>
+                <a:endCxn id="5" idx="7"/>
+              </p:cNvCxnSpPr>
+              <p:nvPr/>
+            </p:nvCxnSpPr>
+            <p:spPr>
+              <a:xfrm flipH="1">
+                <a:off x="1008928" y="721673"/>
+                <a:ext cx="921412" cy="1323486"/>
+              </a:xfrm>
+              <a:prstGeom prst="line">
+                <a:avLst/>
+              </a:prstGeom>
+              <a:ln w="63500"/>
+            </p:spPr>
+            <p:style>
+              <a:lnRef idx="3">
+                <a:schemeClr val="dk1"/>
+              </a:lnRef>
+              <a:fillRef idx="0">
+                <a:schemeClr val="dk1"/>
+              </a:fillRef>
+              <a:effectRef idx="2">
+                <a:schemeClr val="dk1"/>
+              </a:effectRef>
+              <a:fontRef idx="minor">
+                <a:schemeClr val="tx1"/>
+              </a:fontRef>
+            </p:style>
+          </p:cxnSp>
+          <p:cxnSp>
+            <p:nvCxnSpPr>
+              <p:cNvPr id="14" name="直接连接符 13"/>
+              <p:cNvCxnSpPr>
+                <a:stCxn id="6" idx="2"/>
+                <a:endCxn id="5" idx="6"/>
+              </p:cNvCxnSpPr>
+              <p:nvPr/>
+            </p:nvCxnSpPr>
+            <p:spPr>
+              <a:xfrm flipH="1" flipV="1">
+                <a:off x="1061655" y="2172452"/>
+                <a:ext cx="1543117" cy="14464"/>
+              </a:xfrm>
+              <a:prstGeom prst="line">
+                <a:avLst/>
+              </a:prstGeom>
+              <a:ln w="63500">
+                <a:solidFill>
+                  <a:srgbClr val="00B0F0"/>
+                </a:solidFill>
+              </a:ln>
+            </p:spPr>
+            <p:style>
+              <a:lnRef idx="3">
+                <a:schemeClr val="dk1"/>
+              </a:lnRef>
+              <a:fillRef idx="0">
+                <a:schemeClr val="dk1"/>
+              </a:fillRef>
+              <a:effectRef idx="2">
+                <a:schemeClr val="dk1"/>
+              </a:effectRef>
+              <a:fontRef idx="minor">
+                <a:schemeClr val="tx1"/>
+              </a:fontRef>
+            </p:style>
+          </p:cxnSp>
+          <p:cxnSp>
+            <p:nvCxnSpPr>
+              <p:cNvPr id="17" name="直接连接符 16"/>
+              <p:cNvCxnSpPr>
+                <a:stCxn id="6" idx="1"/>
+                <a:endCxn id="4" idx="4"/>
+              </p:cNvCxnSpPr>
+              <p:nvPr/>
+            </p:nvCxnSpPr>
+            <p:spPr>
+              <a:xfrm flipH="1" flipV="1">
+                <a:off x="1930340" y="721673"/>
+                <a:ext cx="727159" cy="1337950"/>
+              </a:xfrm>
+              <a:prstGeom prst="line">
+                <a:avLst/>
+              </a:prstGeom>
+              <a:ln w="63500">
+                <a:solidFill>
+                  <a:srgbClr val="FF0000"/>
+                </a:solidFill>
+              </a:ln>
+            </p:spPr>
+            <p:style>
+              <a:lnRef idx="3">
+                <a:schemeClr val="dk1"/>
+              </a:lnRef>
+              <a:fillRef idx="0">
+                <a:schemeClr val="dk1"/>
+              </a:fillRef>
+              <a:effectRef idx="2">
+                <a:schemeClr val="dk1"/>
+              </a:effectRef>
+              <a:fontRef idx="minor">
+                <a:schemeClr val="tx1"/>
+              </a:fontRef>
+            </p:style>
+          </p:cxnSp>
+          <p:sp>
+            <p:nvSpPr>
+              <p:cNvPr id="21" name="TextBox 20"/>
+              <p:cNvSpPr txBox="1"/>
+              <p:nvPr/>
+            </p:nvSpPr>
+            <p:spPr>
+              <a:xfrm>
+                <a:off x="2411760" y="1027256"/>
+                <a:ext cx="1348446" cy="369332"/>
+              </a:xfrm>
+              <a:prstGeom prst="rect">
+                <a:avLst/>
+              </a:prstGeom>
+              <a:noFill/>
+            </p:spPr>
+            <p:txBody>
+              <a:bodyPr wrap="none" rtlCol="0">
+                <a:spAutoFit/>
+              </a:bodyPr>
+              <a:lstStyle/>
+              <a:p>
+                <a:r>
+                  <a:rPr lang="en-US" altLang="zh-CN" dirty="0" smtClean="0"/>
+                  <a:t>A (5 </a:t>
+                </a:r>
+                <a:r>
+                  <a:rPr lang="en-US" altLang="zh-CN" dirty="0"/>
+                  <a:t>kJ/mol</a:t>
+                </a:r>
+                <a:r>
+                  <a:rPr lang="en-US" altLang="zh-CN" dirty="0" smtClean="0"/>
+                  <a:t>)</a:t>
+                </a:r>
+                <a:endParaRPr lang="zh-CN" altLang="en-US" dirty="0"/>
+              </a:p>
+            </p:txBody>
+          </p:sp>
+          <p:sp>
+            <p:nvSpPr>
+              <p:cNvPr id="22" name="TextBox 21"/>
+              <p:cNvSpPr txBox="1"/>
+              <p:nvPr/>
+            </p:nvSpPr>
+            <p:spPr>
+              <a:xfrm>
+                <a:off x="1162997" y="2371319"/>
+                <a:ext cx="1340432" cy="369332"/>
+              </a:xfrm>
+              <a:prstGeom prst="rect">
+                <a:avLst/>
+              </a:prstGeom>
+              <a:noFill/>
+            </p:spPr>
+            <p:txBody>
+              <a:bodyPr wrap="none" rtlCol="0">
+                <a:spAutoFit/>
+              </a:bodyPr>
+              <a:lstStyle/>
+              <a:p>
+                <a:r>
+                  <a:rPr lang="en-US" altLang="zh-CN" dirty="0" smtClean="0"/>
+                  <a:t>B (3 </a:t>
+                </a:r>
+                <a:r>
+                  <a:rPr lang="en-US" altLang="zh-CN" dirty="0"/>
+                  <a:t>kJ/mol</a:t>
+                </a:r>
+                <a:r>
+                  <a:rPr lang="en-US" altLang="zh-CN" dirty="0" smtClean="0"/>
+                  <a:t>)</a:t>
+                </a:r>
+                <a:endParaRPr lang="zh-CN" altLang="en-US" dirty="0"/>
+              </a:p>
+            </p:txBody>
+          </p:sp>
+          <p:sp>
+            <p:nvSpPr>
+              <p:cNvPr id="23" name="TextBox 22"/>
+              <p:cNvSpPr txBox="1"/>
+              <p:nvPr/>
+            </p:nvSpPr>
+            <p:spPr>
+              <a:xfrm>
+                <a:off x="130806" y="1002762"/>
+                <a:ext cx="1338828" cy="369332"/>
+              </a:xfrm>
+              <a:prstGeom prst="rect">
+                <a:avLst/>
+              </a:prstGeom>
+              <a:noFill/>
+            </p:spPr>
+            <p:txBody>
+              <a:bodyPr wrap="none" rtlCol="0">
+                <a:spAutoFit/>
+              </a:bodyPr>
+              <a:lstStyle/>
+              <a:p>
+                <a:r>
+                  <a:rPr lang="en-US" altLang="zh-CN" dirty="0" smtClean="0"/>
+                  <a:t>C (1 </a:t>
+                </a:r>
+                <a:r>
+                  <a:rPr lang="en-US" altLang="zh-CN" dirty="0"/>
+                  <a:t>kJ/mol</a:t>
+                </a:r>
+                <a:r>
+                  <a:rPr lang="en-US" altLang="zh-CN" dirty="0" smtClean="0"/>
+                  <a:t>)</a:t>
+                </a:r>
+                <a:endParaRPr lang="zh-CN" altLang="en-US" dirty="0"/>
+              </a:p>
+            </p:txBody>
+          </p:sp>
+        </p:grpSp>
+        <p:sp>
+          <p:nvSpPr>
+            <p:cNvPr id="72" name="TextBox 71"/>
+            <p:cNvSpPr txBox="1"/>
+            <p:nvPr/>
+          </p:nvSpPr>
+          <p:spPr>
+            <a:xfrm>
+              <a:off x="2095194" y="16473"/>
+              <a:ext cx="720069" cy="369332"/>
+            </a:xfrm>
+            <a:prstGeom prst="rect">
+              <a:avLst/>
+            </a:prstGeom>
+            <a:noFill/>
+          </p:spPr>
+          <p:txBody>
+            <a:bodyPr wrap="none" rtlCol="0">
+              <a:spAutoFit/>
+            </a:bodyPr>
+            <a:lstStyle/>
+            <a:p>
+              <a:r>
+                <a:rPr lang="en-US" altLang="zh-CN" dirty="0" smtClean="0"/>
+                <a:t>5 m/z</a:t>
+              </a:r>
+              <a:endParaRPr lang="zh-CN" altLang="en-US" dirty="0"/>
+            </a:p>
+          </p:txBody>
+        </p:sp>
+        <p:sp>
+          <p:nvSpPr>
+            <p:cNvPr id="73" name="TextBox 72"/>
+            <p:cNvSpPr txBox="1"/>
+            <p:nvPr/>
+          </p:nvSpPr>
+          <p:spPr>
+            <a:xfrm>
+              <a:off x="116863" y="2079149"/>
+              <a:ext cx="837089" cy="369332"/>
+            </a:xfrm>
+            <a:prstGeom prst="rect">
+              <a:avLst/>
+            </a:prstGeom>
+            <a:noFill/>
+          </p:spPr>
+          <p:txBody>
+            <a:bodyPr wrap="none" rtlCol="0">
+              <a:spAutoFit/>
+            </a:bodyPr>
+            <a:lstStyle/>
+            <a:p>
+              <a:r>
+                <a:rPr lang="en-US" altLang="zh-CN" dirty="0" smtClean="0"/>
+                <a:t>10 m/z</a:t>
+              </a:r>
+              <a:endParaRPr lang="zh-CN" altLang="en-US" dirty="0"/>
+            </a:p>
+          </p:txBody>
+        </p:sp>
+        <p:sp>
+          <p:nvSpPr>
+            <p:cNvPr id="74" name="TextBox 73"/>
+            <p:cNvSpPr txBox="1"/>
+            <p:nvPr/>
+          </p:nvSpPr>
+          <p:spPr>
+            <a:xfrm>
+              <a:off x="3068621" y="2079149"/>
+              <a:ext cx="837089" cy="369332"/>
+            </a:xfrm>
+            <a:prstGeom prst="rect">
+              <a:avLst/>
+            </a:prstGeom>
+            <a:noFill/>
+          </p:spPr>
+          <p:txBody>
+            <a:bodyPr wrap="none" rtlCol="0">
+              <a:spAutoFit/>
+            </a:bodyPr>
+            <a:lstStyle/>
+            <a:p>
+              <a:r>
+                <a:rPr lang="en-US" altLang="zh-CN" dirty="0" smtClean="0"/>
+                <a:t>20 m/z</a:t>
+              </a:r>
+              <a:endParaRPr lang="zh-CN" altLang="en-US" dirty="0"/>
+            </a:p>
+          </p:txBody>
+        </p:sp>
+      </p:grpSp>
+      <p:grpSp>
+        <p:nvGrpSpPr>
+          <p:cNvPr id="85" name="组合 84"/>
+          <p:cNvGrpSpPr/>
+          <p:nvPr/>
+        </p:nvGrpSpPr>
+        <p:grpSpPr>
+          <a:xfrm>
+            <a:off x="17642" y="3271826"/>
+            <a:ext cx="3788847" cy="2608200"/>
+            <a:chOff x="17642" y="3271826"/>
+            <a:chExt cx="3788847" cy="2608200"/>
+          </a:xfrm>
+        </p:grpSpPr>
+        <p:grpSp>
+          <p:nvGrpSpPr>
+            <p:cNvPr id="25" name="组合 24"/>
+            <p:cNvGrpSpPr/>
+            <p:nvPr/>
+          </p:nvGrpSpPr>
+          <p:grpSpPr>
+            <a:xfrm>
+              <a:off x="684253" y="3501008"/>
+              <a:ext cx="3058591" cy="2379018"/>
+              <a:chOff x="701615" y="361633"/>
+              <a:chExt cx="3058591" cy="2379018"/>
+            </a:xfrm>
+          </p:grpSpPr>
+          <p:sp>
+            <p:nvSpPr>
+              <p:cNvPr id="26" name="椭圆 25"/>
+              <p:cNvSpPr/>
+              <p:nvPr/>
+            </p:nvSpPr>
+            <p:spPr>
+              <a:xfrm>
+                <a:off x="1750320" y="361633"/>
+                <a:ext cx="360040" cy="360040"/>
+              </a:xfrm>
+              <a:prstGeom prst="ellipse">
+                <a:avLst/>
+              </a:prstGeom>
+            </p:spPr>
+            <p:style>
+              <a:lnRef idx="1">
+                <a:schemeClr val="accent3"/>
+              </a:lnRef>
+              <a:fillRef idx="3">
+                <a:schemeClr val="accent3"/>
+              </a:fillRef>
+              <a:effectRef idx="2">
+                <a:schemeClr val="accent3"/>
+              </a:effectRef>
+              <a:fontRef idx="minor">
+                <a:schemeClr val="lt1"/>
+              </a:fontRef>
+            </p:style>
+            <p:txBody>
+              <a:bodyPr rtlCol="0" anchor="ctr"/>
+              <a:lstStyle/>
+              <a:p>
+                <a:pPr algn="ctr"/>
+                <a:endParaRPr lang="zh-CN" altLang="en-US"/>
+              </a:p>
+            </p:txBody>
+          </p:sp>
+          <p:sp>
+            <p:nvSpPr>
+              <p:cNvPr id="27" name="椭圆 26"/>
+              <p:cNvSpPr/>
+              <p:nvPr/>
+            </p:nvSpPr>
+            <p:spPr>
+              <a:xfrm>
+                <a:off x="701615" y="1992432"/>
+                <a:ext cx="360040" cy="360040"/>
+              </a:xfrm>
+              <a:prstGeom prst="ellipse">
+                <a:avLst/>
+              </a:prstGeom>
+            </p:spPr>
+            <p:style>
+              <a:lnRef idx="1">
+                <a:schemeClr val="accent3"/>
+              </a:lnRef>
+              <a:fillRef idx="3">
+                <a:schemeClr val="accent3"/>
+              </a:fillRef>
+              <a:effectRef idx="2">
+                <a:schemeClr val="accent3"/>
+              </a:effectRef>
+              <a:fontRef idx="minor">
+                <a:schemeClr val="lt1"/>
+              </a:fontRef>
+            </p:style>
+            <p:txBody>
+              <a:bodyPr rtlCol="0" anchor="ctr"/>
+              <a:lstStyle/>
+              <a:p>
+                <a:pPr algn="ctr"/>
+                <a:endParaRPr lang="zh-CN" altLang="en-US"/>
+              </a:p>
+            </p:txBody>
+          </p:sp>
+          <p:sp>
+            <p:nvSpPr>
+              <p:cNvPr id="28" name="椭圆 27"/>
+              <p:cNvSpPr/>
+              <p:nvPr/>
+            </p:nvSpPr>
+            <p:spPr>
+              <a:xfrm>
+                <a:off x="2604772" y="2006896"/>
+                <a:ext cx="360040" cy="360040"/>
+              </a:xfrm>
+              <a:prstGeom prst="ellipse">
+                <a:avLst/>
+              </a:prstGeom>
+            </p:spPr>
+            <p:style>
+              <a:lnRef idx="1">
+                <a:schemeClr val="accent3"/>
+              </a:lnRef>
+              <a:fillRef idx="3">
+                <a:schemeClr val="accent3"/>
+              </a:fillRef>
+              <a:effectRef idx="2">
+                <a:schemeClr val="accent3"/>
+              </a:effectRef>
+              <a:fontRef idx="minor">
+                <a:schemeClr val="lt1"/>
+              </a:fontRef>
+            </p:style>
+            <p:txBody>
+              <a:bodyPr rtlCol="0" anchor="ctr"/>
+              <a:lstStyle/>
+              <a:p>
+                <a:pPr algn="ctr"/>
+                <a:endParaRPr lang="zh-CN" altLang="en-US"/>
+              </a:p>
+            </p:txBody>
+          </p:sp>
+          <p:cxnSp>
+            <p:nvCxnSpPr>
+              <p:cNvPr id="29" name="直接连接符 28"/>
+              <p:cNvCxnSpPr>
+                <a:endCxn id="27" idx="7"/>
+              </p:cNvCxnSpPr>
+              <p:nvPr/>
+            </p:nvCxnSpPr>
+            <p:spPr>
+              <a:xfrm flipH="1">
+                <a:off x="1008928" y="1720873"/>
+                <a:ext cx="340074" cy="324286"/>
+              </a:xfrm>
+              <a:prstGeom prst="line">
+                <a:avLst/>
+              </a:prstGeom>
+              <a:ln w="63500"/>
+            </p:spPr>
+            <p:style>
+              <a:lnRef idx="3">
+                <a:schemeClr val="dk1"/>
+              </a:lnRef>
+              <a:fillRef idx="0">
+                <a:schemeClr val="dk1"/>
+              </a:fillRef>
+              <a:effectRef idx="2">
+                <a:schemeClr val="dk1"/>
+              </a:effectRef>
+              <a:fontRef idx="minor">
+                <a:schemeClr val="tx1"/>
+              </a:fontRef>
+            </p:style>
+          </p:cxnSp>
+          <p:cxnSp>
+            <p:nvCxnSpPr>
+              <p:cNvPr id="30" name="直接连接符 29"/>
+              <p:cNvCxnSpPr>
+                <a:stCxn id="28" idx="2"/>
+                <a:endCxn id="27" idx="6"/>
+              </p:cNvCxnSpPr>
+              <p:nvPr/>
+            </p:nvCxnSpPr>
+            <p:spPr>
+              <a:xfrm flipH="1" flipV="1">
+                <a:off x="1061655" y="2172452"/>
+                <a:ext cx="1543117" cy="14464"/>
+              </a:xfrm>
+              <a:prstGeom prst="line">
+                <a:avLst/>
+              </a:prstGeom>
+              <a:ln w="63500">
+                <a:solidFill>
+                  <a:srgbClr val="00B0F0"/>
+                </a:solidFill>
+              </a:ln>
+            </p:spPr>
+            <p:style>
+              <a:lnRef idx="3">
+                <a:schemeClr val="dk1"/>
+              </a:lnRef>
+              <a:fillRef idx="0">
+                <a:schemeClr val="dk1"/>
+              </a:fillRef>
+              <a:effectRef idx="2">
+                <a:schemeClr val="dk1"/>
+              </a:effectRef>
+              <a:fontRef idx="minor">
+                <a:schemeClr val="tx1"/>
+              </a:fontRef>
+            </p:style>
+          </p:cxnSp>
+          <p:cxnSp>
+            <p:nvCxnSpPr>
+              <p:cNvPr id="31" name="直接连接符 30"/>
+              <p:cNvCxnSpPr>
+                <a:stCxn id="28" idx="1"/>
+                <a:endCxn id="26" idx="4"/>
+              </p:cNvCxnSpPr>
+              <p:nvPr/>
+            </p:nvCxnSpPr>
+            <p:spPr>
+              <a:xfrm flipH="1" flipV="1">
+                <a:off x="1930340" y="721673"/>
+                <a:ext cx="727159" cy="1337950"/>
+              </a:xfrm>
+              <a:prstGeom prst="line">
+                <a:avLst/>
+              </a:prstGeom>
+              <a:ln w="63500">
+                <a:solidFill>
+                  <a:srgbClr val="FF0000"/>
+                </a:solidFill>
+              </a:ln>
+            </p:spPr>
+            <p:style>
+              <a:lnRef idx="3">
+                <a:schemeClr val="dk1"/>
+              </a:lnRef>
+              <a:fillRef idx="0">
+                <a:schemeClr val="dk1"/>
+              </a:fillRef>
+              <a:effectRef idx="2">
+                <a:schemeClr val="dk1"/>
+              </a:effectRef>
+              <a:fontRef idx="minor">
+                <a:schemeClr val="tx1"/>
+              </a:fontRef>
+            </p:style>
+          </p:cxnSp>
+          <p:sp>
+            <p:nvSpPr>
+              <p:cNvPr id="32" name="TextBox 31"/>
+              <p:cNvSpPr txBox="1"/>
+              <p:nvPr/>
+            </p:nvSpPr>
+            <p:spPr>
+              <a:xfrm>
+                <a:off x="2411760" y="1027256"/>
+                <a:ext cx="1348446" cy="369332"/>
+              </a:xfrm>
+              <a:prstGeom prst="rect">
+                <a:avLst/>
+              </a:prstGeom>
+              <a:noFill/>
+            </p:spPr>
+            <p:txBody>
+              <a:bodyPr wrap="none" rtlCol="0">
+                <a:spAutoFit/>
+              </a:bodyPr>
+              <a:lstStyle/>
+              <a:p>
+                <a:r>
+                  <a:rPr lang="en-US" altLang="zh-CN" dirty="0" smtClean="0"/>
+                  <a:t>A (5 </a:t>
+                </a:r>
+                <a:r>
+                  <a:rPr lang="en-US" altLang="zh-CN" dirty="0"/>
+                  <a:t>kJ/mol</a:t>
+                </a:r>
+                <a:r>
+                  <a:rPr lang="en-US" altLang="zh-CN" dirty="0" smtClean="0"/>
+                  <a:t>)</a:t>
+                </a:r>
+                <a:endParaRPr lang="zh-CN" altLang="en-US" dirty="0"/>
+              </a:p>
+            </p:txBody>
+          </p:sp>
+          <p:sp>
+            <p:nvSpPr>
+              <p:cNvPr id="33" name="TextBox 32"/>
+              <p:cNvSpPr txBox="1"/>
+              <p:nvPr/>
+            </p:nvSpPr>
+            <p:spPr>
+              <a:xfrm>
+                <a:off x="1162997" y="2371319"/>
+                <a:ext cx="1340432" cy="369332"/>
+              </a:xfrm>
+              <a:prstGeom prst="rect">
+                <a:avLst/>
+              </a:prstGeom>
+              <a:noFill/>
+            </p:spPr>
+            <p:txBody>
+              <a:bodyPr wrap="none" rtlCol="0">
+                <a:spAutoFit/>
+              </a:bodyPr>
+              <a:lstStyle/>
+              <a:p>
+                <a:r>
+                  <a:rPr lang="en-US" altLang="zh-CN" dirty="0" smtClean="0"/>
+                  <a:t>B (3 </a:t>
+                </a:r>
+                <a:r>
+                  <a:rPr lang="en-US" altLang="zh-CN" dirty="0"/>
+                  <a:t>kJ/mol</a:t>
+                </a:r>
+                <a:r>
+                  <a:rPr lang="en-US" altLang="zh-CN" dirty="0" smtClean="0"/>
+                  <a:t>)</a:t>
+                </a:r>
+                <a:endParaRPr lang="zh-CN" altLang="en-US" dirty="0"/>
+              </a:p>
+            </p:txBody>
+          </p:sp>
+        </p:grpSp>
+        <p:cxnSp>
+          <p:nvCxnSpPr>
+            <p:cNvPr id="36" name="直接连接符 35"/>
+            <p:cNvCxnSpPr>
+              <a:stCxn id="26" idx="3"/>
+            </p:cNvCxnSpPr>
+            <p:nvPr/>
+          </p:nvCxnSpPr>
+          <p:spPr>
+            <a:xfrm flipH="1">
+              <a:off x="1732958" y="3808321"/>
+              <a:ext cx="52727" cy="333816"/>
+            </a:xfrm>
+            <a:prstGeom prst="line">
+              <a:avLst/>
+            </a:prstGeom>
+            <a:ln w="63500"/>
+          </p:spPr>
+          <p:style>
+            <a:lnRef idx="3">
+              <a:schemeClr val="dk1"/>
+            </a:lnRef>
+            <a:fillRef idx="0">
+              <a:schemeClr val="dk1"/>
+            </a:fillRef>
+            <a:effectRef idx="2">
+              <a:schemeClr val="dk1"/>
+            </a:effectRef>
+            <a:fontRef idx="minor">
+              <a:schemeClr val="tx1"/>
+            </a:fontRef>
+          </p:style>
+        </p:cxnSp>
+        <p:sp>
+          <p:nvSpPr>
+            <p:cNvPr id="75" name="TextBox 74"/>
+            <p:cNvSpPr txBox="1"/>
+            <p:nvPr/>
+          </p:nvSpPr>
+          <p:spPr>
+            <a:xfrm>
+              <a:off x="1995973" y="3271826"/>
+              <a:ext cx="720069" cy="369332"/>
+            </a:xfrm>
+            <a:prstGeom prst="rect">
+              <a:avLst/>
+            </a:prstGeom>
+            <a:noFill/>
+          </p:spPr>
+          <p:txBody>
+            <a:bodyPr wrap="none" rtlCol="0">
+              <a:spAutoFit/>
+            </a:bodyPr>
+            <a:lstStyle/>
+            <a:p>
+              <a:r>
+                <a:rPr lang="en-US" altLang="zh-CN" dirty="0" smtClean="0"/>
+                <a:t>5 m/z</a:t>
+              </a:r>
+              <a:endParaRPr lang="zh-CN" altLang="en-US" dirty="0"/>
+            </a:p>
+          </p:txBody>
+        </p:sp>
+        <p:sp>
+          <p:nvSpPr>
+            <p:cNvPr id="76" name="TextBox 75"/>
+            <p:cNvSpPr txBox="1"/>
+            <p:nvPr/>
+          </p:nvSpPr>
+          <p:spPr>
+            <a:xfrm>
+              <a:off x="17642" y="5334502"/>
+              <a:ext cx="837089" cy="369332"/>
+            </a:xfrm>
+            <a:prstGeom prst="rect">
+              <a:avLst/>
+            </a:prstGeom>
+            <a:noFill/>
+          </p:spPr>
+          <p:txBody>
+            <a:bodyPr wrap="none" rtlCol="0">
+              <a:spAutoFit/>
+            </a:bodyPr>
+            <a:lstStyle/>
+            <a:p>
+              <a:r>
+                <a:rPr lang="en-US" altLang="zh-CN" dirty="0" smtClean="0"/>
+                <a:t>10 m/z</a:t>
+              </a:r>
+              <a:endParaRPr lang="zh-CN" altLang="en-US" dirty="0"/>
+            </a:p>
+          </p:txBody>
+        </p:sp>
+        <p:sp>
+          <p:nvSpPr>
+            <p:cNvPr id="77" name="TextBox 76"/>
+            <p:cNvSpPr txBox="1"/>
+            <p:nvPr/>
+          </p:nvSpPr>
+          <p:spPr>
+            <a:xfrm>
+              <a:off x="2969400" y="5334502"/>
+              <a:ext cx="837089" cy="369332"/>
+            </a:xfrm>
+            <a:prstGeom prst="rect">
+              <a:avLst/>
+            </a:prstGeom>
+            <a:noFill/>
+          </p:spPr>
+          <p:txBody>
+            <a:bodyPr wrap="none" rtlCol="0">
+              <a:spAutoFit/>
+            </a:bodyPr>
+            <a:lstStyle/>
+            <a:p>
+              <a:r>
+                <a:rPr lang="en-US" altLang="zh-CN" dirty="0" smtClean="0"/>
+                <a:t>20 m/z</a:t>
+              </a:r>
+              <a:endParaRPr lang="zh-CN" altLang="en-US" dirty="0"/>
+            </a:p>
+          </p:txBody>
+        </p:sp>
+      </p:grpSp>
+      <p:grpSp>
+        <p:nvGrpSpPr>
+          <p:cNvPr id="86" name="组合 85"/>
+          <p:cNvGrpSpPr/>
+          <p:nvPr/>
+        </p:nvGrpSpPr>
+        <p:grpSpPr>
+          <a:xfrm>
+            <a:off x="4471559" y="3472006"/>
+            <a:ext cx="3788847" cy="2432008"/>
+            <a:chOff x="4471559" y="3472006"/>
+            <a:chExt cx="3788847" cy="2432008"/>
+          </a:xfrm>
+        </p:grpSpPr>
+        <p:grpSp>
+          <p:nvGrpSpPr>
+            <p:cNvPr id="41" name="组合 40"/>
+            <p:cNvGrpSpPr/>
+            <p:nvPr/>
+          </p:nvGrpSpPr>
+          <p:grpSpPr>
+            <a:xfrm>
+              <a:off x="5070801" y="3598416"/>
+              <a:ext cx="3058591" cy="2005303"/>
+              <a:chOff x="701615" y="361633"/>
+              <a:chExt cx="3058591" cy="2005303"/>
+            </a:xfrm>
+          </p:grpSpPr>
+          <p:sp>
+            <p:nvSpPr>
+              <p:cNvPr id="42" name="椭圆 41"/>
+              <p:cNvSpPr/>
+              <p:nvPr/>
+            </p:nvSpPr>
+            <p:spPr>
+              <a:xfrm>
+                <a:off x="1750320" y="361633"/>
+                <a:ext cx="360040" cy="360040"/>
+              </a:xfrm>
+              <a:prstGeom prst="ellipse">
+                <a:avLst/>
+              </a:prstGeom>
+            </p:spPr>
+            <p:style>
+              <a:lnRef idx="1">
+                <a:schemeClr val="accent3"/>
+              </a:lnRef>
+              <a:fillRef idx="3">
+                <a:schemeClr val="accent3"/>
+              </a:fillRef>
+              <a:effectRef idx="2">
+                <a:schemeClr val="accent3"/>
+              </a:effectRef>
+              <a:fontRef idx="minor">
+                <a:schemeClr val="lt1"/>
+              </a:fontRef>
+            </p:style>
+            <p:txBody>
+              <a:bodyPr rtlCol="0" anchor="ctr"/>
+              <a:lstStyle/>
+              <a:p>
+                <a:pPr algn="ctr"/>
+                <a:endParaRPr lang="zh-CN" altLang="en-US"/>
+              </a:p>
+            </p:txBody>
+          </p:sp>
+          <p:sp>
+            <p:nvSpPr>
+              <p:cNvPr id="43" name="椭圆 42"/>
+              <p:cNvSpPr/>
+              <p:nvPr/>
+            </p:nvSpPr>
+            <p:spPr>
+              <a:xfrm>
+                <a:off x="701615" y="1992432"/>
+                <a:ext cx="360040" cy="360040"/>
+              </a:xfrm>
+              <a:prstGeom prst="ellipse">
+                <a:avLst/>
+              </a:prstGeom>
+            </p:spPr>
+            <p:style>
+              <a:lnRef idx="1">
+                <a:schemeClr val="accent3"/>
+              </a:lnRef>
+              <a:fillRef idx="3">
+                <a:schemeClr val="accent3"/>
+              </a:fillRef>
+              <a:effectRef idx="2">
+                <a:schemeClr val="accent3"/>
+              </a:effectRef>
+              <a:fontRef idx="minor">
+                <a:schemeClr val="lt1"/>
+              </a:fontRef>
+            </p:style>
+            <p:txBody>
+              <a:bodyPr rtlCol="0" anchor="ctr"/>
+              <a:lstStyle/>
+              <a:p>
+                <a:pPr algn="ctr"/>
+                <a:endParaRPr lang="zh-CN" altLang="en-US"/>
+              </a:p>
+            </p:txBody>
+          </p:sp>
+          <p:sp>
+            <p:nvSpPr>
+              <p:cNvPr id="44" name="椭圆 43"/>
+              <p:cNvSpPr/>
+              <p:nvPr/>
+            </p:nvSpPr>
+            <p:spPr>
+              <a:xfrm>
+                <a:off x="2604772" y="2006896"/>
+                <a:ext cx="360040" cy="360040"/>
+              </a:xfrm>
+              <a:prstGeom prst="ellipse">
+                <a:avLst/>
+              </a:prstGeom>
+            </p:spPr>
+            <p:style>
+              <a:lnRef idx="1">
+                <a:schemeClr val="accent3"/>
+              </a:lnRef>
+              <a:fillRef idx="3">
+                <a:schemeClr val="accent3"/>
+              </a:fillRef>
+              <a:effectRef idx="2">
+                <a:schemeClr val="accent3"/>
+              </a:effectRef>
+              <a:fontRef idx="minor">
+                <a:schemeClr val="lt1"/>
+              </a:fontRef>
+            </p:style>
+            <p:txBody>
+              <a:bodyPr rtlCol="0" anchor="ctr"/>
+              <a:lstStyle/>
+              <a:p>
+                <a:pPr algn="ctr"/>
+                <a:endParaRPr lang="zh-CN" altLang="en-US"/>
+              </a:p>
+            </p:txBody>
+          </p:sp>
+          <p:cxnSp>
+            <p:nvCxnSpPr>
+              <p:cNvPr id="45" name="直接连接符 44"/>
+              <p:cNvCxnSpPr>
+                <a:endCxn id="43" idx="7"/>
+              </p:cNvCxnSpPr>
+              <p:nvPr/>
+            </p:nvCxnSpPr>
+            <p:spPr>
+              <a:xfrm flipH="1">
+                <a:off x="1008928" y="1720873"/>
+                <a:ext cx="340074" cy="324286"/>
+              </a:xfrm>
+              <a:prstGeom prst="line">
+                <a:avLst/>
+              </a:prstGeom>
+              <a:ln w="63500"/>
+            </p:spPr>
+            <p:style>
+              <a:lnRef idx="3">
+                <a:schemeClr val="dk1"/>
+              </a:lnRef>
+              <a:fillRef idx="0">
+                <a:schemeClr val="dk1"/>
+              </a:fillRef>
+              <a:effectRef idx="2">
+                <a:schemeClr val="dk1"/>
+              </a:effectRef>
+              <a:fontRef idx="minor">
+                <a:schemeClr val="tx1"/>
+              </a:fontRef>
+            </p:style>
+          </p:cxnSp>
+          <p:cxnSp>
+            <p:nvCxnSpPr>
+              <p:cNvPr id="46" name="直接连接符 45"/>
+              <p:cNvCxnSpPr>
+                <a:endCxn id="43" idx="6"/>
+              </p:cNvCxnSpPr>
+              <p:nvPr/>
+            </p:nvCxnSpPr>
+            <p:spPr>
+              <a:xfrm flipH="1">
+                <a:off x="1061655" y="2172452"/>
+                <a:ext cx="407979" cy="0"/>
+              </a:xfrm>
+              <a:prstGeom prst="line">
+                <a:avLst/>
+              </a:prstGeom>
+              <a:ln w="63500">
+                <a:solidFill>
+                  <a:srgbClr val="00B0F0"/>
+                </a:solidFill>
+              </a:ln>
+            </p:spPr>
+            <p:style>
+              <a:lnRef idx="3">
+                <a:schemeClr val="dk1"/>
+              </a:lnRef>
+              <a:fillRef idx="0">
+                <a:schemeClr val="dk1"/>
+              </a:fillRef>
+              <a:effectRef idx="2">
+                <a:schemeClr val="dk1"/>
+              </a:effectRef>
+              <a:fontRef idx="minor">
+                <a:schemeClr val="tx1"/>
+              </a:fontRef>
+            </p:style>
+          </p:cxnSp>
+          <p:cxnSp>
+            <p:nvCxnSpPr>
+              <p:cNvPr id="47" name="直接连接符 46"/>
+              <p:cNvCxnSpPr>
+                <a:stCxn id="44" idx="1"/>
+                <a:endCxn id="42" idx="4"/>
+              </p:cNvCxnSpPr>
+              <p:nvPr/>
+            </p:nvCxnSpPr>
+            <p:spPr>
+              <a:xfrm flipH="1" flipV="1">
+                <a:off x="1930340" y="721673"/>
+                <a:ext cx="727159" cy="1337950"/>
+              </a:xfrm>
+              <a:prstGeom prst="line">
+                <a:avLst/>
+              </a:prstGeom>
+              <a:ln w="63500">
+                <a:solidFill>
+                  <a:srgbClr val="FF0000"/>
+                </a:solidFill>
+              </a:ln>
+            </p:spPr>
+            <p:style>
+              <a:lnRef idx="3">
+                <a:schemeClr val="dk1"/>
+              </a:lnRef>
+              <a:fillRef idx="0">
+                <a:schemeClr val="dk1"/>
+              </a:fillRef>
+              <a:effectRef idx="2">
+                <a:schemeClr val="dk1"/>
+              </a:effectRef>
+              <a:fontRef idx="minor">
+                <a:schemeClr val="tx1"/>
+              </a:fontRef>
+            </p:style>
+          </p:cxnSp>
+          <p:sp>
+            <p:nvSpPr>
+              <p:cNvPr id="48" name="TextBox 47"/>
+              <p:cNvSpPr txBox="1"/>
+              <p:nvPr/>
+            </p:nvSpPr>
+            <p:spPr>
+              <a:xfrm>
+                <a:off x="2411760" y="1027256"/>
+                <a:ext cx="1348446" cy="369332"/>
+              </a:xfrm>
+              <a:prstGeom prst="rect">
+                <a:avLst/>
+              </a:prstGeom>
+              <a:noFill/>
+            </p:spPr>
+            <p:txBody>
+              <a:bodyPr wrap="none" rtlCol="0">
+                <a:spAutoFit/>
+              </a:bodyPr>
+              <a:lstStyle/>
+              <a:p>
+                <a:r>
+                  <a:rPr lang="en-US" altLang="zh-CN" dirty="0" smtClean="0"/>
+                  <a:t>A (5 </a:t>
+                </a:r>
+                <a:r>
+                  <a:rPr lang="en-US" altLang="zh-CN" dirty="0"/>
+                  <a:t>kJ/mol</a:t>
+                </a:r>
+                <a:r>
+                  <a:rPr lang="en-US" altLang="zh-CN" dirty="0" smtClean="0"/>
+                  <a:t>)</a:t>
+                </a:r>
+                <a:endParaRPr lang="zh-CN" altLang="en-US" dirty="0"/>
+              </a:p>
+            </p:txBody>
+          </p:sp>
+        </p:grpSp>
+        <p:cxnSp>
+          <p:nvCxnSpPr>
+            <p:cNvPr id="51" name="直接连接符 50"/>
+            <p:cNvCxnSpPr>
+              <a:stCxn id="42" idx="3"/>
+            </p:cNvCxnSpPr>
+            <p:nvPr/>
+          </p:nvCxnSpPr>
+          <p:spPr>
+            <a:xfrm flipH="1">
+              <a:off x="6119506" y="3905729"/>
+              <a:ext cx="52727" cy="333816"/>
+            </a:xfrm>
+            <a:prstGeom prst="line">
+              <a:avLst/>
+            </a:prstGeom>
+            <a:ln w="63500"/>
+          </p:spPr>
+          <p:style>
+            <a:lnRef idx="3">
+              <a:schemeClr val="dk1"/>
+            </a:lnRef>
+            <a:fillRef idx="0">
+              <a:schemeClr val="dk1"/>
+            </a:fillRef>
+            <a:effectRef idx="2">
+              <a:schemeClr val="dk1"/>
+            </a:effectRef>
+            <a:fontRef idx="minor">
+              <a:schemeClr val="tx1"/>
+            </a:fontRef>
+          </p:style>
+        </p:cxnSp>
+        <p:cxnSp>
+          <p:nvCxnSpPr>
+            <p:cNvPr id="53" name="直接连接符 52"/>
+            <p:cNvCxnSpPr>
+              <a:stCxn id="44" idx="2"/>
+            </p:cNvCxnSpPr>
+            <p:nvPr/>
+          </p:nvCxnSpPr>
+          <p:spPr>
+            <a:xfrm flipH="1" flipV="1">
+              <a:off x="6663105" y="5409235"/>
+              <a:ext cx="310853" cy="14464"/>
+            </a:xfrm>
+            <a:prstGeom prst="line">
+              <a:avLst/>
+            </a:prstGeom>
+            <a:ln w="63500">
+              <a:solidFill>
+                <a:srgbClr val="00B0F0"/>
+              </a:solidFill>
+            </a:ln>
+          </p:spPr>
+          <p:style>
+            <a:lnRef idx="3">
+              <a:schemeClr val="dk1"/>
+            </a:lnRef>
+            <a:fillRef idx="0">
+              <a:schemeClr val="dk1"/>
+            </a:fillRef>
+            <a:effectRef idx="2">
+              <a:schemeClr val="dk1"/>
+            </a:effectRef>
+            <a:fontRef idx="minor">
+              <a:schemeClr val="tx1"/>
+            </a:fontRef>
+          </p:style>
+        </p:cxnSp>
+        <p:sp>
+          <p:nvSpPr>
+            <p:cNvPr id="78" name="TextBox 77"/>
+            <p:cNvSpPr txBox="1"/>
+            <p:nvPr/>
+          </p:nvSpPr>
+          <p:spPr>
+            <a:xfrm>
+              <a:off x="6449890" y="3472006"/>
+              <a:ext cx="720069" cy="369332"/>
+            </a:xfrm>
+            <a:prstGeom prst="rect">
+              <a:avLst/>
+            </a:prstGeom>
+            <a:noFill/>
+          </p:spPr>
+          <p:txBody>
+            <a:bodyPr wrap="none" rtlCol="0">
+              <a:spAutoFit/>
+            </a:bodyPr>
+            <a:lstStyle/>
+            <a:p>
+              <a:r>
+                <a:rPr lang="en-US" altLang="zh-CN" dirty="0" smtClean="0"/>
+                <a:t>5 m/z</a:t>
+              </a:r>
+              <a:endParaRPr lang="zh-CN" altLang="en-US" dirty="0"/>
+            </a:p>
+          </p:txBody>
+        </p:sp>
+        <p:sp>
+          <p:nvSpPr>
+            <p:cNvPr id="79" name="TextBox 78"/>
+            <p:cNvSpPr txBox="1"/>
+            <p:nvPr/>
+          </p:nvSpPr>
+          <p:spPr>
+            <a:xfrm>
+              <a:off x="4471559" y="5534682"/>
+              <a:ext cx="837089" cy="369332"/>
+            </a:xfrm>
+            <a:prstGeom prst="rect">
+              <a:avLst/>
+            </a:prstGeom>
+            <a:noFill/>
+          </p:spPr>
+          <p:txBody>
+            <a:bodyPr wrap="none" rtlCol="0">
+              <a:spAutoFit/>
+            </a:bodyPr>
+            <a:lstStyle/>
+            <a:p>
+              <a:r>
+                <a:rPr lang="en-US" altLang="zh-CN" dirty="0" smtClean="0"/>
+                <a:t>10 m/z</a:t>
+              </a:r>
+              <a:endParaRPr lang="zh-CN" altLang="en-US" dirty="0"/>
+            </a:p>
+          </p:txBody>
+        </p:sp>
+        <p:sp>
+          <p:nvSpPr>
+            <p:cNvPr id="80" name="TextBox 79"/>
+            <p:cNvSpPr txBox="1"/>
+            <p:nvPr/>
+          </p:nvSpPr>
+          <p:spPr>
+            <a:xfrm>
+              <a:off x="7423317" y="5534682"/>
+              <a:ext cx="837089" cy="369332"/>
+            </a:xfrm>
+            <a:prstGeom prst="rect">
+              <a:avLst/>
+            </a:prstGeom>
+            <a:noFill/>
+          </p:spPr>
+          <p:txBody>
+            <a:bodyPr wrap="none" rtlCol="0">
+              <a:spAutoFit/>
+            </a:bodyPr>
+            <a:lstStyle/>
+            <a:p>
+              <a:r>
+                <a:rPr lang="en-US" altLang="zh-CN" dirty="0" smtClean="0"/>
+                <a:t>20 m/z</a:t>
+              </a:r>
+              <a:endParaRPr lang="zh-CN" altLang="en-US" dirty="0"/>
+            </a:p>
+          </p:txBody>
+        </p:sp>
+      </p:grpSp>
+      <p:grpSp>
+        <p:nvGrpSpPr>
+          <p:cNvPr id="87" name="组合 86"/>
+          <p:cNvGrpSpPr/>
+          <p:nvPr/>
+        </p:nvGrpSpPr>
+        <p:grpSpPr>
+          <a:xfrm>
+            <a:off x="4890103" y="201139"/>
+            <a:ext cx="3788847" cy="2432008"/>
+            <a:chOff x="4890103" y="201139"/>
+            <a:chExt cx="3788847" cy="2432008"/>
+          </a:xfrm>
+        </p:grpSpPr>
+        <p:grpSp>
+          <p:nvGrpSpPr>
+            <p:cNvPr id="56" name="组合 55"/>
+            <p:cNvGrpSpPr/>
+            <p:nvPr/>
+          </p:nvGrpSpPr>
+          <p:grpSpPr>
+            <a:xfrm>
+              <a:off x="5537055" y="381159"/>
+              <a:ext cx="2263197" cy="2005303"/>
+              <a:chOff x="701615" y="361633"/>
+              <a:chExt cx="2263197" cy="2005303"/>
+            </a:xfrm>
+          </p:grpSpPr>
+          <p:sp>
+            <p:nvSpPr>
+              <p:cNvPr id="57" name="椭圆 56"/>
+              <p:cNvSpPr/>
+              <p:nvPr/>
+            </p:nvSpPr>
+            <p:spPr>
+              <a:xfrm>
+                <a:off x="1750320" y="361633"/>
+                <a:ext cx="360040" cy="360040"/>
+              </a:xfrm>
+              <a:prstGeom prst="ellipse">
+                <a:avLst/>
+              </a:prstGeom>
+            </p:spPr>
+            <p:style>
+              <a:lnRef idx="1">
+                <a:schemeClr val="accent3"/>
+              </a:lnRef>
+              <a:fillRef idx="3">
+                <a:schemeClr val="accent3"/>
+              </a:fillRef>
+              <a:effectRef idx="2">
+                <a:schemeClr val="accent3"/>
+              </a:effectRef>
+              <a:fontRef idx="minor">
+                <a:schemeClr val="lt1"/>
+              </a:fontRef>
+            </p:style>
+            <p:txBody>
+              <a:bodyPr rtlCol="0" anchor="ctr"/>
+              <a:lstStyle/>
+              <a:p>
+                <a:pPr algn="ctr"/>
+                <a:endParaRPr lang="zh-CN" altLang="en-US"/>
+              </a:p>
+            </p:txBody>
+          </p:sp>
+          <p:sp>
+            <p:nvSpPr>
+              <p:cNvPr id="58" name="椭圆 57"/>
+              <p:cNvSpPr/>
+              <p:nvPr/>
+            </p:nvSpPr>
+            <p:spPr>
+              <a:xfrm>
+                <a:off x="701615" y="1992432"/>
+                <a:ext cx="360040" cy="360040"/>
+              </a:xfrm>
+              <a:prstGeom prst="ellipse">
+                <a:avLst/>
+              </a:prstGeom>
+            </p:spPr>
+            <p:style>
+              <a:lnRef idx="1">
+                <a:schemeClr val="accent3"/>
+              </a:lnRef>
+              <a:fillRef idx="3">
+                <a:schemeClr val="accent3"/>
+              </a:fillRef>
+              <a:effectRef idx="2">
+                <a:schemeClr val="accent3"/>
+              </a:effectRef>
+              <a:fontRef idx="minor">
+                <a:schemeClr val="lt1"/>
+              </a:fontRef>
+            </p:style>
+            <p:txBody>
+              <a:bodyPr rtlCol="0" anchor="ctr"/>
+              <a:lstStyle/>
+              <a:p>
+                <a:pPr algn="ctr"/>
+                <a:endParaRPr lang="zh-CN" altLang="en-US"/>
+              </a:p>
+            </p:txBody>
+          </p:sp>
+          <p:sp>
+            <p:nvSpPr>
+              <p:cNvPr id="59" name="椭圆 58"/>
+              <p:cNvSpPr/>
+              <p:nvPr/>
+            </p:nvSpPr>
+            <p:spPr>
+              <a:xfrm>
+                <a:off x="2604772" y="2006896"/>
+                <a:ext cx="360040" cy="360040"/>
+              </a:xfrm>
+              <a:prstGeom prst="ellipse">
+                <a:avLst/>
+              </a:prstGeom>
+            </p:spPr>
+            <p:style>
+              <a:lnRef idx="1">
+                <a:schemeClr val="accent3"/>
+              </a:lnRef>
+              <a:fillRef idx="3">
+                <a:schemeClr val="accent3"/>
+              </a:fillRef>
+              <a:effectRef idx="2">
+                <a:schemeClr val="accent3"/>
+              </a:effectRef>
+              <a:fontRef idx="minor">
+                <a:schemeClr val="lt1"/>
+              </a:fontRef>
+            </p:style>
+            <p:txBody>
+              <a:bodyPr rtlCol="0" anchor="ctr"/>
+              <a:lstStyle/>
+              <a:p>
+                <a:pPr algn="ctr"/>
+                <a:endParaRPr lang="zh-CN" altLang="en-US"/>
+              </a:p>
+            </p:txBody>
+          </p:sp>
+          <p:cxnSp>
+            <p:nvCxnSpPr>
+              <p:cNvPr id="60" name="直接连接符 59"/>
+              <p:cNvCxnSpPr>
+                <a:endCxn id="58" idx="7"/>
+              </p:cNvCxnSpPr>
+              <p:nvPr/>
+            </p:nvCxnSpPr>
+            <p:spPr>
+              <a:xfrm flipH="1">
+                <a:off x="1008928" y="1720873"/>
+                <a:ext cx="340074" cy="324286"/>
+              </a:xfrm>
+              <a:prstGeom prst="line">
+                <a:avLst/>
+              </a:prstGeom>
+              <a:ln w="63500"/>
+            </p:spPr>
+            <p:style>
+              <a:lnRef idx="3">
+                <a:schemeClr val="dk1"/>
+              </a:lnRef>
+              <a:fillRef idx="0">
+                <a:schemeClr val="dk1"/>
+              </a:fillRef>
+              <a:effectRef idx="2">
+                <a:schemeClr val="dk1"/>
+              </a:effectRef>
+              <a:fontRef idx="minor">
+                <a:schemeClr val="tx1"/>
+              </a:fontRef>
+            </p:style>
+          </p:cxnSp>
+          <p:cxnSp>
+            <p:nvCxnSpPr>
+              <p:cNvPr id="61" name="直接连接符 60"/>
+              <p:cNvCxnSpPr>
+                <a:endCxn id="58" idx="6"/>
+              </p:cNvCxnSpPr>
+              <p:nvPr/>
+            </p:nvCxnSpPr>
+            <p:spPr>
+              <a:xfrm flipH="1">
+                <a:off x="1061655" y="2172452"/>
+                <a:ext cx="407979" cy="0"/>
+              </a:xfrm>
+              <a:prstGeom prst="line">
+                <a:avLst/>
+              </a:prstGeom>
+              <a:ln w="63500">
+                <a:solidFill>
+                  <a:srgbClr val="00B0F0"/>
+                </a:solidFill>
+              </a:ln>
+            </p:spPr>
+            <p:style>
+              <a:lnRef idx="3">
+                <a:schemeClr val="dk1"/>
+              </a:lnRef>
+              <a:fillRef idx="0">
+                <a:schemeClr val="dk1"/>
+              </a:fillRef>
+              <a:effectRef idx="2">
+                <a:schemeClr val="dk1"/>
+              </a:effectRef>
+              <a:fontRef idx="minor">
+                <a:schemeClr val="tx1"/>
+              </a:fontRef>
+            </p:style>
+          </p:cxnSp>
+          <p:cxnSp>
+            <p:nvCxnSpPr>
+              <p:cNvPr id="62" name="直接连接符 61"/>
+              <p:cNvCxnSpPr>
+                <a:endCxn id="57" idx="4"/>
+              </p:cNvCxnSpPr>
+              <p:nvPr/>
+            </p:nvCxnSpPr>
+            <p:spPr>
+              <a:xfrm flipH="1" flipV="1">
+                <a:off x="1930340" y="721673"/>
+                <a:ext cx="208178" cy="310229"/>
+              </a:xfrm>
+              <a:prstGeom prst="line">
+                <a:avLst/>
+              </a:prstGeom>
+              <a:ln w="63500">
+                <a:solidFill>
+                  <a:srgbClr val="FF0000"/>
+                </a:solidFill>
+              </a:ln>
+            </p:spPr>
+            <p:style>
+              <a:lnRef idx="3">
+                <a:schemeClr val="dk1"/>
+              </a:lnRef>
+              <a:fillRef idx="0">
+                <a:schemeClr val="dk1"/>
+              </a:fillRef>
+              <a:effectRef idx="2">
+                <a:schemeClr val="dk1"/>
+              </a:effectRef>
+              <a:fontRef idx="minor">
+                <a:schemeClr val="tx1"/>
+              </a:fontRef>
+            </p:style>
+          </p:cxnSp>
+        </p:grpSp>
+        <p:cxnSp>
+          <p:nvCxnSpPr>
+            <p:cNvPr id="66" name="直接连接符 65"/>
+            <p:cNvCxnSpPr>
+              <a:stCxn id="57" idx="3"/>
+            </p:cNvCxnSpPr>
+            <p:nvPr/>
+          </p:nvCxnSpPr>
+          <p:spPr>
+            <a:xfrm flipH="1">
+              <a:off x="6585760" y="688472"/>
+              <a:ext cx="52727" cy="333816"/>
+            </a:xfrm>
+            <a:prstGeom prst="line">
+              <a:avLst/>
+            </a:prstGeom>
+            <a:ln w="63500"/>
+          </p:spPr>
+          <p:style>
+            <a:lnRef idx="3">
+              <a:schemeClr val="dk1"/>
+            </a:lnRef>
+            <a:fillRef idx="0">
+              <a:schemeClr val="dk1"/>
+            </a:fillRef>
+            <a:effectRef idx="2">
+              <a:schemeClr val="dk1"/>
+            </a:effectRef>
+            <a:fontRef idx="minor">
+              <a:schemeClr val="tx1"/>
+            </a:fontRef>
+          </p:style>
+        </p:cxnSp>
+        <p:cxnSp>
+          <p:nvCxnSpPr>
+            <p:cNvPr id="67" name="直接连接符 66"/>
+            <p:cNvCxnSpPr>
+              <a:stCxn id="59" idx="2"/>
+            </p:cNvCxnSpPr>
+            <p:nvPr/>
+          </p:nvCxnSpPr>
+          <p:spPr>
+            <a:xfrm flipH="1" flipV="1">
+              <a:off x="7129359" y="2191978"/>
+              <a:ext cx="310853" cy="14464"/>
+            </a:xfrm>
+            <a:prstGeom prst="line">
+              <a:avLst/>
+            </a:prstGeom>
+            <a:ln w="63500">
+              <a:solidFill>
+                <a:srgbClr val="00B0F0"/>
+              </a:solidFill>
+            </a:ln>
+          </p:spPr>
+          <p:style>
+            <a:lnRef idx="3">
+              <a:schemeClr val="dk1"/>
+            </a:lnRef>
+            <a:fillRef idx="0">
+              <a:schemeClr val="dk1"/>
+            </a:fillRef>
+            <a:effectRef idx="2">
+              <a:schemeClr val="dk1"/>
+            </a:effectRef>
+            <a:fontRef idx="minor">
+              <a:schemeClr val="tx1"/>
+            </a:fontRef>
+          </p:style>
+        </p:cxnSp>
+        <p:cxnSp>
+          <p:nvCxnSpPr>
+            <p:cNvPr id="69" name="直接连接符 68"/>
+            <p:cNvCxnSpPr>
+              <a:stCxn id="59" idx="1"/>
+            </p:cNvCxnSpPr>
+            <p:nvPr/>
+          </p:nvCxnSpPr>
+          <p:spPr>
+            <a:xfrm flipH="1" flipV="1">
+              <a:off x="7353695" y="1740399"/>
+              <a:ext cx="139244" cy="338750"/>
+            </a:xfrm>
+            <a:prstGeom prst="line">
+              <a:avLst/>
+            </a:prstGeom>
+            <a:ln w="63500">
+              <a:solidFill>
+                <a:srgbClr val="FF0000"/>
+              </a:solidFill>
+            </a:ln>
+          </p:spPr>
+          <p:style>
+            <a:lnRef idx="3">
+              <a:schemeClr val="dk1"/>
+            </a:lnRef>
+            <a:fillRef idx="0">
+              <a:schemeClr val="dk1"/>
+            </a:fillRef>
+            <a:effectRef idx="2">
+              <a:schemeClr val="dk1"/>
+            </a:effectRef>
+            <a:fontRef idx="minor">
+              <a:schemeClr val="tx1"/>
+            </a:fontRef>
+          </p:style>
+        </p:cxnSp>
+        <p:sp>
+          <p:nvSpPr>
+            <p:cNvPr id="81" name="TextBox 80"/>
+            <p:cNvSpPr txBox="1"/>
+            <p:nvPr/>
+          </p:nvSpPr>
+          <p:spPr>
+            <a:xfrm>
+              <a:off x="6868434" y="201139"/>
+              <a:ext cx="720069" cy="369332"/>
+            </a:xfrm>
+            <a:prstGeom prst="rect">
+              <a:avLst/>
+            </a:prstGeom>
+            <a:noFill/>
+          </p:spPr>
+          <p:txBody>
+            <a:bodyPr wrap="none" rtlCol="0">
+              <a:spAutoFit/>
+            </a:bodyPr>
+            <a:lstStyle/>
+            <a:p>
+              <a:r>
+                <a:rPr lang="en-US" altLang="zh-CN" dirty="0" smtClean="0"/>
+                <a:t>5 m/z</a:t>
+              </a:r>
+              <a:endParaRPr lang="zh-CN" altLang="en-US" dirty="0"/>
+            </a:p>
+          </p:txBody>
+        </p:sp>
+        <p:sp>
+          <p:nvSpPr>
+            <p:cNvPr id="82" name="TextBox 81"/>
+            <p:cNvSpPr txBox="1"/>
+            <p:nvPr/>
+          </p:nvSpPr>
+          <p:spPr>
+            <a:xfrm>
+              <a:off x="4890103" y="2263815"/>
+              <a:ext cx="837089" cy="369332"/>
+            </a:xfrm>
+            <a:prstGeom prst="rect">
+              <a:avLst/>
+            </a:prstGeom>
+            <a:noFill/>
+          </p:spPr>
+          <p:txBody>
+            <a:bodyPr wrap="none" rtlCol="0">
+              <a:spAutoFit/>
+            </a:bodyPr>
+            <a:lstStyle/>
+            <a:p>
+              <a:r>
+                <a:rPr lang="en-US" altLang="zh-CN" dirty="0" smtClean="0"/>
+                <a:t>10 m/z</a:t>
+              </a:r>
+              <a:endParaRPr lang="zh-CN" altLang="en-US" dirty="0"/>
+            </a:p>
+          </p:txBody>
+        </p:sp>
+        <p:sp>
+          <p:nvSpPr>
+            <p:cNvPr id="83" name="TextBox 82"/>
+            <p:cNvSpPr txBox="1"/>
+            <p:nvPr/>
+          </p:nvSpPr>
+          <p:spPr>
+            <a:xfrm>
+              <a:off x="7841861" y="2263815"/>
+              <a:ext cx="837089" cy="369332"/>
+            </a:xfrm>
+            <a:prstGeom prst="rect">
+              <a:avLst/>
+            </a:prstGeom>
+            <a:noFill/>
+          </p:spPr>
+          <p:txBody>
+            <a:bodyPr wrap="none" rtlCol="0">
+              <a:spAutoFit/>
+            </a:bodyPr>
+            <a:lstStyle/>
+            <a:p>
+              <a:r>
+                <a:rPr lang="en-US" altLang="zh-CN" dirty="0" smtClean="0"/>
+                <a:t>20 m/z</a:t>
+              </a:r>
+              <a:endParaRPr lang="zh-CN" altLang="en-US" dirty="0"/>
+            </a:p>
+          </p:txBody>
+        </p:sp>
+      </p:grpSp>
+    </p:spTree>
+    <p:extLst>
+      <p:ext uri="{BB962C8B-B14F-4D97-AF65-F5344CB8AC3E}">
+        <p14:creationId xmlns:p14="http://schemas.microsoft.com/office/powerpoint/2010/main" val="2298528964"/>
+      </p:ext>
+    </p:extLst>
+  </p:cSld>
+  <p:clrMapOvr>
+    <a:masterClrMapping/>
+  </p:clrMapOvr>
+</p:sld>
+</file>
+
 <file path=ppt/theme/theme1.xml><?xml version="1.0" encoding="utf-8"?>
 <a:theme xmlns:a="http://schemas.openxmlformats.org/drawingml/2006/main" name="Office 主题">
   <a:themeElements>

--- a/Manuscript/chemical_graph.pptx
+++ b/Manuscript/chemical_graph.pptx
@@ -7,6 +7,7 @@
   <p:sldIdLst>
     <p:sldId id="256" r:id="rId2"/>
     <p:sldId id="257" r:id="rId3"/>
+    <p:sldId id="258" r:id="rId4"/>
   </p:sldIdLst>
   <p:sldSz cx="9144000" cy="6858000" type="screen4x3"/>
   <p:notesSz cx="6858000" cy="9144000"/>
@@ -5207,6 +5208,1308 @@
 </p:sld>
 </file>
 
+<file path=ppt/slides/slide3.xml><?xml version="1.0" encoding="utf-8"?>
+<p:sld xmlns:a="http://schemas.openxmlformats.org/drawingml/2006/main" xmlns:r="http://schemas.openxmlformats.org/officeDocument/2006/relationships" xmlns:p="http://schemas.openxmlformats.org/presentationml/2006/main">
+  <p:cSld>
+    <p:spTree>
+      <p:nvGrpSpPr>
+        <p:cNvPr id="1" name=""/>
+        <p:cNvGrpSpPr/>
+        <p:nvPr/>
+      </p:nvGrpSpPr>
+      <p:grpSpPr>
+        <a:xfrm>
+          <a:off x="0" y="0"/>
+          <a:ext cx="0" cy="0"/>
+          <a:chOff x="0" y="0"/>
+          <a:chExt cx="0" cy="0"/>
+        </a:xfrm>
+      </p:grpSpPr>
+      <p:grpSp>
+        <p:nvGrpSpPr>
+          <p:cNvPr id="20" name="组合 19"/>
+          <p:cNvGrpSpPr/>
+          <p:nvPr/>
+        </p:nvGrpSpPr>
+        <p:grpSpPr>
+          <a:xfrm>
+            <a:off x="251520" y="-36676"/>
+            <a:ext cx="4032448" cy="2930262"/>
+            <a:chOff x="251520" y="-36676"/>
+            <a:chExt cx="4032448" cy="2930262"/>
+          </a:xfrm>
+        </p:grpSpPr>
+        <p:cxnSp>
+          <p:nvCxnSpPr>
+            <p:cNvPr id="5" name="直接箭头连接符 4"/>
+            <p:cNvCxnSpPr/>
+            <p:nvPr/>
+          </p:nvCxnSpPr>
+          <p:spPr>
+            <a:xfrm>
+              <a:off x="251520" y="2492896"/>
+              <a:ext cx="4032448" cy="0"/>
+            </a:xfrm>
+            <a:prstGeom prst="straightConnector1">
+              <a:avLst/>
+            </a:prstGeom>
+            <a:ln w="63500">
+              <a:solidFill>
+                <a:schemeClr val="tx1"/>
+              </a:solidFill>
+              <a:tailEnd type="triangle"/>
+            </a:ln>
+          </p:spPr>
+          <p:style>
+            <a:lnRef idx="1">
+              <a:schemeClr val="accent1"/>
+            </a:lnRef>
+            <a:fillRef idx="0">
+              <a:schemeClr val="accent1"/>
+            </a:fillRef>
+            <a:effectRef idx="0">
+              <a:schemeClr val="accent1"/>
+            </a:effectRef>
+            <a:fontRef idx="minor">
+              <a:schemeClr val="tx1"/>
+            </a:fontRef>
+          </p:style>
+        </p:cxnSp>
+        <p:cxnSp>
+          <p:nvCxnSpPr>
+            <p:cNvPr id="8" name="直接箭头连接符 7"/>
+            <p:cNvCxnSpPr/>
+            <p:nvPr/>
+          </p:nvCxnSpPr>
+          <p:spPr>
+            <a:xfrm flipV="1">
+              <a:off x="251520" y="188640"/>
+              <a:ext cx="0" cy="2304256"/>
+            </a:xfrm>
+            <a:prstGeom prst="straightConnector1">
+              <a:avLst/>
+            </a:prstGeom>
+            <a:ln w="63500">
+              <a:solidFill>
+                <a:schemeClr val="tx1"/>
+              </a:solidFill>
+              <a:tailEnd type="triangle"/>
+            </a:ln>
+          </p:spPr>
+          <p:style>
+            <a:lnRef idx="1">
+              <a:schemeClr val="accent1"/>
+            </a:lnRef>
+            <a:fillRef idx="0">
+              <a:schemeClr val="accent1"/>
+            </a:fillRef>
+            <a:effectRef idx="0">
+              <a:schemeClr val="accent1"/>
+            </a:effectRef>
+            <a:fontRef idx="minor">
+              <a:schemeClr val="tx1"/>
+            </a:fontRef>
+          </p:style>
+        </p:cxnSp>
+        <p:cxnSp>
+          <p:nvCxnSpPr>
+            <p:cNvPr id="14" name="直接连接符 13"/>
+            <p:cNvCxnSpPr/>
+            <p:nvPr/>
+          </p:nvCxnSpPr>
+          <p:spPr>
+            <a:xfrm>
+              <a:off x="2771800" y="332656"/>
+              <a:ext cx="0" cy="2160240"/>
+            </a:xfrm>
+            <a:prstGeom prst="line">
+              <a:avLst/>
+            </a:prstGeom>
+            <a:ln w="190500">
+              <a:solidFill>
+                <a:schemeClr val="tx2"/>
+              </a:solidFill>
+            </a:ln>
+          </p:spPr>
+          <p:style>
+            <a:lnRef idx="1">
+              <a:schemeClr val="accent1"/>
+            </a:lnRef>
+            <a:fillRef idx="0">
+              <a:schemeClr val="accent1"/>
+            </a:fillRef>
+            <a:effectRef idx="0">
+              <a:schemeClr val="accent1"/>
+            </a:effectRef>
+            <a:fontRef idx="minor">
+              <a:schemeClr val="tx1"/>
+            </a:fontRef>
+          </p:style>
+        </p:cxnSp>
+        <p:sp>
+          <p:nvSpPr>
+            <p:cNvPr id="17" name="TextBox 16"/>
+            <p:cNvSpPr txBox="1"/>
+            <p:nvPr/>
+          </p:nvSpPr>
+          <p:spPr>
+            <a:xfrm>
+              <a:off x="2562448" y="-36676"/>
+              <a:ext cx="418704" cy="369332"/>
+            </a:xfrm>
+            <a:prstGeom prst="rect">
+              <a:avLst/>
+            </a:prstGeom>
+            <a:noFill/>
+          </p:spPr>
+          <p:txBody>
+            <a:bodyPr wrap="none" rtlCol="0">
+              <a:spAutoFit/>
+            </a:bodyPr>
+            <a:lstStyle/>
+            <a:p>
+              <a:r>
+                <a:rPr lang="en-US" altLang="zh-CN" dirty="0" smtClean="0"/>
+                <a:t>35</a:t>
+              </a:r>
+              <a:endParaRPr lang="zh-CN" altLang="en-US" dirty="0"/>
+            </a:p>
+          </p:txBody>
+        </p:sp>
+        <p:sp>
+          <p:nvSpPr>
+            <p:cNvPr id="18" name="TextBox 17"/>
+            <p:cNvSpPr txBox="1"/>
+            <p:nvPr/>
+          </p:nvSpPr>
+          <p:spPr>
+            <a:xfrm>
+              <a:off x="3635896" y="2524254"/>
+              <a:ext cx="550151" cy="369332"/>
+            </a:xfrm>
+            <a:prstGeom prst="rect">
+              <a:avLst/>
+            </a:prstGeom>
+            <a:noFill/>
+          </p:spPr>
+          <p:txBody>
+            <a:bodyPr wrap="none" rtlCol="0">
+              <a:spAutoFit/>
+            </a:bodyPr>
+            <a:lstStyle/>
+            <a:p>
+              <a:r>
+                <a:rPr lang="en-US" altLang="zh-CN" dirty="0" smtClean="0"/>
+                <a:t>m/z</a:t>
+              </a:r>
+              <a:endParaRPr lang="zh-CN" altLang="en-US" dirty="0"/>
+            </a:p>
+          </p:txBody>
+        </p:sp>
+        <p:sp>
+          <p:nvSpPr>
+            <p:cNvPr id="19" name="TextBox 18"/>
+            <p:cNvSpPr txBox="1"/>
+            <p:nvPr/>
+          </p:nvSpPr>
+          <p:spPr>
+            <a:xfrm>
+              <a:off x="323528" y="188640"/>
+              <a:ext cx="553806" cy="369332"/>
+            </a:xfrm>
+            <a:prstGeom prst="rect">
+              <a:avLst/>
+            </a:prstGeom>
+            <a:noFill/>
+          </p:spPr>
+          <p:txBody>
+            <a:bodyPr wrap="none" rtlCol="0">
+              <a:spAutoFit/>
+            </a:bodyPr>
+            <a:lstStyle/>
+            <a:p>
+              <a:r>
+                <a:rPr lang="en-US" altLang="zh-CN" dirty="0" smtClean="0"/>
+                <a:t>into</a:t>
+              </a:r>
+              <a:endParaRPr lang="zh-CN" altLang="en-US" dirty="0"/>
+            </a:p>
+          </p:txBody>
+        </p:sp>
+      </p:grpSp>
+      <p:grpSp>
+        <p:nvGrpSpPr>
+          <p:cNvPr id="21" name="组合 20"/>
+          <p:cNvGrpSpPr/>
+          <p:nvPr/>
+        </p:nvGrpSpPr>
+        <p:grpSpPr>
+          <a:xfrm>
+            <a:off x="323528" y="3645024"/>
+            <a:ext cx="4032448" cy="2930262"/>
+            <a:chOff x="251520" y="-36676"/>
+            <a:chExt cx="4032448" cy="2930262"/>
+          </a:xfrm>
+        </p:grpSpPr>
+        <p:cxnSp>
+          <p:nvCxnSpPr>
+            <p:cNvPr id="22" name="直接箭头连接符 21"/>
+            <p:cNvCxnSpPr/>
+            <p:nvPr/>
+          </p:nvCxnSpPr>
+          <p:spPr>
+            <a:xfrm>
+              <a:off x="251520" y="2492896"/>
+              <a:ext cx="4032448" cy="0"/>
+            </a:xfrm>
+            <a:prstGeom prst="straightConnector1">
+              <a:avLst/>
+            </a:prstGeom>
+            <a:ln w="63500">
+              <a:solidFill>
+                <a:schemeClr val="tx1"/>
+              </a:solidFill>
+              <a:tailEnd type="triangle"/>
+            </a:ln>
+          </p:spPr>
+          <p:style>
+            <a:lnRef idx="1">
+              <a:schemeClr val="accent1"/>
+            </a:lnRef>
+            <a:fillRef idx="0">
+              <a:schemeClr val="accent1"/>
+            </a:fillRef>
+            <a:effectRef idx="0">
+              <a:schemeClr val="accent1"/>
+            </a:effectRef>
+            <a:fontRef idx="minor">
+              <a:schemeClr val="tx1"/>
+            </a:fontRef>
+          </p:style>
+        </p:cxnSp>
+        <p:cxnSp>
+          <p:nvCxnSpPr>
+            <p:cNvPr id="23" name="直接箭头连接符 22"/>
+            <p:cNvCxnSpPr/>
+            <p:nvPr/>
+          </p:nvCxnSpPr>
+          <p:spPr>
+            <a:xfrm flipV="1">
+              <a:off x="251520" y="188640"/>
+              <a:ext cx="0" cy="2304256"/>
+            </a:xfrm>
+            <a:prstGeom prst="straightConnector1">
+              <a:avLst/>
+            </a:prstGeom>
+            <a:ln w="63500">
+              <a:solidFill>
+                <a:schemeClr val="tx1"/>
+              </a:solidFill>
+              <a:tailEnd type="triangle"/>
+            </a:ln>
+          </p:spPr>
+          <p:style>
+            <a:lnRef idx="1">
+              <a:schemeClr val="accent1"/>
+            </a:lnRef>
+            <a:fillRef idx="0">
+              <a:schemeClr val="accent1"/>
+            </a:fillRef>
+            <a:effectRef idx="0">
+              <a:schemeClr val="accent1"/>
+            </a:effectRef>
+            <a:fontRef idx="minor">
+              <a:schemeClr val="tx1"/>
+            </a:fontRef>
+          </p:style>
+        </p:cxnSp>
+        <p:cxnSp>
+          <p:nvCxnSpPr>
+            <p:cNvPr id="24" name="直接连接符 23"/>
+            <p:cNvCxnSpPr/>
+            <p:nvPr/>
+          </p:nvCxnSpPr>
+          <p:spPr>
+            <a:xfrm>
+              <a:off x="2771800" y="332656"/>
+              <a:ext cx="0" cy="2160240"/>
+            </a:xfrm>
+            <a:prstGeom prst="line">
+              <a:avLst/>
+            </a:prstGeom>
+            <a:ln w="190500">
+              <a:solidFill>
+                <a:schemeClr val="tx2"/>
+              </a:solidFill>
+            </a:ln>
+          </p:spPr>
+          <p:style>
+            <a:lnRef idx="1">
+              <a:schemeClr val="accent1"/>
+            </a:lnRef>
+            <a:fillRef idx="0">
+              <a:schemeClr val="accent1"/>
+            </a:fillRef>
+            <a:effectRef idx="0">
+              <a:schemeClr val="accent1"/>
+            </a:effectRef>
+            <a:fontRef idx="minor">
+              <a:schemeClr val="tx1"/>
+            </a:fontRef>
+          </p:style>
+        </p:cxnSp>
+        <p:sp>
+          <p:nvSpPr>
+            <p:cNvPr id="25" name="TextBox 24"/>
+            <p:cNvSpPr txBox="1"/>
+            <p:nvPr/>
+          </p:nvSpPr>
+          <p:spPr>
+            <a:xfrm>
+              <a:off x="2562448" y="-36676"/>
+              <a:ext cx="418704" cy="369332"/>
+            </a:xfrm>
+            <a:prstGeom prst="rect">
+              <a:avLst/>
+            </a:prstGeom>
+            <a:noFill/>
+          </p:spPr>
+          <p:txBody>
+            <a:bodyPr wrap="none" rtlCol="0">
+              <a:spAutoFit/>
+            </a:bodyPr>
+            <a:lstStyle/>
+            <a:p>
+              <a:r>
+                <a:rPr lang="en-US" altLang="zh-CN" dirty="0" smtClean="0"/>
+                <a:t>35</a:t>
+              </a:r>
+              <a:endParaRPr lang="zh-CN" altLang="en-US" dirty="0"/>
+            </a:p>
+          </p:txBody>
+        </p:sp>
+        <p:sp>
+          <p:nvSpPr>
+            <p:cNvPr id="26" name="TextBox 25"/>
+            <p:cNvSpPr txBox="1"/>
+            <p:nvPr/>
+          </p:nvSpPr>
+          <p:spPr>
+            <a:xfrm>
+              <a:off x="3635896" y="2524254"/>
+              <a:ext cx="550151" cy="369332"/>
+            </a:xfrm>
+            <a:prstGeom prst="rect">
+              <a:avLst/>
+            </a:prstGeom>
+            <a:noFill/>
+          </p:spPr>
+          <p:txBody>
+            <a:bodyPr wrap="none" rtlCol="0">
+              <a:spAutoFit/>
+            </a:bodyPr>
+            <a:lstStyle/>
+            <a:p>
+              <a:r>
+                <a:rPr lang="en-US" altLang="zh-CN" dirty="0" smtClean="0"/>
+                <a:t>m/z</a:t>
+              </a:r>
+              <a:endParaRPr lang="zh-CN" altLang="en-US" dirty="0"/>
+            </a:p>
+          </p:txBody>
+        </p:sp>
+        <p:sp>
+          <p:nvSpPr>
+            <p:cNvPr id="27" name="TextBox 26"/>
+            <p:cNvSpPr txBox="1"/>
+            <p:nvPr/>
+          </p:nvSpPr>
+          <p:spPr>
+            <a:xfrm>
+              <a:off x="323528" y="188640"/>
+              <a:ext cx="553806" cy="369332"/>
+            </a:xfrm>
+            <a:prstGeom prst="rect">
+              <a:avLst/>
+            </a:prstGeom>
+            <a:noFill/>
+          </p:spPr>
+          <p:txBody>
+            <a:bodyPr wrap="none" rtlCol="0">
+              <a:spAutoFit/>
+            </a:bodyPr>
+            <a:lstStyle/>
+            <a:p>
+              <a:r>
+                <a:rPr lang="en-US" altLang="zh-CN" dirty="0" smtClean="0"/>
+                <a:t>into</a:t>
+              </a:r>
+              <a:endParaRPr lang="zh-CN" altLang="en-US" dirty="0"/>
+            </a:p>
+          </p:txBody>
+        </p:sp>
+      </p:grpSp>
+      <p:grpSp>
+        <p:nvGrpSpPr>
+          <p:cNvPr id="64" name="组合 63"/>
+          <p:cNvGrpSpPr/>
+          <p:nvPr/>
+        </p:nvGrpSpPr>
+        <p:grpSpPr>
+          <a:xfrm>
+            <a:off x="5004048" y="-36676"/>
+            <a:ext cx="4032448" cy="2992351"/>
+            <a:chOff x="5004048" y="-36676"/>
+            <a:chExt cx="4032448" cy="2992351"/>
+          </a:xfrm>
+        </p:grpSpPr>
+        <p:grpSp>
+          <p:nvGrpSpPr>
+            <p:cNvPr id="28" name="组合 27"/>
+            <p:cNvGrpSpPr/>
+            <p:nvPr/>
+          </p:nvGrpSpPr>
+          <p:grpSpPr>
+            <a:xfrm>
+              <a:off x="5004048" y="250729"/>
+              <a:ext cx="4032448" cy="2704946"/>
+              <a:chOff x="251520" y="188640"/>
+              <a:chExt cx="4032448" cy="2704946"/>
+            </a:xfrm>
+          </p:grpSpPr>
+          <p:cxnSp>
+            <p:nvCxnSpPr>
+              <p:cNvPr id="29" name="直接箭头连接符 28"/>
+              <p:cNvCxnSpPr/>
+              <p:nvPr/>
+            </p:nvCxnSpPr>
+            <p:spPr>
+              <a:xfrm>
+                <a:off x="251520" y="2492896"/>
+                <a:ext cx="4032448" cy="0"/>
+              </a:xfrm>
+              <a:prstGeom prst="straightConnector1">
+                <a:avLst/>
+              </a:prstGeom>
+              <a:ln w="63500">
+                <a:solidFill>
+                  <a:schemeClr val="tx1"/>
+                </a:solidFill>
+                <a:tailEnd type="triangle"/>
+              </a:ln>
+            </p:spPr>
+            <p:style>
+              <a:lnRef idx="1">
+                <a:schemeClr val="accent1"/>
+              </a:lnRef>
+              <a:fillRef idx="0">
+                <a:schemeClr val="accent1"/>
+              </a:fillRef>
+              <a:effectRef idx="0">
+                <a:schemeClr val="accent1"/>
+              </a:effectRef>
+              <a:fontRef idx="minor">
+                <a:schemeClr val="tx1"/>
+              </a:fontRef>
+            </p:style>
+          </p:cxnSp>
+          <p:cxnSp>
+            <p:nvCxnSpPr>
+              <p:cNvPr id="30" name="直接箭头连接符 29"/>
+              <p:cNvCxnSpPr/>
+              <p:nvPr/>
+            </p:nvCxnSpPr>
+            <p:spPr>
+              <a:xfrm flipV="1">
+                <a:off x="251520" y="188640"/>
+                <a:ext cx="0" cy="2304256"/>
+              </a:xfrm>
+              <a:prstGeom prst="straightConnector1">
+                <a:avLst/>
+              </a:prstGeom>
+              <a:ln w="63500">
+                <a:solidFill>
+                  <a:schemeClr val="tx1"/>
+                </a:solidFill>
+                <a:tailEnd type="triangle"/>
+              </a:ln>
+            </p:spPr>
+            <p:style>
+              <a:lnRef idx="1">
+                <a:schemeClr val="accent1"/>
+              </a:lnRef>
+              <a:fillRef idx="0">
+                <a:schemeClr val="accent1"/>
+              </a:fillRef>
+              <a:effectRef idx="0">
+                <a:schemeClr val="accent1"/>
+              </a:effectRef>
+              <a:fontRef idx="minor">
+                <a:schemeClr val="tx1"/>
+              </a:fontRef>
+            </p:style>
+          </p:cxnSp>
+          <p:cxnSp>
+            <p:nvCxnSpPr>
+              <p:cNvPr id="31" name="直接连接符 30"/>
+              <p:cNvCxnSpPr/>
+              <p:nvPr/>
+            </p:nvCxnSpPr>
+            <p:spPr>
+              <a:xfrm>
+                <a:off x="2771800" y="1412776"/>
+                <a:ext cx="0" cy="1080120"/>
+              </a:xfrm>
+              <a:prstGeom prst="line">
+                <a:avLst/>
+              </a:prstGeom>
+              <a:ln w="190500">
+                <a:solidFill>
+                  <a:schemeClr val="tx2"/>
+                </a:solidFill>
+              </a:ln>
+            </p:spPr>
+            <p:style>
+              <a:lnRef idx="1">
+                <a:schemeClr val="accent1"/>
+              </a:lnRef>
+              <a:fillRef idx="0">
+                <a:schemeClr val="accent1"/>
+              </a:fillRef>
+              <a:effectRef idx="0">
+                <a:schemeClr val="accent1"/>
+              </a:effectRef>
+              <a:fontRef idx="minor">
+                <a:schemeClr val="tx1"/>
+              </a:fontRef>
+            </p:style>
+          </p:cxnSp>
+          <p:sp>
+            <p:nvSpPr>
+              <p:cNvPr id="32" name="TextBox 31"/>
+              <p:cNvSpPr txBox="1"/>
+              <p:nvPr/>
+            </p:nvSpPr>
+            <p:spPr>
+              <a:xfrm>
+                <a:off x="2629533" y="921474"/>
+                <a:ext cx="418704" cy="369332"/>
+              </a:xfrm>
+              <a:prstGeom prst="rect">
+                <a:avLst/>
+              </a:prstGeom>
+              <a:noFill/>
+            </p:spPr>
+            <p:txBody>
+              <a:bodyPr wrap="none" rtlCol="0">
+                <a:spAutoFit/>
+              </a:bodyPr>
+              <a:lstStyle/>
+              <a:p>
+                <a:r>
+                  <a:rPr lang="en-US" altLang="zh-CN" dirty="0" smtClean="0"/>
+                  <a:t>35</a:t>
+                </a:r>
+                <a:endParaRPr lang="zh-CN" altLang="en-US" dirty="0"/>
+              </a:p>
+            </p:txBody>
+          </p:sp>
+          <p:sp>
+            <p:nvSpPr>
+              <p:cNvPr id="33" name="TextBox 32"/>
+              <p:cNvSpPr txBox="1"/>
+              <p:nvPr/>
+            </p:nvSpPr>
+            <p:spPr>
+              <a:xfrm>
+                <a:off x="3635896" y="2524254"/>
+                <a:ext cx="550151" cy="369332"/>
+              </a:xfrm>
+              <a:prstGeom prst="rect">
+                <a:avLst/>
+              </a:prstGeom>
+              <a:noFill/>
+            </p:spPr>
+            <p:txBody>
+              <a:bodyPr wrap="none" rtlCol="0">
+                <a:spAutoFit/>
+              </a:bodyPr>
+              <a:lstStyle/>
+              <a:p>
+                <a:r>
+                  <a:rPr lang="en-US" altLang="zh-CN" dirty="0" smtClean="0"/>
+                  <a:t>m/z</a:t>
+                </a:r>
+                <a:endParaRPr lang="zh-CN" altLang="en-US" dirty="0"/>
+              </a:p>
+            </p:txBody>
+          </p:sp>
+          <p:sp>
+            <p:nvSpPr>
+              <p:cNvPr id="34" name="TextBox 33"/>
+              <p:cNvSpPr txBox="1"/>
+              <p:nvPr/>
+            </p:nvSpPr>
+            <p:spPr>
+              <a:xfrm>
+                <a:off x="323528" y="188640"/>
+                <a:ext cx="553806" cy="369332"/>
+              </a:xfrm>
+              <a:prstGeom prst="rect">
+                <a:avLst/>
+              </a:prstGeom>
+              <a:noFill/>
+            </p:spPr>
+            <p:txBody>
+              <a:bodyPr wrap="none" rtlCol="0">
+                <a:spAutoFit/>
+              </a:bodyPr>
+              <a:lstStyle/>
+              <a:p>
+                <a:r>
+                  <a:rPr lang="en-US" altLang="zh-CN" dirty="0" smtClean="0"/>
+                  <a:t>into</a:t>
+                </a:r>
+                <a:endParaRPr lang="zh-CN" altLang="en-US" dirty="0"/>
+              </a:p>
+            </p:txBody>
+          </p:sp>
+        </p:grpSp>
+        <p:cxnSp>
+          <p:nvCxnSpPr>
+            <p:cNvPr id="42" name="直接连接符 41"/>
+            <p:cNvCxnSpPr/>
+            <p:nvPr/>
+          </p:nvCxnSpPr>
+          <p:spPr>
+            <a:xfrm>
+              <a:off x="5629862" y="364014"/>
+              <a:ext cx="0" cy="2160240"/>
+            </a:xfrm>
+            <a:prstGeom prst="line">
+              <a:avLst/>
+            </a:prstGeom>
+            <a:ln w="190500">
+              <a:solidFill>
+                <a:schemeClr val="tx2"/>
+              </a:solidFill>
+            </a:ln>
+          </p:spPr>
+          <p:style>
+            <a:lnRef idx="1">
+              <a:schemeClr val="accent1"/>
+            </a:lnRef>
+            <a:fillRef idx="0">
+              <a:schemeClr val="accent1"/>
+            </a:fillRef>
+            <a:effectRef idx="0">
+              <a:schemeClr val="accent1"/>
+            </a:effectRef>
+            <a:fontRef idx="minor">
+              <a:schemeClr val="tx1"/>
+            </a:fontRef>
+          </p:style>
+        </p:cxnSp>
+        <p:cxnSp>
+          <p:nvCxnSpPr>
+            <p:cNvPr id="44" name="直接连接符 43"/>
+            <p:cNvCxnSpPr/>
+            <p:nvPr/>
+          </p:nvCxnSpPr>
+          <p:spPr>
+            <a:xfrm>
+              <a:off x="6660232" y="980728"/>
+              <a:ext cx="0" cy="1552818"/>
+            </a:xfrm>
+            <a:prstGeom prst="line">
+              <a:avLst/>
+            </a:prstGeom>
+            <a:ln w="190500">
+              <a:solidFill>
+                <a:schemeClr val="tx2"/>
+              </a:solidFill>
+            </a:ln>
+          </p:spPr>
+          <p:style>
+            <a:lnRef idx="1">
+              <a:schemeClr val="accent1"/>
+            </a:lnRef>
+            <a:fillRef idx="0">
+              <a:schemeClr val="accent1"/>
+            </a:fillRef>
+            <a:effectRef idx="0">
+              <a:schemeClr val="accent1"/>
+            </a:effectRef>
+            <a:fontRef idx="minor">
+              <a:schemeClr val="tx1"/>
+            </a:fontRef>
+          </p:style>
+        </p:cxnSp>
+        <p:sp>
+          <p:nvSpPr>
+            <p:cNvPr id="47" name="TextBox 46"/>
+            <p:cNvSpPr txBox="1"/>
+            <p:nvPr/>
+          </p:nvSpPr>
+          <p:spPr>
+            <a:xfrm>
+              <a:off x="5420510" y="-36676"/>
+              <a:ext cx="418704" cy="369332"/>
+            </a:xfrm>
+            <a:prstGeom prst="rect">
+              <a:avLst/>
+            </a:prstGeom>
+            <a:noFill/>
+          </p:spPr>
+          <p:txBody>
+            <a:bodyPr wrap="none" rtlCol="0">
+              <a:spAutoFit/>
+            </a:bodyPr>
+            <a:lstStyle/>
+            <a:p>
+              <a:r>
+                <a:rPr lang="en-US" altLang="zh-CN" dirty="0" smtClean="0"/>
+                <a:t>10</a:t>
+              </a:r>
+              <a:endParaRPr lang="zh-CN" altLang="en-US" dirty="0"/>
+            </a:p>
+          </p:txBody>
+        </p:sp>
+        <p:sp>
+          <p:nvSpPr>
+            <p:cNvPr id="48" name="TextBox 47"/>
+            <p:cNvSpPr txBox="1"/>
+            <p:nvPr/>
+          </p:nvSpPr>
+          <p:spPr>
+            <a:xfrm>
+              <a:off x="6450880" y="557606"/>
+              <a:ext cx="418704" cy="369332"/>
+            </a:xfrm>
+            <a:prstGeom prst="rect">
+              <a:avLst/>
+            </a:prstGeom>
+            <a:noFill/>
+          </p:spPr>
+          <p:txBody>
+            <a:bodyPr wrap="none" rtlCol="0">
+              <a:spAutoFit/>
+            </a:bodyPr>
+            <a:lstStyle/>
+            <a:p>
+              <a:r>
+                <a:rPr lang="en-US" altLang="zh-CN" dirty="0" smtClean="0"/>
+                <a:t>25</a:t>
+              </a:r>
+              <a:endParaRPr lang="zh-CN" altLang="en-US" dirty="0"/>
+            </a:p>
+          </p:txBody>
+        </p:sp>
+      </p:grpSp>
+      <p:grpSp>
+        <p:nvGrpSpPr>
+          <p:cNvPr id="63" name="组合 62"/>
+          <p:cNvGrpSpPr/>
+          <p:nvPr/>
+        </p:nvGrpSpPr>
+        <p:grpSpPr>
+          <a:xfrm>
+            <a:off x="5071569" y="3710893"/>
+            <a:ext cx="4032448" cy="2864393"/>
+            <a:chOff x="5071569" y="3710893"/>
+            <a:chExt cx="4032448" cy="2864393"/>
+          </a:xfrm>
+        </p:grpSpPr>
+        <p:grpSp>
+          <p:nvGrpSpPr>
+            <p:cNvPr id="35" name="组合 34"/>
+            <p:cNvGrpSpPr/>
+            <p:nvPr/>
+          </p:nvGrpSpPr>
+          <p:grpSpPr>
+            <a:xfrm>
+              <a:off x="5071569" y="3710893"/>
+              <a:ext cx="4032448" cy="2864393"/>
+              <a:chOff x="251520" y="29193"/>
+              <a:chExt cx="4032448" cy="2864393"/>
+            </a:xfrm>
+          </p:grpSpPr>
+          <p:cxnSp>
+            <p:nvCxnSpPr>
+              <p:cNvPr id="36" name="直接箭头连接符 35"/>
+              <p:cNvCxnSpPr/>
+              <p:nvPr/>
+            </p:nvCxnSpPr>
+            <p:spPr>
+              <a:xfrm>
+                <a:off x="251520" y="2492896"/>
+                <a:ext cx="4032448" cy="0"/>
+              </a:xfrm>
+              <a:prstGeom prst="straightConnector1">
+                <a:avLst/>
+              </a:prstGeom>
+              <a:ln w="63500">
+                <a:solidFill>
+                  <a:schemeClr val="tx1"/>
+                </a:solidFill>
+                <a:tailEnd type="triangle"/>
+              </a:ln>
+            </p:spPr>
+            <p:style>
+              <a:lnRef idx="1">
+                <a:schemeClr val="accent1"/>
+              </a:lnRef>
+              <a:fillRef idx="0">
+                <a:schemeClr val="accent1"/>
+              </a:fillRef>
+              <a:effectRef idx="0">
+                <a:schemeClr val="accent1"/>
+              </a:effectRef>
+              <a:fontRef idx="minor">
+                <a:schemeClr val="tx1"/>
+              </a:fontRef>
+            </p:style>
+          </p:cxnSp>
+          <p:cxnSp>
+            <p:nvCxnSpPr>
+              <p:cNvPr id="37" name="直接箭头连接符 36"/>
+              <p:cNvCxnSpPr/>
+              <p:nvPr/>
+            </p:nvCxnSpPr>
+            <p:spPr>
+              <a:xfrm flipV="1">
+                <a:off x="251520" y="188640"/>
+                <a:ext cx="0" cy="2304256"/>
+              </a:xfrm>
+              <a:prstGeom prst="straightConnector1">
+                <a:avLst/>
+              </a:prstGeom>
+              <a:ln w="63500">
+                <a:solidFill>
+                  <a:schemeClr val="tx1"/>
+                </a:solidFill>
+                <a:tailEnd type="triangle"/>
+              </a:ln>
+            </p:spPr>
+            <p:style>
+              <a:lnRef idx="1">
+                <a:schemeClr val="accent1"/>
+              </a:lnRef>
+              <a:fillRef idx="0">
+                <a:schemeClr val="accent1"/>
+              </a:fillRef>
+              <a:effectRef idx="0">
+                <a:schemeClr val="accent1"/>
+              </a:effectRef>
+              <a:fontRef idx="minor">
+                <a:schemeClr val="tx1"/>
+              </a:fontRef>
+            </p:style>
+          </p:cxnSp>
+          <p:cxnSp>
+            <p:nvCxnSpPr>
+              <p:cNvPr id="38" name="直接连接符 37"/>
+              <p:cNvCxnSpPr/>
+              <p:nvPr/>
+            </p:nvCxnSpPr>
+            <p:spPr>
+              <a:xfrm>
+                <a:off x="3208335" y="1835532"/>
+                <a:ext cx="0" cy="700062"/>
+              </a:xfrm>
+              <a:prstGeom prst="line">
+                <a:avLst/>
+              </a:prstGeom>
+              <a:ln w="190500">
+                <a:solidFill>
+                  <a:schemeClr val="tx2"/>
+                </a:solidFill>
+              </a:ln>
+            </p:spPr>
+            <p:style>
+              <a:lnRef idx="1">
+                <a:schemeClr val="accent1"/>
+              </a:lnRef>
+              <a:fillRef idx="0">
+                <a:schemeClr val="accent1"/>
+              </a:fillRef>
+              <a:effectRef idx="0">
+                <a:schemeClr val="accent1"/>
+              </a:effectRef>
+              <a:fontRef idx="minor">
+                <a:schemeClr val="tx1"/>
+              </a:fontRef>
+            </p:style>
+          </p:cxnSp>
+          <p:sp>
+            <p:nvSpPr>
+              <p:cNvPr id="39" name="TextBox 38"/>
+              <p:cNvSpPr txBox="1"/>
+              <p:nvPr/>
+            </p:nvSpPr>
+            <p:spPr>
+              <a:xfrm>
+                <a:off x="2998983" y="1340768"/>
+                <a:ext cx="418704" cy="369332"/>
+              </a:xfrm>
+              <a:prstGeom prst="rect">
+                <a:avLst/>
+              </a:prstGeom>
+              <a:noFill/>
+            </p:spPr>
+            <p:txBody>
+              <a:bodyPr wrap="none" rtlCol="0">
+                <a:spAutoFit/>
+              </a:bodyPr>
+              <a:lstStyle/>
+              <a:p>
+                <a:r>
+                  <a:rPr lang="en-US" altLang="zh-CN" dirty="0" smtClean="0"/>
+                  <a:t>35</a:t>
+                </a:r>
+                <a:endParaRPr lang="zh-CN" altLang="en-US" dirty="0"/>
+              </a:p>
+            </p:txBody>
+          </p:sp>
+          <p:sp>
+            <p:nvSpPr>
+              <p:cNvPr id="40" name="TextBox 39"/>
+              <p:cNvSpPr txBox="1"/>
+              <p:nvPr/>
+            </p:nvSpPr>
+            <p:spPr>
+              <a:xfrm>
+                <a:off x="3635896" y="2524254"/>
+                <a:ext cx="550151" cy="369332"/>
+              </a:xfrm>
+              <a:prstGeom prst="rect">
+                <a:avLst/>
+              </a:prstGeom>
+              <a:noFill/>
+            </p:spPr>
+            <p:txBody>
+              <a:bodyPr wrap="none" rtlCol="0">
+                <a:spAutoFit/>
+              </a:bodyPr>
+              <a:lstStyle/>
+              <a:p>
+                <a:r>
+                  <a:rPr lang="en-US" altLang="zh-CN" dirty="0" smtClean="0"/>
+                  <a:t>m/z</a:t>
+                </a:r>
+                <a:endParaRPr lang="zh-CN" altLang="en-US" dirty="0"/>
+              </a:p>
+            </p:txBody>
+          </p:sp>
+          <p:sp>
+            <p:nvSpPr>
+              <p:cNvPr id="41" name="TextBox 40"/>
+              <p:cNvSpPr txBox="1"/>
+              <p:nvPr/>
+            </p:nvSpPr>
+            <p:spPr>
+              <a:xfrm>
+                <a:off x="289652" y="29193"/>
+                <a:ext cx="553806" cy="369332"/>
+              </a:xfrm>
+              <a:prstGeom prst="rect">
+                <a:avLst/>
+              </a:prstGeom>
+              <a:noFill/>
+            </p:spPr>
+            <p:txBody>
+              <a:bodyPr wrap="none" rtlCol="0">
+                <a:spAutoFit/>
+              </a:bodyPr>
+              <a:lstStyle/>
+              <a:p>
+                <a:r>
+                  <a:rPr lang="en-US" altLang="zh-CN" dirty="0" smtClean="0"/>
+                  <a:t>into</a:t>
+                </a:r>
+                <a:endParaRPr lang="zh-CN" altLang="en-US" dirty="0"/>
+              </a:p>
+            </p:txBody>
+          </p:sp>
+        </p:grpSp>
+        <p:cxnSp>
+          <p:nvCxnSpPr>
+            <p:cNvPr id="49" name="直接连接符 48"/>
+            <p:cNvCxnSpPr/>
+            <p:nvPr/>
+          </p:nvCxnSpPr>
+          <p:spPr>
+            <a:xfrm>
+              <a:off x="5420510" y="4437112"/>
+              <a:ext cx="0" cy="1780182"/>
+            </a:xfrm>
+            <a:prstGeom prst="line">
+              <a:avLst/>
+            </a:prstGeom>
+            <a:ln w="190500">
+              <a:solidFill>
+                <a:schemeClr val="tx2"/>
+              </a:solidFill>
+            </a:ln>
+          </p:spPr>
+          <p:style>
+            <a:lnRef idx="1">
+              <a:schemeClr val="accent1"/>
+            </a:lnRef>
+            <a:fillRef idx="0">
+              <a:schemeClr val="accent1"/>
+            </a:fillRef>
+            <a:effectRef idx="0">
+              <a:schemeClr val="accent1"/>
+            </a:effectRef>
+            <a:fontRef idx="minor">
+              <a:schemeClr val="tx1"/>
+            </a:fontRef>
+          </p:style>
+        </p:cxnSp>
+        <p:cxnSp>
+          <p:nvCxnSpPr>
+            <p:cNvPr id="51" name="直接连接符 50"/>
+            <p:cNvCxnSpPr/>
+            <p:nvPr/>
+          </p:nvCxnSpPr>
+          <p:spPr>
+            <a:xfrm>
+              <a:off x="6038469" y="4390125"/>
+              <a:ext cx="0" cy="1780182"/>
+            </a:xfrm>
+            <a:prstGeom prst="line">
+              <a:avLst/>
+            </a:prstGeom>
+            <a:ln w="190500">
+              <a:solidFill>
+                <a:schemeClr val="tx2"/>
+              </a:solidFill>
+            </a:ln>
+          </p:spPr>
+          <p:style>
+            <a:lnRef idx="1">
+              <a:schemeClr val="accent1"/>
+            </a:lnRef>
+            <a:fillRef idx="0">
+              <a:schemeClr val="accent1"/>
+            </a:fillRef>
+            <a:effectRef idx="0">
+              <a:schemeClr val="accent1"/>
+            </a:effectRef>
+            <a:fontRef idx="minor">
+              <a:schemeClr val="tx1"/>
+            </a:fontRef>
+          </p:style>
+        </p:cxnSp>
+        <p:cxnSp>
+          <p:nvCxnSpPr>
+            <p:cNvPr id="52" name="直接连接符 51"/>
+            <p:cNvCxnSpPr/>
+            <p:nvPr/>
+          </p:nvCxnSpPr>
+          <p:spPr>
+            <a:xfrm flipH="1">
+              <a:off x="6732240" y="4797152"/>
+              <a:ext cx="12918" cy="1432685"/>
+            </a:xfrm>
+            <a:prstGeom prst="line">
+              <a:avLst/>
+            </a:prstGeom>
+            <a:ln w="190500">
+              <a:solidFill>
+                <a:schemeClr val="tx2"/>
+              </a:solidFill>
+            </a:ln>
+          </p:spPr>
+          <p:style>
+            <a:lnRef idx="1">
+              <a:schemeClr val="accent1"/>
+            </a:lnRef>
+            <a:fillRef idx="0">
+              <a:schemeClr val="accent1"/>
+            </a:fillRef>
+            <a:effectRef idx="0">
+              <a:schemeClr val="accent1"/>
+            </a:effectRef>
+            <a:fontRef idx="minor">
+              <a:schemeClr val="tx1"/>
+            </a:fontRef>
+          </p:style>
+        </p:cxnSp>
+        <p:cxnSp>
+          <p:nvCxnSpPr>
+            <p:cNvPr id="56" name="直接连接符 55"/>
+            <p:cNvCxnSpPr/>
+            <p:nvPr/>
+          </p:nvCxnSpPr>
+          <p:spPr>
+            <a:xfrm flipH="1">
+              <a:off x="7100711" y="5661248"/>
+              <a:ext cx="12918" cy="556046"/>
+            </a:xfrm>
+            <a:prstGeom prst="line">
+              <a:avLst/>
+            </a:prstGeom>
+            <a:ln w="190500">
+              <a:solidFill>
+                <a:schemeClr val="tx2"/>
+              </a:solidFill>
+            </a:ln>
+          </p:spPr>
+          <p:style>
+            <a:lnRef idx="1">
+              <a:schemeClr val="accent1"/>
+            </a:lnRef>
+            <a:fillRef idx="0">
+              <a:schemeClr val="accent1"/>
+            </a:fillRef>
+            <a:effectRef idx="0">
+              <a:schemeClr val="accent1"/>
+            </a:effectRef>
+            <a:fontRef idx="minor">
+              <a:schemeClr val="tx1"/>
+            </a:fontRef>
+          </p:style>
+        </p:cxnSp>
+        <p:sp>
+          <p:nvSpPr>
+            <p:cNvPr id="59" name="TextBox 58"/>
+            <p:cNvSpPr txBox="1"/>
+            <p:nvPr/>
+          </p:nvSpPr>
+          <p:spPr>
+            <a:xfrm>
+              <a:off x="6963357" y="5170644"/>
+              <a:ext cx="418704" cy="369332"/>
+            </a:xfrm>
+            <a:prstGeom prst="rect">
+              <a:avLst/>
+            </a:prstGeom>
+            <a:noFill/>
+          </p:spPr>
+          <p:txBody>
+            <a:bodyPr wrap="none" rtlCol="0">
+              <a:spAutoFit/>
+            </a:bodyPr>
+            <a:lstStyle/>
+            <a:p>
+              <a:r>
+                <a:rPr lang="en-US" altLang="zh-CN" dirty="0" smtClean="0"/>
+                <a:t>25</a:t>
+              </a:r>
+              <a:endParaRPr lang="zh-CN" altLang="en-US" dirty="0"/>
+            </a:p>
+          </p:txBody>
+        </p:sp>
+        <p:sp>
+          <p:nvSpPr>
+            <p:cNvPr id="60" name="TextBox 59"/>
+            <p:cNvSpPr txBox="1"/>
+            <p:nvPr/>
+          </p:nvSpPr>
+          <p:spPr>
+            <a:xfrm>
+              <a:off x="6544653" y="4396102"/>
+              <a:ext cx="418704" cy="369332"/>
+            </a:xfrm>
+            <a:prstGeom prst="rect">
+              <a:avLst/>
+            </a:prstGeom>
+            <a:noFill/>
+          </p:spPr>
+          <p:txBody>
+            <a:bodyPr wrap="none" rtlCol="0">
+              <a:spAutoFit/>
+            </a:bodyPr>
+            <a:lstStyle/>
+            <a:p>
+              <a:r>
+                <a:rPr lang="en-US" altLang="zh-CN" dirty="0" smtClean="0"/>
+                <a:t>20</a:t>
+              </a:r>
+              <a:endParaRPr lang="zh-CN" altLang="en-US" dirty="0"/>
+            </a:p>
+          </p:txBody>
+        </p:sp>
+        <p:sp>
+          <p:nvSpPr>
+            <p:cNvPr id="61" name="TextBox 60"/>
+            <p:cNvSpPr txBox="1"/>
+            <p:nvPr/>
+          </p:nvSpPr>
+          <p:spPr>
+            <a:xfrm>
+              <a:off x="5829117" y="4014356"/>
+              <a:ext cx="418704" cy="369332"/>
+            </a:xfrm>
+            <a:prstGeom prst="rect">
+              <a:avLst/>
+            </a:prstGeom>
+            <a:noFill/>
+          </p:spPr>
+          <p:txBody>
+            <a:bodyPr wrap="none" rtlCol="0">
+              <a:spAutoFit/>
+            </a:bodyPr>
+            <a:lstStyle/>
+            <a:p>
+              <a:r>
+                <a:rPr lang="en-US" altLang="zh-CN" dirty="0"/>
+                <a:t>1</a:t>
+              </a:r>
+              <a:r>
+                <a:rPr lang="en-US" altLang="zh-CN" dirty="0" smtClean="0"/>
+                <a:t>0</a:t>
+              </a:r>
+              <a:endParaRPr lang="zh-CN" altLang="en-US" dirty="0"/>
+            </a:p>
+          </p:txBody>
+        </p:sp>
+        <p:sp>
+          <p:nvSpPr>
+            <p:cNvPr id="62" name="TextBox 61"/>
+            <p:cNvSpPr txBox="1"/>
+            <p:nvPr/>
+          </p:nvSpPr>
+          <p:spPr>
+            <a:xfrm>
+              <a:off x="5235761" y="4080225"/>
+              <a:ext cx="301686" cy="369332"/>
+            </a:xfrm>
+            <a:prstGeom prst="rect">
+              <a:avLst/>
+            </a:prstGeom>
+            <a:noFill/>
+          </p:spPr>
+          <p:txBody>
+            <a:bodyPr wrap="none" rtlCol="0">
+              <a:spAutoFit/>
+            </a:bodyPr>
+            <a:lstStyle/>
+            <a:p>
+              <a:r>
+                <a:rPr lang="en-US" altLang="zh-CN" dirty="0" smtClean="0"/>
+                <a:t>5</a:t>
+              </a:r>
+              <a:endParaRPr lang="zh-CN" altLang="en-US" dirty="0"/>
+            </a:p>
+          </p:txBody>
+        </p:sp>
+      </p:grpSp>
+    </p:spTree>
+    <p:extLst>
+      <p:ext uri="{BB962C8B-B14F-4D97-AF65-F5344CB8AC3E}">
+        <p14:creationId xmlns:p14="http://schemas.microsoft.com/office/powerpoint/2010/main" val="810284358"/>
+      </p:ext>
+    </p:extLst>
+  </p:cSld>
+  <p:clrMapOvr>
+    <a:masterClrMapping/>
+  </p:clrMapOvr>
+</p:sld>
+</file>
+
 <file path=ppt/theme/theme1.xml><?xml version="1.0" encoding="utf-8"?>
 <a:theme xmlns:a="http://schemas.openxmlformats.org/drawingml/2006/main" name="Office 主题">
   <a:themeElements>

--- a/Manuscript/chemical_graph.pptx
+++ b/Manuscript/chemical_graph.pptx
@@ -6114,8 +6114,8 @@
             </p:nvCxnSpPr>
             <p:spPr>
               <a:xfrm>
-                <a:off x="3208335" y="1835532"/>
-                <a:ext cx="0" cy="700062"/>
+                <a:off x="3208335" y="2257571"/>
+                <a:ext cx="0" cy="278023"/>
               </a:xfrm>
               <a:prstGeom prst="line">
                 <a:avLst/>
@@ -6149,7 +6149,7 @@
             </p:nvSpPr>
             <p:spPr>
               <a:xfrm>
-                <a:off x="2998983" y="1340768"/>
+                <a:off x="3019270" y="1858276"/>
                 <a:ext cx="418704" cy="369332"/>
               </a:xfrm>
               <a:prstGeom prst="rect">
@@ -6240,8 +6240,8 @@
           </p:nvCxnSpPr>
           <p:spPr>
             <a:xfrm>
-              <a:off x="5420510" y="4437112"/>
-              <a:ext cx="0" cy="1780182"/>
+              <a:off x="5420510" y="4580768"/>
+              <a:ext cx="0" cy="1636526"/>
             </a:xfrm>
             <a:prstGeom prst="line">
               <a:avLst/>
@@ -6270,13 +6270,15 @@
         <p:cxnSp>
           <p:nvCxnSpPr>
             <p:cNvPr id="51" name="直接连接符 50"/>
-            <p:cNvCxnSpPr/>
+            <p:cNvCxnSpPr>
+              <a:stCxn id="61" idx="2"/>
+            </p:cNvCxnSpPr>
             <p:nvPr/>
           </p:nvCxnSpPr>
           <p:spPr>
             <a:xfrm>
-              <a:off x="6038469" y="4390125"/>
-              <a:ext cx="0" cy="1780182"/>
+              <a:off x="6038469" y="4080225"/>
+              <a:ext cx="0" cy="2090082"/>
             </a:xfrm>
             <a:prstGeom prst="line">
               <a:avLst/>
@@ -6440,7 +6442,7 @@
           </p:nvSpPr>
           <p:spPr>
             <a:xfrm>
-              <a:off x="5829117" y="4014356"/>
+              <a:off x="5829117" y="3710893"/>
               <a:ext cx="418704" cy="369332"/>
             </a:xfrm>
             <a:prstGeom prst="rect">
@@ -6474,7 +6476,7 @@
           </p:nvSpPr>
           <p:spPr>
             <a:xfrm>
-              <a:off x="5235761" y="4080225"/>
+              <a:off x="5235761" y="4211436"/>
               <a:ext cx="301686" cy="369332"/>
             </a:xfrm>
             <a:prstGeom prst="rect">

--- a/Manuscript/chemical_graph.pptx
+++ b/Manuscript/chemical_graph.pptx
@@ -8,6 +8,7 @@
     <p:sldId id="256" r:id="rId2"/>
     <p:sldId id="257" r:id="rId3"/>
     <p:sldId id="258" r:id="rId4"/>
+    <p:sldId id="259" r:id="rId5"/>
   </p:sldIdLst>
   <p:sldSz cx="9144000" cy="6858000" type="screen4x3"/>
   <p:notesSz cx="6858000" cy="9144000"/>
@@ -290,7 +291,7 @@
           <a:p>
             <a:fld id="{530820CF-B880-4189-942D-D702A7CBA730}" type="datetimeFigureOut">
               <a:rPr lang="zh-CN" altLang="en-US" smtClean="0"/>
-              <a:t>2017/10/27</a:t>
+              <a:t>2017/10/28</a:t>
             </a:fld>
             <a:endParaRPr lang="zh-CN" altLang="en-US"/>
           </a:p>
@@ -455,7 +456,7 @@
           <a:p>
             <a:fld id="{530820CF-B880-4189-942D-D702A7CBA730}" type="datetimeFigureOut">
               <a:rPr lang="zh-CN" altLang="en-US" smtClean="0"/>
-              <a:t>2017/10/27</a:t>
+              <a:t>2017/10/28</a:t>
             </a:fld>
             <a:endParaRPr lang="zh-CN" altLang="en-US"/>
           </a:p>
@@ -630,7 +631,7 @@
           <a:p>
             <a:fld id="{530820CF-B880-4189-942D-D702A7CBA730}" type="datetimeFigureOut">
               <a:rPr lang="zh-CN" altLang="en-US" smtClean="0"/>
-              <a:t>2017/10/27</a:t>
+              <a:t>2017/10/28</a:t>
             </a:fld>
             <a:endParaRPr lang="zh-CN" altLang="en-US"/>
           </a:p>
@@ -795,7 +796,7 @@
           <a:p>
             <a:fld id="{530820CF-B880-4189-942D-D702A7CBA730}" type="datetimeFigureOut">
               <a:rPr lang="zh-CN" altLang="en-US" smtClean="0"/>
-              <a:t>2017/10/27</a:t>
+              <a:t>2017/10/28</a:t>
             </a:fld>
             <a:endParaRPr lang="zh-CN" altLang="en-US"/>
           </a:p>
@@ -1036,7 +1037,7 @@
           <a:p>
             <a:fld id="{530820CF-B880-4189-942D-D702A7CBA730}" type="datetimeFigureOut">
               <a:rPr lang="zh-CN" altLang="en-US" smtClean="0"/>
-              <a:t>2017/10/27</a:t>
+              <a:t>2017/10/28</a:t>
             </a:fld>
             <a:endParaRPr lang="zh-CN" altLang="en-US"/>
           </a:p>
@@ -1319,7 +1320,7 @@
           <a:p>
             <a:fld id="{530820CF-B880-4189-942D-D702A7CBA730}" type="datetimeFigureOut">
               <a:rPr lang="zh-CN" altLang="en-US" smtClean="0"/>
-              <a:t>2017/10/27</a:t>
+              <a:t>2017/10/28</a:t>
             </a:fld>
             <a:endParaRPr lang="zh-CN" altLang="en-US"/>
           </a:p>
@@ -1736,7 +1737,7 @@
           <a:p>
             <a:fld id="{530820CF-B880-4189-942D-D702A7CBA730}" type="datetimeFigureOut">
               <a:rPr lang="zh-CN" altLang="en-US" smtClean="0"/>
-              <a:t>2017/10/27</a:t>
+              <a:t>2017/10/28</a:t>
             </a:fld>
             <a:endParaRPr lang="zh-CN" altLang="en-US"/>
           </a:p>
@@ -1849,7 +1850,7 @@
           <a:p>
             <a:fld id="{530820CF-B880-4189-942D-D702A7CBA730}" type="datetimeFigureOut">
               <a:rPr lang="zh-CN" altLang="en-US" smtClean="0"/>
-              <a:t>2017/10/27</a:t>
+              <a:t>2017/10/28</a:t>
             </a:fld>
             <a:endParaRPr lang="zh-CN" altLang="en-US"/>
           </a:p>
@@ -1939,7 +1940,7 @@
           <a:p>
             <a:fld id="{530820CF-B880-4189-942D-D702A7CBA730}" type="datetimeFigureOut">
               <a:rPr lang="zh-CN" altLang="en-US" smtClean="0"/>
-              <a:t>2017/10/27</a:t>
+              <a:t>2017/10/28</a:t>
             </a:fld>
             <a:endParaRPr lang="zh-CN" altLang="en-US"/>
           </a:p>
@@ -2211,7 +2212,7 @@
           <a:p>
             <a:fld id="{530820CF-B880-4189-942D-D702A7CBA730}" type="datetimeFigureOut">
               <a:rPr lang="zh-CN" altLang="en-US" smtClean="0"/>
-              <a:t>2017/10/27</a:t>
+              <a:t>2017/10/28</a:t>
             </a:fld>
             <a:endParaRPr lang="zh-CN" altLang="en-US"/>
           </a:p>
@@ -2459,7 +2460,7 @@
           <a:p>
             <a:fld id="{530820CF-B880-4189-942D-D702A7CBA730}" type="datetimeFigureOut">
               <a:rPr lang="zh-CN" altLang="en-US" smtClean="0"/>
-              <a:t>2017/10/27</a:t>
+              <a:t>2017/10/28</a:t>
             </a:fld>
             <a:endParaRPr lang="zh-CN" altLang="en-US"/>
           </a:p>
@@ -2667,7 +2668,7 @@
           <a:p>
             <a:fld id="{530820CF-B880-4189-942D-D702A7CBA730}" type="datetimeFigureOut">
               <a:rPr lang="zh-CN" altLang="en-US" smtClean="0"/>
-              <a:t>2017/10/27</a:t>
+              <a:t>2017/10/28</a:t>
             </a:fld>
             <a:endParaRPr lang="zh-CN" altLang="en-US"/>
           </a:p>
@@ -3367,6 +3368,13 @@
   <p:clrMapOvr>
     <a:masterClrMapping/>
   </p:clrMapOvr>
+  <p:timing>
+    <p:tnLst>
+      <p:par>
+        <p:cTn id="1" dur="indefinite" restart="never" nodeType="tmRoot"/>
+      </p:par>
+    </p:tnLst>
+  </p:timing>
 </p:sld>
 </file>
 
@@ -5205,6 +5213,13 @@
   <p:clrMapOvr>
     <a:masterClrMapping/>
   </p:clrMapOvr>
+  <p:timing>
+    <p:tnLst>
+      <p:par>
+        <p:cTn id="1" dur="indefinite" restart="never" nodeType="tmRoot"/>
+      </p:par>
+    </p:tnLst>
+  </p:timing>
 </p:sld>
 </file>
 
@@ -6509,6 +6524,851 @@
   <p:clrMapOvr>
     <a:masterClrMapping/>
   </p:clrMapOvr>
+  <p:timing>
+    <p:tnLst>
+      <p:par>
+        <p:cTn id="1" dur="indefinite" restart="never" nodeType="tmRoot"/>
+      </p:par>
+    </p:tnLst>
+  </p:timing>
+</p:sld>
+</file>
+
+<file path=ppt/slides/slide4.xml><?xml version="1.0" encoding="utf-8"?>
+<p:sld xmlns:a="http://schemas.openxmlformats.org/drawingml/2006/main" xmlns:r="http://schemas.openxmlformats.org/officeDocument/2006/relationships" xmlns:p="http://schemas.openxmlformats.org/presentationml/2006/main">
+  <p:cSld>
+    <p:spTree>
+      <p:nvGrpSpPr>
+        <p:cNvPr id="1" name=""/>
+        <p:cNvGrpSpPr/>
+        <p:nvPr/>
+      </p:nvGrpSpPr>
+      <p:grpSpPr>
+        <a:xfrm>
+          <a:off x="0" y="0"/>
+          <a:ext cx="0" cy="0"/>
+          <a:chOff x="0" y="0"/>
+          <a:chExt cx="0" cy="0"/>
+        </a:xfrm>
+      </p:grpSpPr>
+      <p:grpSp>
+        <p:nvGrpSpPr>
+          <p:cNvPr id="46" name="组合 45"/>
+          <p:cNvGrpSpPr/>
+          <p:nvPr/>
+        </p:nvGrpSpPr>
+        <p:grpSpPr>
+          <a:xfrm>
+            <a:off x="363278" y="1268760"/>
+            <a:ext cx="8580294" cy="5209547"/>
+            <a:chOff x="363278" y="1268760"/>
+            <a:chExt cx="8580294" cy="5209547"/>
+          </a:xfrm>
+        </p:grpSpPr>
+        <p:cxnSp>
+          <p:nvCxnSpPr>
+            <p:cNvPr id="5" name="直接箭头连接符 4"/>
+            <p:cNvCxnSpPr/>
+            <p:nvPr/>
+          </p:nvCxnSpPr>
+          <p:spPr>
+            <a:xfrm>
+              <a:off x="489862" y="6077617"/>
+              <a:ext cx="8418264" cy="0"/>
+            </a:xfrm>
+            <a:prstGeom prst="straightConnector1">
+              <a:avLst/>
+            </a:prstGeom>
+            <a:ln w="63500">
+              <a:solidFill>
+                <a:schemeClr val="tx1"/>
+              </a:solidFill>
+              <a:tailEnd type="triangle"/>
+            </a:ln>
+          </p:spPr>
+          <p:style>
+            <a:lnRef idx="1">
+              <a:schemeClr val="accent1"/>
+            </a:lnRef>
+            <a:fillRef idx="0">
+              <a:schemeClr val="accent1"/>
+            </a:fillRef>
+            <a:effectRef idx="0">
+              <a:schemeClr val="accent1"/>
+            </a:effectRef>
+            <a:fontRef idx="minor">
+              <a:schemeClr val="tx1"/>
+            </a:fontRef>
+          </p:style>
+        </p:cxnSp>
+        <p:cxnSp>
+          <p:nvCxnSpPr>
+            <p:cNvPr id="6" name="直接箭头连接符 5"/>
+            <p:cNvCxnSpPr/>
+            <p:nvPr/>
+          </p:nvCxnSpPr>
+          <p:spPr>
+            <a:xfrm flipV="1">
+              <a:off x="489862" y="1268760"/>
+              <a:ext cx="0" cy="4808857"/>
+            </a:xfrm>
+            <a:prstGeom prst="straightConnector1">
+              <a:avLst/>
+            </a:prstGeom>
+            <a:ln w="63500">
+              <a:solidFill>
+                <a:schemeClr val="tx1"/>
+              </a:solidFill>
+              <a:tailEnd type="triangle"/>
+            </a:ln>
+          </p:spPr>
+          <p:style>
+            <a:lnRef idx="1">
+              <a:schemeClr val="accent1"/>
+            </a:lnRef>
+            <a:fillRef idx="0">
+              <a:schemeClr val="accent1"/>
+            </a:fillRef>
+            <a:effectRef idx="0">
+              <a:schemeClr val="accent1"/>
+            </a:effectRef>
+            <a:fontRef idx="minor">
+              <a:schemeClr val="tx1"/>
+            </a:fontRef>
+          </p:style>
+        </p:cxnSp>
+        <p:sp>
+          <p:nvSpPr>
+            <p:cNvPr id="9" name="TextBox 8"/>
+            <p:cNvSpPr txBox="1"/>
+            <p:nvPr/>
+          </p:nvSpPr>
+          <p:spPr>
+            <a:xfrm>
+              <a:off x="8116038" y="6108975"/>
+              <a:ext cx="827534" cy="369332"/>
+            </a:xfrm>
+            <a:prstGeom prst="rect">
+              <a:avLst/>
+            </a:prstGeom>
+            <a:noFill/>
+          </p:spPr>
+          <p:txBody>
+            <a:bodyPr wrap="none" rtlCol="0">
+              <a:spAutoFit/>
+            </a:bodyPr>
+            <a:lstStyle/>
+            <a:p>
+              <a:r>
+                <a:rPr lang="en-US" altLang="zh-CN" dirty="0" smtClean="0"/>
+                <a:t>energy</a:t>
+              </a:r>
+              <a:endParaRPr lang="zh-CN" altLang="en-US" dirty="0"/>
+            </a:p>
+          </p:txBody>
+        </p:sp>
+        <p:sp>
+          <p:nvSpPr>
+            <p:cNvPr id="10" name="TextBox 9"/>
+            <p:cNvSpPr txBox="1"/>
+            <p:nvPr/>
+          </p:nvSpPr>
+          <p:spPr>
+            <a:xfrm>
+              <a:off x="561870" y="1484784"/>
+              <a:ext cx="969624" cy="369332"/>
+            </a:xfrm>
+            <a:prstGeom prst="rect">
+              <a:avLst/>
+            </a:prstGeom>
+            <a:noFill/>
+          </p:spPr>
+          <p:txBody>
+            <a:bodyPr wrap="none" rtlCol="0">
+              <a:spAutoFit/>
+            </a:bodyPr>
+            <a:lstStyle/>
+            <a:p>
+              <a:r>
+                <a:rPr lang="en-US" altLang="zh-CN" dirty="0" smtClean="0"/>
+                <a:t>quantity</a:t>
+              </a:r>
+              <a:endParaRPr lang="zh-CN" altLang="en-US" dirty="0"/>
+            </a:p>
+          </p:txBody>
+        </p:sp>
+        <p:sp>
+          <p:nvSpPr>
+            <p:cNvPr id="13" name="椭圆 12"/>
+            <p:cNvSpPr/>
+            <p:nvPr/>
+          </p:nvSpPr>
+          <p:spPr>
+            <a:xfrm>
+              <a:off x="363278" y="5946294"/>
+              <a:ext cx="198592" cy="219010"/>
+            </a:xfrm>
+            <a:prstGeom prst="ellipse">
+              <a:avLst/>
+            </a:prstGeom>
+          </p:spPr>
+          <p:style>
+            <a:lnRef idx="1">
+              <a:schemeClr val="accent2"/>
+            </a:lnRef>
+            <a:fillRef idx="3">
+              <a:schemeClr val="accent2"/>
+            </a:fillRef>
+            <a:effectRef idx="2">
+              <a:schemeClr val="accent2"/>
+            </a:effectRef>
+            <a:fontRef idx="minor">
+              <a:schemeClr val="lt1"/>
+            </a:fontRef>
+          </p:style>
+          <p:txBody>
+            <a:bodyPr rtlCol="0" anchor="ctr"/>
+            <a:lstStyle/>
+            <a:p>
+              <a:pPr algn="ctr"/>
+              <a:endParaRPr lang="zh-CN" altLang="en-US"/>
+            </a:p>
+          </p:txBody>
+        </p:sp>
+        <p:sp>
+          <p:nvSpPr>
+            <p:cNvPr id="14" name="椭圆 13"/>
+            <p:cNvSpPr/>
+            <p:nvPr/>
+          </p:nvSpPr>
+          <p:spPr>
+            <a:xfrm>
+              <a:off x="2195736" y="5774292"/>
+              <a:ext cx="198592" cy="219010"/>
+            </a:xfrm>
+            <a:prstGeom prst="ellipse">
+              <a:avLst/>
+            </a:prstGeom>
+          </p:spPr>
+          <p:style>
+            <a:lnRef idx="1">
+              <a:schemeClr val="accent2"/>
+            </a:lnRef>
+            <a:fillRef idx="3">
+              <a:schemeClr val="accent2"/>
+            </a:fillRef>
+            <a:effectRef idx="2">
+              <a:schemeClr val="accent2"/>
+            </a:effectRef>
+            <a:fontRef idx="minor">
+              <a:schemeClr val="lt1"/>
+            </a:fontRef>
+          </p:style>
+          <p:txBody>
+            <a:bodyPr rtlCol="0" anchor="ctr"/>
+            <a:lstStyle/>
+            <a:p>
+              <a:pPr algn="ctr"/>
+              <a:endParaRPr lang="zh-CN" altLang="en-US"/>
+            </a:p>
+          </p:txBody>
+        </p:sp>
+        <p:sp>
+          <p:nvSpPr>
+            <p:cNvPr id="15" name="椭圆 14"/>
+            <p:cNvSpPr/>
+            <p:nvPr/>
+          </p:nvSpPr>
+          <p:spPr>
+            <a:xfrm>
+              <a:off x="3203848" y="5208865"/>
+              <a:ext cx="198592" cy="219010"/>
+            </a:xfrm>
+            <a:prstGeom prst="ellipse">
+              <a:avLst/>
+            </a:prstGeom>
+          </p:spPr>
+          <p:style>
+            <a:lnRef idx="1">
+              <a:schemeClr val="accent2"/>
+            </a:lnRef>
+            <a:fillRef idx="3">
+              <a:schemeClr val="accent2"/>
+            </a:fillRef>
+            <a:effectRef idx="2">
+              <a:schemeClr val="accent2"/>
+            </a:effectRef>
+            <a:fontRef idx="minor">
+              <a:schemeClr val="lt1"/>
+            </a:fontRef>
+          </p:style>
+          <p:txBody>
+            <a:bodyPr rtlCol="0" anchor="ctr"/>
+            <a:lstStyle/>
+            <a:p>
+              <a:pPr algn="ctr"/>
+              <a:endParaRPr lang="zh-CN" altLang="en-US"/>
+            </a:p>
+          </p:txBody>
+        </p:sp>
+        <p:sp>
+          <p:nvSpPr>
+            <p:cNvPr id="16" name="椭圆 15"/>
+            <p:cNvSpPr/>
+            <p:nvPr/>
+          </p:nvSpPr>
+          <p:spPr>
+            <a:xfrm>
+              <a:off x="3851920" y="2924944"/>
+              <a:ext cx="198592" cy="219010"/>
+            </a:xfrm>
+            <a:prstGeom prst="ellipse">
+              <a:avLst/>
+            </a:prstGeom>
+          </p:spPr>
+          <p:style>
+            <a:lnRef idx="1">
+              <a:schemeClr val="accent2"/>
+            </a:lnRef>
+            <a:fillRef idx="3">
+              <a:schemeClr val="accent2"/>
+            </a:fillRef>
+            <a:effectRef idx="2">
+              <a:schemeClr val="accent2"/>
+            </a:effectRef>
+            <a:fontRef idx="minor">
+              <a:schemeClr val="lt1"/>
+            </a:fontRef>
+          </p:style>
+          <p:txBody>
+            <a:bodyPr rtlCol="0" anchor="ctr"/>
+            <a:lstStyle/>
+            <a:p>
+              <a:pPr algn="ctr"/>
+              <a:endParaRPr lang="zh-CN" altLang="en-US"/>
+            </a:p>
+          </p:txBody>
+        </p:sp>
+        <p:sp>
+          <p:nvSpPr>
+            <p:cNvPr id="17" name="椭圆 16"/>
+            <p:cNvSpPr/>
+            <p:nvPr/>
+          </p:nvSpPr>
+          <p:spPr>
+            <a:xfrm>
+              <a:off x="4411756" y="2420888"/>
+              <a:ext cx="198592" cy="219010"/>
+            </a:xfrm>
+            <a:prstGeom prst="ellipse">
+              <a:avLst/>
+            </a:prstGeom>
+          </p:spPr>
+          <p:style>
+            <a:lnRef idx="1">
+              <a:schemeClr val="accent2"/>
+            </a:lnRef>
+            <a:fillRef idx="3">
+              <a:schemeClr val="accent2"/>
+            </a:fillRef>
+            <a:effectRef idx="2">
+              <a:schemeClr val="accent2"/>
+            </a:effectRef>
+            <a:fontRef idx="minor">
+              <a:schemeClr val="lt1"/>
+            </a:fontRef>
+          </p:style>
+          <p:txBody>
+            <a:bodyPr rtlCol="0" anchor="ctr"/>
+            <a:lstStyle/>
+            <a:p>
+              <a:pPr algn="ctr"/>
+              <a:endParaRPr lang="zh-CN" altLang="en-US"/>
+            </a:p>
+          </p:txBody>
+        </p:sp>
+        <p:sp>
+          <p:nvSpPr>
+            <p:cNvPr id="18" name="椭圆 17"/>
+            <p:cNvSpPr/>
+            <p:nvPr/>
+          </p:nvSpPr>
+          <p:spPr>
+            <a:xfrm>
+              <a:off x="4989915" y="2898965"/>
+              <a:ext cx="198592" cy="219010"/>
+            </a:xfrm>
+            <a:prstGeom prst="ellipse">
+              <a:avLst/>
+            </a:prstGeom>
+          </p:spPr>
+          <p:style>
+            <a:lnRef idx="1">
+              <a:schemeClr val="accent2"/>
+            </a:lnRef>
+            <a:fillRef idx="3">
+              <a:schemeClr val="accent2"/>
+            </a:fillRef>
+            <a:effectRef idx="2">
+              <a:schemeClr val="accent2"/>
+            </a:effectRef>
+            <a:fontRef idx="minor">
+              <a:schemeClr val="lt1"/>
+            </a:fontRef>
+          </p:style>
+          <p:txBody>
+            <a:bodyPr rtlCol="0" anchor="ctr"/>
+            <a:lstStyle/>
+            <a:p>
+              <a:pPr algn="ctr"/>
+              <a:endParaRPr lang="zh-CN" altLang="en-US"/>
+            </a:p>
+          </p:txBody>
+        </p:sp>
+        <p:sp>
+          <p:nvSpPr>
+            <p:cNvPr id="19" name="椭圆 18"/>
+            <p:cNvSpPr/>
+            <p:nvPr/>
+          </p:nvSpPr>
+          <p:spPr>
+            <a:xfrm>
+              <a:off x="5676459" y="5099360"/>
+              <a:ext cx="198592" cy="219010"/>
+            </a:xfrm>
+            <a:prstGeom prst="ellipse">
+              <a:avLst/>
+            </a:prstGeom>
+          </p:spPr>
+          <p:style>
+            <a:lnRef idx="1">
+              <a:schemeClr val="accent2"/>
+            </a:lnRef>
+            <a:fillRef idx="3">
+              <a:schemeClr val="accent2"/>
+            </a:fillRef>
+            <a:effectRef idx="2">
+              <a:schemeClr val="accent2"/>
+            </a:effectRef>
+            <a:fontRef idx="minor">
+              <a:schemeClr val="lt1"/>
+            </a:fontRef>
+          </p:style>
+          <p:txBody>
+            <a:bodyPr rtlCol="0" anchor="ctr"/>
+            <a:lstStyle/>
+            <a:p>
+              <a:pPr algn="ctr"/>
+              <a:endParaRPr lang="zh-CN" altLang="en-US"/>
+            </a:p>
+          </p:txBody>
+        </p:sp>
+        <p:sp>
+          <p:nvSpPr>
+            <p:cNvPr id="20" name="椭圆 19"/>
+            <p:cNvSpPr/>
+            <p:nvPr/>
+          </p:nvSpPr>
+          <p:spPr>
+            <a:xfrm>
+              <a:off x="6876256" y="5737616"/>
+              <a:ext cx="198592" cy="219010"/>
+            </a:xfrm>
+            <a:prstGeom prst="ellipse">
+              <a:avLst/>
+            </a:prstGeom>
+          </p:spPr>
+          <p:style>
+            <a:lnRef idx="1">
+              <a:schemeClr val="accent2"/>
+            </a:lnRef>
+            <a:fillRef idx="3">
+              <a:schemeClr val="accent2"/>
+            </a:fillRef>
+            <a:effectRef idx="2">
+              <a:schemeClr val="accent2"/>
+            </a:effectRef>
+            <a:fontRef idx="minor">
+              <a:schemeClr val="lt1"/>
+            </a:fontRef>
+          </p:style>
+          <p:txBody>
+            <a:bodyPr rtlCol="0" anchor="ctr"/>
+            <a:lstStyle/>
+            <a:p>
+              <a:pPr algn="ctr"/>
+              <a:endParaRPr lang="zh-CN" altLang="en-US"/>
+            </a:p>
+          </p:txBody>
+        </p:sp>
+        <p:sp>
+          <p:nvSpPr>
+            <p:cNvPr id="21" name="椭圆 20"/>
+            <p:cNvSpPr/>
+            <p:nvPr/>
+          </p:nvSpPr>
+          <p:spPr>
+            <a:xfrm>
+              <a:off x="8430509" y="5883797"/>
+              <a:ext cx="198592" cy="219010"/>
+            </a:xfrm>
+            <a:prstGeom prst="ellipse">
+              <a:avLst/>
+            </a:prstGeom>
+          </p:spPr>
+          <p:style>
+            <a:lnRef idx="1">
+              <a:schemeClr val="accent2"/>
+            </a:lnRef>
+            <a:fillRef idx="3">
+              <a:schemeClr val="accent2"/>
+            </a:fillRef>
+            <a:effectRef idx="2">
+              <a:schemeClr val="accent2"/>
+            </a:effectRef>
+            <a:fontRef idx="minor">
+              <a:schemeClr val="lt1"/>
+            </a:fontRef>
+          </p:style>
+          <p:txBody>
+            <a:bodyPr rtlCol="0" anchor="ctr"/>
+            <a:lstStyle/>
+            <a:p>
+              <a:pPr algn="ctr"/>
+              <a:endParaRPr lang="zh-CN" altLang="en-US"/>
+            </a:p>
+          </p:txBody>
+        </p:sp>
+        <p:cxnSp>
+          <p:nvCxnSpPr>
+            <p:cNvPr id="23" name="直接连接符 22"/>
+            <p:cNvCxnSpPr>
+              <a:stCxn id="13" idx="6"/>
+              <a:endCxn id="14" idx="2"/>
+            </p:cNvCxnSpPr>
+            <p:nvPr/>
+          </p:nvCxnSpPr>
+          <p:spPr>
+            <a:xfrm flipV="1">
+              <a:off x="561870" y="5883797"/>
+              <a:ext cx="1633866" cy="172002"/>
+            </a:xfrm>
+            <a:prstGeom prst="line">
+              <a:avLst/>
+            </a:prstGeom>
+            <a:ln w="63500">
+              <a:solidFill>
+                <a:srgbClr val="00B0F0"/>
+              </a:solidFill>
+              <a:prstDash val="sysDash"/>
+            </a:ln>
+          </p:spPr>
+          <p:style>
+            <a:lnRef idx="1">
+              <a:schemeClr val="accent1"/>
+            </a:lnRef>
+            <a:fillRef idx="0">
+              <a:schemeClr val="accent1"/>
+            </a:fillRef>
+            <a:effectRef idx="0">
+              <a:schemeClr val="accent1"/>
+            </a:effectRef>
+            <a:fontRef idx="minor">
+              <a:schemeClr val="tx1"/>
+            </a:fontRef>
+          </p:style>
+        </p:cxnSp>
+        <p:cxnSp>
+          <p:nvCxnSpPr>
+            <p:cNvPr id="25" name="直接连接符 24"/>
+            <p:cNvCxnSpPr>
+              <a:stCxn id="14" idx="6"/>
+              <a:endCxn id="15" idx="3"/>
+            </p:cNvCxnSpPr>
+            <p:nvPr/>
+          </p:nvCxnSpPr>
+          <p:spPr>
+            <a:xfrm flipV="1">
+              <a:off x="2394328" y="5395802"/>
+              <a:ext cx="838603" cy="487995"/>
+            </a:xfrm>
+            <a:prstGeom prst="line">
+              <a:avLst/>
+            </a:prstGeom>
+            <a:ln w="63500">
+              <a:solidFill>
+                <a:srgbClr val="00B0F0"/>
+              </a:solidFill>
+              <a:prstDash val="sysDash"/>
+            </a:ln>
+          </p:spPr>
+          <p:style>
+            <a:lnRef idx="1">
+              <a:schemeClr val="accent1"/>
+            </a:lnRef>
+            <a:fillRef idx="0">
+              <a:schemeClr val="accent1"/>
+            </a:fillRef>
+            <a:effectRef idx="0">
+              <a:schemeClr val="accent1"/>
+            </a:effectRef>
+            <a:fontRef idx="minor">
+              <a:schemeClr val="tx1"/>
+            </a:fontRef>
+          </p:style>
+        </p:cxnSp>
+        <p:cxnSp>
+          <p:nvCxnSpPr>
+            <p:cNvPr id="28" name="直接连接符 27"/>
+            <p:cNvCxnSpPr>
+              <a:stCxn id="15" idx="7"/>
+              <a:endCxn id="16" idx="4"/>
+            </p:cNvCxnSpPr>
+            <p:nvPr/>
+          </p:nvCxnSpPr>
+          <p:spPr>
+            <a:xfrm flipV="1">
+              <a:off x="3373357" y="3143954"/>
+              <a:ext cx="577859" cy="2096984"/>
+            </a:xfrm>
+            <a:prstGeom prst="line">
+              <a:avLst/>
+            </a:prstGeom>
+            <a:ln w="63500">
+              <a:solidFill>
+                <a:srgbClr val="00B0F0"/>
+              </a:solidFill>
+              <a:prstDash val="sysDash"/>
+            </a:ln>
+          </p:spPr>
+          <p:style>
+            <a:lnRef idx="1">
+              <a:schemeClr val="accent1"/>
+            </a:lnRef>
+            <a:fillRef idx="0">
+              <a:schemeClr val="accent1"/>
+            </a:fillRef>
+            <a:effectRef idx="0">
+              <a:schemeClr val="accent1"/>
+            </a:effectRef>
+            <a:fontRef idx="minor">
+              <a:schemeClr val="tx1"/>
+            </a:fontRef>
+          </p:style>
+        </p:cxnSp>
+        <p:cxnSp>
+          <p:nvCxnSpPr>
+            <p:cNvPr id="31" name="直接连接符 30"/>
+            <p:cNvCxnSpPr>
+              <a:stCxn id="16" idx="7"/>
+              <a:endCxn id="17" idx="3"/>
+            </p:cNvCxnSpPr>
+            <p:nvPr/>
+          </p:nvCxnSpPr>
+          <p:spPr>
+            <a:xfrm flipV="1">
+              <a:off x="4021429" y="2607825"/>
+              <a:ext cx="419410" cy="349192"/>
+            </a:xfrm>
+            <a:prstGeom prst="line">
+              <a:avLst/>
+            </a:prstGeom>
+            <a:ln w="63500">
+              <a:solidFill>
+                <a:srgbClr val="00B0F0"/>
+              </a:solidFill>
+              <a:prstDash val="sysDash"/>
+            </a:ln>
+          </p:spPr>
+          <p:style>
+            <a:lnRef idx="1">
+              <a:schemeClr val="accent1"/>
+            </a:lnRef>
+            <a:fillRef idx="0">
+              <a:schemeClr val="accent1"/>
+            </a:fillRef>
+            <a:effectRef idx="0">
+              <a:schemeClr val="accent1"/>
+            </a:effectRef>
+            <a:fontRef idx="minor">
+              <a:schemeClr val="tx1"/>
+            </a:fontRef>
+          </p:style>
+        </p:cxnSp>
+        <p:cxnSp>
+          <p:nvCxnSpPr>
+            <p:cNvPr id="32" name="直接连接符 31"/>
+            <p:cNvCxnSpPr>
+              <a:stCxn id="17" idx="5"/>
+              <a:endCxn id="18" idx="2"/>
+            </p:cNvCxnSpPr>
+            <p:nvPr/>
+          </p:nvCxnSpPr>
+          <p:spPr>
+            <a:xfrm>
+              <a:off x="4581265" y="2607825"/>
+              <a:ext cx="408650" cy="400645"/>
+            </a:xfrm>
+            <a:prstGeom prst="line">
+              <a:avLst/>
+            </a:prstGeom>
+            <a:ln w="63500">
+              <a:solidFill>
+                <a:srgbClr val="00B0F0"/>
+              </a:solidFill>
+              <a:prstDash val="sysDash"/>
+            </a:ln>
+          </p:spPr>
+          <p:style>
+            <a:lnRef idx="1">
+              <a:schemeClr val="accent1"/>
+            </a:lnRef>
+            <a:fillRef idx="0">
+              <a:schemeClr val="accent1"/>
+            </a:fillRef>
+            <a:effectRef idx="0">
+              <a:schemeClr val="accent1"/>
+            </a:effectRef>
+            <a:fontRef idx="minor">
+              <a:schemeClr val="tx1"/>
+            </a:fontRef>
+          </p:style>
+        </p:cxnSp>
+        <p:cxnSp>
+          <p:nvCxnSpPr>
+            <p:cNvPr id="33" name="直接连接符 32"/>
+            <p:cNvCxnSpPr>
+              <a:stCxn id="19" idx="5"/>
+              <a:endCxn id="20" idx="1"/>
+            </p:cNvCxnSpPr>
+            <p:nvPr/>
+          </p:nvCxnSpPr>
+          <p:spPr>
+            <a:xfrm>
+              <a:off x="5845968" y="5286297"/>
+              <a:ext cx="1059371" cy="483392"/>
+            </a:xfrm>
+            <a:prstGeom prst="line">
+              <a:avLst/>
+            </a:prstGeom>
+            <a:ln w="63500">
+              <a:solidFill>
+                <a:srgbClr val="00B0F0"/>
+              </a:solidFill>
+              <a:prstDash val="sysDash"/>
+            </a:ln>
+          </p:spPr>
+          <p:style>
+            <a:lnRef idx="1">
+              <a:schemeClr val="accent1"/>
+            </a:lnRef>
+            <a:fillRef idx="0">
+              <a:schemeClr val="accent1"/>
+            </a:fillRef>
+            <a:effectRef idx="0">
+              <a:schemeClr val="accent1"/>
+            </a:effectRef>
+            <a:fontRef idx="minor">
+              <a:schemeClr val="tx1"/>
+            </a:fontRef>
+          </p:style>
+        </p:cxnSp>
+        <p:cxnSp>
+          <p:nvCxnSpPr>
+            <p:cNvPr id="34" name="直接连接符 33"/>
+            <p:cNvCxnSpPr>
+              <a:stCxn id="18" idx="5"/>
+              <a:endCxn id="19" idx="0"/>
+            </p:cNvCxnSpPr>
+            <p:nvPr/>
+          </p:nvCxnSpPr>
+          <p:spPr>
+            <a:xfrm>
+              <a:off x="5159424" y="3085902"/>
+              <a:ext cx="616331" cy="2013458"/>
+            </a:xfrm>
+            <a:prstGeom prst="line">
+              <a:avLst/>
+            </a:prstGeom>
+            <a:ln w="63500">
+              <a:solidFill>
+                <a:srgbClr val="00B0F0"/>
+              </a:solidFill>
+              <a:prstDash val="sysDash"/>
+            </a:ln>
+          </p:spPr>
+          <p:style>
+            <a:lnRef idx="1">
+              <a:schemeClr val="accent1"/>
+            </a:lnRef>
+            <a:fillRef idx="0">
+              <a:schemeClr val="accent1"/>
+            </a:fillRef>
+            <a:effectRef idx="0">
+              <a:schemeClr val="accent1"/>
+            </a:effectRef>
+            <a:fontRef idx="minor">
+              <a:schemeClr val="tx1"/>
+            </a:fontRef>
+          </p:style>
+        </p:cxnSp>
+        <p:cxnSp>
+          <p:nvCxnSpPr>
+            <p:cNvPr id="43" name="直接连接符 42"/>
+            <p:cNvCxnSpPr>
+              <a:stCxn id="20" idx="5"/>
+              <a:endCxn id="21" idx="2"/>
+            </p:cNvCxnSpPr>
+            <p:nvPr/>
+          </p:nvCxnSpPr>
+          <p:spPr>
+            <a:xfrm>
+              <a:off x="7045765" y="5924553"/>
+              <a:ext cx="1384744" cy="68749"/>
+            </a:xfrm>
+            <a:prstGeom prst="line">
+              <a:avLst/>
+            </a:prstGeom>
+            <a:ln w="63500">
+              <a:solidFill>
+                <a:srgbClr val="00B0F0"/>
+              </a:solidFill>
+              <a:prstDash val="sysDash"/>
+            </a:ln>
+          </p:spPr>
+          <p:style>
+            <a:lnRef idx="1">
+              <a:schemeClr val="accent1"/>
+            </a:lnRef>
+            <a:fillRef idx="0">
+              <a:schemeClr val="accent1"/>
+            </a:fillRef>
+            <a:effectRef idx="0">
+              <a:schemeClr val="accent1"/>
+            </a:effectRef>
+            <a:fontRef idx="minor">
+              <a:schemeClr val="tx1"/>
+            </a:fontRef>
+          </p:style>
+        </p:cxnSp>
+      </p:grpSp>
+    </p:spTree>
+    <p:extLst>
+      <p:ext uri="{BB962C8B-B14F-4D97-AF65-F5344CB8AC3E}">
+        <p14:creationId xmlns:p14="http://schemas.microsoft.com/office/powerpoint/2010/main" val="871263022"/>
+      </p:ext>
+    </p:extLst>
+  </p:cSld>
+  <p:clrMapOvr>
+    <a:masterClrMapping/>
+  </p:clrMapOvr>
+  <p:timing>
+    <p:tnLst>
+      <p:par>
+        <p:cTn id="1" dur="indefinite" restart="never" nodeType="tmRoot"/>
+      </p:par>
+    </p:tnLst>
+  </p:timing>
 </p:sld>
 </file>
 

--- a/Manuscript/chemical_graph.pptx
+++ b/Manuscript/chemical_graph.pptx
@@ -6553,73 +6553,865 @@
       </p:grpSpPr>
       <p:grpSp>
         <p:nvGrpSpPr>
-          <p:cNvPr id="46" name="组合 45"/>
+          <p:cNvPr id="8" name="组合 7"/>
           <p:cNvGrpSpPr/>
           <p:nvPr/>
         </p:nvGrpSpPr>
         <p:grpSpPr>
           <a:xfrm>
-            <a:off x="363278" y="1268760"/>
-            <a:ext cx="8580294" cy="5209547"/>
+            <a:off x="300290" y="883748"/>
+            <a:ext cx="8647588" cy="5578879"/>
             <a:chOff x="363278" y="1268760"/>
-            <a:chExt cx="8580294" cy="5209547"/>
+            <a:chExt cx="8647588" cy="5578879"/>
           </a:xfrm>
         </p:grpSpPr>
+        <p:grpSp>
+          <p:nvGrpSpPr>
+            <p:cNvPr id="46" name="组合 45"/>
+            <p:cNvGrpSpPr/>
+            <p:nvPr/>
+          </p:nvGrpSpPr>
+          <p:grpSpPr>
+            <a:xfrm>
+              <a:off x="363278" y="1268760"/>
+              <a:ext cx="8580294" cy="5209547"/>
+              <a:chOff x="363278" y="1268760"/>
+              <a:chExt cx="8580294" cy="5209547"/>
+            </a:xfrm>
+          </p:grpSpPr>
+          <p:cxnSp>
+            <p:nvCxnSpPr>
+              <p:cNvPr id="5" name="直接箭头连接符 4"/>
+              <p:cNvCxnSpPr/>
+              <p:nvPr/>
+            </p:nvCxnSpPr>
+            <p:spPr>
+              <a:xfrm>
+                <a:off x="489862" y="6077617"/>
+                <a:ext cx="8418264" cy="0"/>
+              </a:xfrm>
+              <a:prstGeom prst="straightConnector1">
+                <a:avLst/>
+              </a:prstGeom>
+              <a:ln w="63500">
+                <a:solidFill>
+                  <a:schemeClr val="tx1"/>
+                </a:solidFill>
+                <a:tailEnd type="triangle"/>
+              </a:ln>
+            </p:spPr>
+            <p:style>
+              <a:lnRef idx="1">
+                <a:schemeClr val="accent1"/>
+              </a:lnRef>
+              <a:fillRef idx="0">
+                <a:schemeClr val="accent1"/>
+              </a:fillRef>
+              <a:effectRef idx="0">
+                <a:schemeClr val="accent1"/>
+              </a:effectRef>
+              <a:fontRef idx="minor">
+                <a:schemeClr val="tx1"/>
+              </a:fontRef>
+            </p:style>
+          </p:cxnSp>
+          <p:cxnSp>
+            <p:nvCxnSpPr>
+              <p:cNvPr id="6" name="直接箭头连接符 5"/>
+              <p:cNvCxnSpPr/>
+              <p:nvPr/>
+            </p:nvCxnSpPr>
+            <p:spPr>
+              <a:xfrm flipV="1">
+                <a:off x="489862" y="1268760"/>
+                <a:ext cx="0" cy="4808857"/>
+              </a:xfrm>
+              <a:prstGeom prst="straightConnector1">
+                <a:avLst/>
+              </a:prstGeom>
+              <a:ln w="63500">
+                <a:solidFill>
+                  <a:schemeClr val="tx1"/>
+                </a:solidFill>
+                <a:tailEnd type="triangle"/>
+              </a:ln>
+            </p:spPr>
+            <p:style>
+              <a:lnRef idx="1">
+                <a:schemeClr val="accent1"/>
+              </a:lnRef>
+              <a:fillRef idx="0">
+                <a:schemeClr val="accent1"/>
+              </a:fillRef>
+              <a:effectRef idx="0">
+                <a:schemeClr val="accent1"/>
+              </a:effectRef>
+              <a:fontRef idx="minor">
+                <a:schemeClr val="tx1"/>
+              </a:fontRef>
+            </p:style>
+          </p:cxnSp>
+          <p:sp>
+            <p:nvSpPr>
+              <p:cNvPr id="9" name="TextBox 8"/>
+              <p:cNvSpPr txBox="1"/>
+              <p:nvPr/>
+            </p:nvSpPr>
+            <p:spPr>
+              <a:xfrm>
+                <a:off x="8116038" y="6108975"/>
+                <a:ext cx="827534" cy="369332"/>
+              </a:xfrm>
+              <a:prstGeom prst="rect">
+                <a:avLst/>
+              </a:prstGeom>
+              <a:noFill/>
+            </p:spPr>
+            <p:txBody>
+              <a:bodyPr wrap="none" rtlCol="0">
+                <a:spAutoFit/>
+              </a:bodyPr>
+              <a:lstStyle/>
+              <a:p>
+                <a:r>
+                  <a:rPr lang="en-US" altLang="zh-CN" dirty="0" smtClean="0"/>
+                  <a:t>energy</a:t>
+                </a:r>
+                <a:endParaRPr lang="zh-CN" altLang="en-US" dirty="0"/>
+              </a:p>
+            </p:txBody>
+          </p:sp>
+          <p:sp>
+            <p:nvSpPr>
+              <p:cNvPr id="10" name="TextBox 9"/>
+              <p:cNvSpPr txBox="1"/>
+              <p:nvPr/>
+            </p:nvSpPr>
+            <p:spPr>
+              <a:xfrm>
+                <a:off x="561870" y="1484784"/>
+                <a:ext cx="969624" cy="369332"/>
+              </a:xfrm>
+              <a:prstGeom prst="rect">
+                <a:avLst/>
+              </a:prstGeom>
+              <a:noFill/>
+            </p:spPr>
+            <p:txBody>
+              <a:bodyPr wrap="none" rtlCol="0">
+                <a:spAutoFit/>
+              </a:bodyPr>
+              <a:lstStyle/>
+              <a:p>
+                <a:r>
+                  <a:rPr lang="en-US" altLang="zh-CN" dirty="0" smtClean="0"/>
+                  <a:t>quantity</a:t>
+                </a:r>
+                <a:endParaRPr lang="zh-CN" altLang="en-US" dirty="0"/>
+              </a:p>
+            </p:txBody>
+          </p:sp>
+          <p:sp>
+            <p:nvSpPr>
+              <p:cNvPr id="13" name="椭圆 12"/>
+              <p:cNvSpPr/>
+              <p:nvPr/>
+            </p:nvSpPr>
+            <p:spPr>
+              <a:xfrm>
+                <a:off x="363278" y="5946294"/>
+                <a:ext cx="198592" cy="219010"/>
+              </a:xfrm>
+              <a:prstGeom prst="ellipse">
+                <a:avLst/>
+              </a:prstGeom>
+            </p:spPr>
+            <p:style>
+              <a:lnRef idx="1">
+                <a:schemeClr val="accent2"/>
+              </a:lnRef>
+              <a:fillRef idx="3">
+                <a:schemeClr val="accent2"/>
+              </a:fillRef>
+              <a:effectRef idx="2">
+                <a:schemeClr val="accent2"/>
+              </a:effectRef>
+              <a:fontRef idx="minor">
+                <a:schemeClr val="lt1"/>
+              </a:fontRef>
+            </p:style>
+            <p:txBody>
+              <a:bodyPr rtlCol="0" anchor="ctr"/>
+              <a:lstStyle/>
+              <a:p>
+                <a:pPr algn="ctr"/>
+                <a:endParaRPr lang="zh-CN" altLang="en-US"/>
+              </a:p>
+            </p:txBody>
+          </p:sp>
+          <p:sp>
+            <p:nvSpPr>
+              <p:cNvPr id="14" name="椭圆 13"/>
+              <p:cNvSpPr/>
+              <p:nvPr/>
+            </p:nvSpPr>
+            <p:spPr>
+              <a:xfrm>
+                <a:off x="2195736" y="5774292"/>
+                <a:ext cx="198592" cy="219010"/>
+              </a:xfrm>
+              <a:prstGeom prst="ellipse">
+                <a:avLst/>
+              </a:prstGeom>
+            </p:spPr>
+            <p:style>
+              <a:lnRef idx="1">
+                <a:schemeClr val="accent2"/>
+              </a:lnRef>
+              <a:fillRef idx="3">
+                <a:schemeClr val="accent2"/>
+              </a:fillRef>
+              <a:effectRef idx="2">
+                <a:schemeClr val="accent2"/>
+              </a:effectRef>
+              <a:fontRef idx="minor">
+                <a:schemeClr val="lt1"/>
+              </a:fontRef>
+            </p:style>
+            <p:txBody>
+              <a:bodyPr rtlCol="0" anchor="ctr"/>
+              <a:lstStyle/>
+              <a:p>
+                <a:pPr algn="ctr"/>
+                <a:endParaRPr lang="zh-CN" altLang="en-US"/>
+              </a:p>
+            </p:txBody>
+          </p:sp>
+          <p:sp>
+            <p:nvSpPr>
+              <p:cNvPr id="15" name="椭圆 14"/>
+              <p:cNvSpPr/>
+              <p:nvPr/>
+            </p:nvSpPr>
+            <p:spPr>
+              <a:xfrm>
+                <a:off x="3203848" y="5208865"/>
+                <a:ext cx="198592" cy="219010"/>
+              </a:xfrm>
+              <a:prstGeom prst="ellipse">
+                <a:avLst/>
+              </a:prstGeom>
+            </p:spPr>
+            <p:style>
+              <a:lnRef idx="1">
+                <a:schemeClr val="accent2"/>
+              </a:lnRef>
+              <a:fillRef idx="3">
+                <a:schemeClr val="accent2"/>
+              </a:fillRef>
+              <a:effectRef idx="2">
+                <a:schemeClr val="accent2"/>
+              </a:effectRef>
+              <a:fontRef idx="minor">
+                <a:schemeClr val="lt1"/>
+              </a:fontRef>
+            </p:style>
+            <p:txBody>
+              <a:bodyPr rtlCol="0" anchor="ctr"/>
+              <a:lstStyle/>
+              <a:p>
+                <a:pPr algn="ctr"/>
+                <a:endParaRPr lang="zh-CN" altLang="en-US"/>
+              </a:p>
+            </p:txBody>
+          </p:sp>
+          <p:sp>
+            <p:nvSpPr>
+              <p:cNvPr id="16" name="椭圆 15"/>
+              <p:cNvSpPr/>
+              <p:nvPr/>
+            </p:nvSpPr>
+            <p:spPr>
+              <a:xfrm>
+                <a:off x="3851920" y="2924944"/>
+                <a:ext cx="198592" cy="219010"/>
+              </a:xfrm>
+              <a:prstGeom prst="ellipse">
+                <a:avLst/>
+              </a:prstGeom>
+            </p:spPr>
+            <p:style>
+              <a:lnRef idx="1">
+                <a:schemeClr val="accent2"/>
+              </a:lnRef>
+              <a:fillRef idx="3">
+                <a:schemeClr val="accent2"/>
+              </a:fillRef>
+              <a:effectRef idx="2">
+                <a:schemeClr val="accent2"/>
+              </a:effectRef>
+              <a:fontRef idx="minor">
+                <a:schemeClr val="lt1"/>
+              </a:fontRef>
+            </p:style>
+            <p:txBody>
+              <a:bodyPr rtlCol="0" anchor="ctr"/>
+              <a:lstStyle/>
+              <a:p>
+                <a:pPr algn="ctr"/>
+                <a:endParaRPr lang="zh-CN" altLang="en-US"/>
+              </a:p>
+            </p:txBody>
+          </p:sp>
+          <p:sp>
+            <p:nvSpPr>
+              <p:cNvPr id="17" name="椭圆 16"/>
+              <p:cNvSpPr/>
+              <p:nvPr/>
+            </p:nvSpPr>
+            <p:spPr>
+              <a:xfrm>
+                <a:off x="4411756" y="2420888"/>
+                <a:ext cx="198592" cy="219010"/>
+              </a:xfrm>
+              <a:prstGeom prst="ellipse">
+                <a:avLst/>
+              </a:prstGeom>
+            </p:spPr>
+            <p:style>
+              <a:lnRef idx="1">
+                <a:schemeClr val="accent2"/>
+              </a:lnRef>
+              <a:fillRef idx="3">
+                <a:schemeClr val="accent2"/>
+              </a:fillRef>
+              <a:effectRef idx="2">
+                <a:schemeClr val="accent2"/>
+              </a:effectRef>
+              <a:fontRef idx="minor">
+                <a:schemeClr val="lt1"/>
+              </a:fontRef>
+            </p:style>
+            <p:txBody>
+              <a:bodyPr rtlCol="0" anchor="ctr"/>
+              <a:lstStyle/>
+              <a:p>
+                <a:pPr algn="ctr"/>
+                <a:endParaRPr lang="zh-CN" altLang="en-US"/>
+              </a:p>
+            </p:txBody>
+          </p:sp>
+          <p:sp>
+            <p:nvSpPr>
+              <p:cNvPr id="18" name="椭圆 17"/>
+              <p:cNvSpPr/>
+              <p:nvPr/>
+            </p:nvSpPr>
+            <p:spPr>
+              <a:xfrm>
+                <a:off x="4989915" y="2898965"/>
+                <a:ext cx="198592" cy="219010"/>
+              </a:xfrm>
+              <a:prstGeom prst="ellipse">
+                <a:avLst/>
+              </a:prstGeom>
+            </p:spPr>
+            <p:style>
+              <a:lnRef idx="1">
+                <a:schemeClr val="accent2"/>
+              </a:lnRef>
+              <a:fillRef idx="3">
+                <a:schemeClr val="accent2"/>
+              </a:fillRef>
+              <a:effectRef idx="2">
+                <a:schemeClr val="accent2"/>
+              </a:effectRef>
+              <a:fontRef idx="minor">
+                <a:schemeClr val="lt1"/>
+              </a:fontRef>
+            </p:style>
+            <p:txBody>
+              <a:bodyPr rtlCol="0" anchor="ctr"/>
+              <a:lstStyle/>
+              <a:p>
+                <a:pPr algn="ctr"/>
+                <a:endParaRPr lang="zh-CN" altLang="en-US"/>
+              </a:p>
+            </p:txBody>
+          </p:sp>
+          <p:sp>
+            <p:nvSpPr>
+              <p:cNvPr id="19" name="椭圆 18"/>
+              <p:cNvSpPr/>
+              <p:nvPr/>
+            </p:nvSpPr>
+            <p:spPr>
+              <a:xfrm>
+                <a:off x="5676459" y="5099360"/>
+                <a:ext cx="198592" cy="219010"/>
+              </a:xfrm>
+              <a:prstGeom prst="ellipse">
+                <a:avLst/>
+              </a:prstGeom>
+            </p:spPr>
+            <p:style>
+              <a:lnRef idx="1">
+                <a:schemeClr val="accent2"/>
+              </a:lnRef>
+              <a:fillRef idx="3">
+                <a:schemeClr val="accent2"/>
+              </a:fillRef>
+              <a:effectRef idx="2">
+                <a:schemeClr val="accent2"/>
+              </a:effectRef>
+              <a:fontRef idx="minor">
+                <a:schemeClr val="lt1"/>
+              </a:fontRef>
+            </p:style>
+            <p:txBody>
+              <a:bodyPr rtlCol="0" anchor="ctr"/>
+              <a:lstStyle/>
+              <a:p>
+                <a:pPr algn="ctr"/>
+                <a:endParaRPr lang="zh-CN" altLang="en-US"/>
+              </a:p>
+            </p:txBody>
+          </p:sp>
+          <p:sp>
+            <p:nvSpPr>
+              <p:cNvPr id="20" name="椭圆 19"/>
+              <p:cNvSpPr/>
+              <p:nvPr/>
+            </p:nvSpPr>
+            <p:spPr>
+              <a:xfrm>
+                <a:off x="6876256" y="5737616"/>
+                <a:ext cx="198592" cy="219010"/>
+              </a:xfrm>
+              <a:prstGeom prst="ellipse">
+                <a:avLst/>
+              </a:prstGeom>
+            </p:spPr>
+            <p:style>
+              <a:lnRef idx="1">
+                <a:schemeClr val="accent2"/>
+              </a:lnRef>
+              <a:fillRef idx="3">
+                <a:schemeClr val="accent2"/>
+              </a:fillRef>
+              <a:effectRef idx="2">
+                <a:schemeClr val="accent2"/>
+              </a:effectRef>
+              <a:fontRef idx="minor">
+                <a:schemeClr val="lt1"/>
+              </a:fontRef>
+            </p:style>
+            <p:txBody>
+              <a:bodyPr rtlCol="0" anchor="ctr"/>
+              <a:lstStyle/>
+              <a:p>
+                <a:pPr algn="ctr"/>
+                <a:endParaRPr lang="zh-CN" altLang="en-US"/>
+              </a:p>
+            </p:txBody>
+          </p:sp>
+          <p:sp>
+            <p:nvSpPr>
+              <p:cNvPr id="21" name="椭圆 20"/>
+              <p:cNvSpPr/>
+              <p:nvPr/>
+            </p:nvSpPr>
+            <p:spPr>
+              <a:xfrm>
+                <a:off x="8430509" y="5883797"/>
+                <a:ext cx="198592" cy="219010"/>
+              </a:xfrm>
+              <a:prstGeom prst="ellipse">
+                <a:avLst/>
+              </a:prstGeom>
+            </p:spPr>
+            <p:style>
+              <a:lnRef idx="1">
+                <a:schemeClr val="accent2"/>
+              </a:lnRef>
+              <a:fillRef idx="3">
+                <a:schemeClr val="accent2"/>
+              </a:fillRef>
+              <a:effectRef idx="2">
+                <a:schemeClr val="accent2"/>
+              </a:effectRef>
+              <a:fontRef idx="minor">
+                <a:schemeClr val="lt1"/>
+              </a:fontRef>
+            </p:style>
+            <p:txBody>
+              <a:bodyPr rtlCol="0" anchor="ctr"/>
+              <a:lstStyle/>
+              <a:p>
+                <a:pPr algn="ctr"/>
+                <a:endParaRPr lang="zh-CN" altLang="en-US"/>
+              </a:p>
+            </p:txBody>
+          </p:sp>
+          <p:cxnSp>
+            <p:nvCxnSpPr>
+              <p:cNvPr id="23" name="直接连接符 22"/>
+              <p:cNvCxnSpPr>
+                <a:stCxn id="13" idx="6"/>
+                <a:endCxn id="14" idx="2"/>
+              </p:cNvCxnSpPr>
+              <p:nvPr/>
+            </p:nvCxnSpPr>
+            <p:spPr>
+              <a:xfrm flipV="1">
+                <a:off x="561870" y="5883797"/>
+                <a:ext cx="1633866" cy="172002"/>
+              </a:xfrm>
+              <a:prstGeom prst="line">
+                <a:avLst/>
+              </a:prstGeom>
+              <a:ln w="63500">
+                <a:solidFill>
+                  <a:srgbClr val="00B0F0"/>
+                </a:solidFill>
+                <a:prstDash val="sysDash"/>
+              </a:ln>
+            </p:spPr>
+            <p:style>
+              <a:lnRef idx="1">
+                <a:schemeClr val="accent1"/>
+              </a:lnRef>
+              <a:fillRef idx="0">
+                <a:schemeClr val="accent1"/>
+              </a:fillRef>
+              <a:effectRef idx="0">
+                <a:schemeClr val="accent1"/>
+              </a:effectRef>
+              <a:fontRef idx="minor">
+                <a:schemeClr val="tx1"/>
+              </a:fontRef>
+            </p:style>
+          </p:cxnSp>
+          <p:cxnSp>
+            <p:nvCxnSpPr>
+              <p:cNvPr id="25" name="直接连接符 24"/>
+              <p:cNvCxnSpPr>
+                <a:stCxn id="14" idx="6"/>
+                <a:endCxn id="15" idx="3"/>
+              </p:cNvCxnSpPr>
+              <p:nvPr/>
+            </p:nvCxnSpPr>
+            <p:spPr>
+              <a:xfrm flipV="1">
+                <a:off x="2394328" y="5395802"/>
+                <a:ext cx="838603" cy="487995"/>
+              </a:xfrm>
+              <a:prstGeom prst="line">
+                <a:avLst/>
+              </a:prstGeom>
+              <a:ln w="63500">
+                <a:solidFill>
+                  <a:srgbClr val="00B0F0"/>
+                </a:solidFill>
+                <a:prstDash val="sysDash"/>
+              </a:ln>
+            </p:spPr>
+            <p:style>
+              <a:lnRef idx="1">
+                <a:schemeClr val="accent1"/>
+              </a:lnRef>
+              <a:fillRef idx="0">
+                <a:schemeClr val="accent1"/>
+              </a:fillRef>
+              <a:effectRef idx="0">
+                <a:schemeClr val="accent1"/>
+              </a:effectRef>
+              <a:fontRef idx="minor">
+                <a:schemeClr val="tx1"/>
+              </a:fontRef>
+            </p:style>
+          </p:cxnSp>
+          <p:cxnSp>
+            <p:nvCxnSpPr>
+              <p:cNvPr id="28" name="直接连接符 27"/>
+              <p:cNvCxnSpPr>
+                <a:stCxn id="15" idx="7"/>
+                <a:endCxn id="16" idx="4"/>
+              </p:cNvCxnSpPr>
+              <p:nvPr/>
+            </p:nvCxnSpPr>
+            <p:spPr>
+              <a:xfrm flipV="1">
+                <a:off x="3373357" y="3143954"/>
+                <a:ext cx="577859" cy="2096984"/>
+              </a:xfrm>
+              <a:prstGeom prst="line">
+                <a:avLst/>
+              </a:prstGeom>
+              <a:ln w="63500">
+                <a:solidFill>
+                  <a:srgbClr val="00B0F0"/>
+                </a:solidFill>
+                <a:prstDash val="sysDash"/>
+              </a:ln>
+            </p:spPr>
+            <p:style>
+              <a:lnRef idx="1">
+                <a:schemeClr val="accent1"/>
+              </a:lnRef>
+              <a:fillRef idx="0">
+                <a:schemeClr val="accent1"/>
+              </a:fillRef>
+              <a:effectRef idx="0">
+                <a:schemeClr val="accent1"/>
+              </a:effectRef>
+              <a:fontRef idx="minor">
+                <a:schemeClr val="tx1"/>
+              </a:fontRef>
+            </p:style>
+          </p:cxnSp>
+          <p:cxnSp>
+            <p:nvCxnSpPr>
+              <p:cNvPr id="31" name="直接连接符 30"/>
+              <p:cNvCxnSpPr>
+                <a:stCxn id="16" idx="7"/>
+                <a:endCxn id="17" idx="3"/>
+              </p:cNvCxnSpPr>
+              <p:nvPr/>
+            </p:nvCxnSpPr>
+            <p:spPr>
+              <a:xfrm flipV="1">
+                <a:off x="4021429" y="2607825"/>
+                <a:ext cx="419410" cy="349192"/>
+              </a:xfrm>
+              <a:prstGeom prst="line">
+                <a:avLst/>
+              </a:prstGeom>
+              <a:ln w="63500">
+                <a:solidFill>
+                  <a:srgbClr val="00B0F0"/>
+                </a:solidFill>
+                <a:prstDash val="sysDash"/>
+              </a:ln>
+            </p:spPr>
+            <p:style>
+              <a:lnRef idx="1">
+                <a:schemeClr val="accent1"/>
+              </a:lnRef>
+              <a:fillRef idx="0">
+                <a:schemeClr val="accent1"/>
+              </a:fillRef>
+              <a:effectRef idx="0">
+                <a:schemeClr val="accent1"/>
+              </a:effectRef>
+              <a:fontRef idx="minor">
+                <a:schemeClr val="tx1"/>
+              </a:fontRef>
+            </p:style>
+          </p:cxnSp>
+          <p:cxnSp>
+            <p:nvCxnSpPr>
+              <p:cNvPr id="32" name="直接连接符 31"/>
+              <p:cNvCxnSpPr>
+                <a:stCxn id="17" idx="5"/>
+                <a:endCxn id="18" idx="2"/>
+              </p:cNvCxnSpPr>
+              <p:nvPr/>
+            </p:nvCxnSpPr>
+            <p:spPr>
+              <a:xfrm>
+                <a:off x="4581265" y="2607825"/>
+                <a:ext cx="408650" cy="400645"/>
+              </a:xfrm>
+              <a:prstGeom prst="line">
+                <a:avLst/>
+              </a:prstGeom>
+              <a:ln w="63500">
+                <a:solidFill>
+                  <a:srgbClr val="00B0F0"/>
+                </a:solidFill>
+                <a:prstDash val="sysDash"/>
+              </a:ln>
+            </p:spPr>
+            <p:style>
+              <a:lnRef idx="1">
+                <a:schemeClr val="accent1"/>
+              </a:lnRef>
+              <a:fillRef idx="0">
+                <a:schemeClr val="accent1"/>
+              </a:fillRef>
+              <a:effectRef idx="0">
+                <a:schemeClr val="accent1"/>
+              </a:effectRef>
+              <a:fontRef idx="minor">
+                <a:schemeClr val="tx1"/>
+              </a:fontRef>
+            </p:style>
+          </p:cxnSp>
+          <p:cxnSp>
+            <p:nvCxnSpPr>
+              <p:cNvPr id="33" name="直接连接符 32"/>
+              <p:cNvCxnSpPr>
+                <a:stCxn id="19" idx="5"/>
+                <a:endCxn id="20" idx="1"/>
+              </p:cNvCxnSpPr>
+              <p:nvPr/>
+            </p:nvCxnSpPr>
+            <p:spPr>
+              <a:xfrm>
+                <a:off x="5845968" y="5286297"/>
+                <a:ext cx="1059371" cy="483392"/>
+              </a:xfrm>
+              <a:prstGeom prst="line">
+                <a:avLst/>
+              </a:prstGeom>
+              <a:ln w="63500">
+                <a:solidFill>
+                  <a:srgbClr val="00B0F0"/>
+                </a:solidFill>
+                <a:prstDash val="sysDash"/>
+              </a:ln>
+            </p:spPr>
+            <p:style>
+              <a:lnRef idx="1">
+                <a:schemeClr val="accent1"/>
+              </a:lnRef>
+              <a:fillRef idx="0">
+                <a:schemeClr val="accent1"/>
+              </a:fillRef>
+              <a:effectRef idx="0">
+                <a:schemeClr val="accent1"/>
+              </a:effectRef>
+              <a:fontRef idx="minor">
+                <a:schemeClr val="tx1"/>
+              </a:fontRef>
+            </p:style>
+          </p:cxnSp>
+          <p:cxnSp>
+            <p:nvCxnSpPr>
+              <p:cNvPr id="34" name="直接连接符 33"/>
+              <p:cNvCxnSpPr>
+                <a:stCxn id="18" idx="5"/>
+                <a:endCxn id="19" idx="0"/>
+              </p:cNvCxnSpPr>
+              <p:nvPr/>
+            </p:nvCxnSpPr>
+            <p:spPr>
+              <a:xfrm>
+                <a:off x="5159424" y="3085902"/>
+                <a:ext cx="616331" cy="2013458"/>
+              </a:xfrm>
+              <a:prstGeom prst="line">
+                <a:avLst/>
+              </a:prstGeom>
+              <a:ln w="63500">
+                <a:solidFill>
+                  <a:srgbClr val="00B0F0"/>
+                </a:solidFill>
+                <a:prstDash val="sysDash"/>
+              </a:ln>
+            </p:spPr>
+            <p:style>
+              <a:lnRef idx="1">
+                <a:schemeClr val="accent1"/>
+              </a:lnRef>
+              <a:fillRef idx="0">
+                <a:schemeClr val="accent1"/>
+              </a:fillRef>
+              <a:effectRef idx="0">
+                <a:schemeClr val="accent1"/>
+              </a:effectRef>
+              <a:fontRef idx="minor">
+                <a:schemeClr val="tx1"/>
+              </a:fontRef>
+            </p:style>
+          </p:cxnSp>
+          <p:cxnSp>
+            <p:nvCxnSpPr>
+              <p:cNvPr id="43" name="直接连接符 42"/>
+              <p:cNvCxnSpPr>
+                <a:stCxn id="20" idx="5"/>
+                <a:endCxn id="21" idx="2"/>
+              </p:cNvCxnSpPr>
+              <p:nvPr/>
+            </p:nvCxnSpPr>
+            <p:spPr>
+              <a:xfrm>
+                <a:off x="7045765" y="5924553"/>
+                <a:ext cx="1384744" cy="68749"/>
+              </a:xfrm>
+              <a:prstGeom prst="line">
+                <a:avLst/>
+              </a:prstGeom>
+              <a:ln w="63500">
+                <a:solidFill>
+                  <a:srgbClr val="00B0F0"/>
+                </a:solidFill>
+                <a:prstDash val="sysDash"/>
+              </a:ln>
+            </p:spPr>
+            <p:style>
+              <a:lnRef idx="1">
+                <a:schemeClr val="accent1"/>
+              </a:lnRef>
+              <a:fillRef idx="0">
+                <a:schemeClr val="accent1"/>
+              </a:fillRef>
+              <a:effectRef idx="0">
+                <a:schemeClr val="accent1"/>
+              </a:effectRef>
+              <a:fontRef idx="minor">
+                <a:schemeClr val="tx1"/>
+              </a:fontRef>
+            </p:style>
+          </p:cxnSp>
+        </p:grpSp>
+        <p:sp>
+          <p:nvSpPr>
+            <p:cNvPr id="2" name="TextBox 1"/>
+            <p:cNvSpPr txBox="1"/>
+            <p:nvPr/>
+          </p:nvSpPr>
+          <p:spPr>
+            <a:xfrm>
+              <a:off x="8048743" y="6478307"/>
+              <a:ext cx="962123" cy="369332"/>
+            </a:xfrm>
+            <a:prstGeom prst="rect">
+              <a:avLst/>
+            </a:prstGeom>
+            <a:noFill/>
+          </p:spPr>
+          <p:txBody>
+            <a:bodyPr wrap="none" rtlCol="0">
+              <a:spAutoFit/>
+            </a:bodyPr>
+            <a:lstStyle/>
+            <a:p>
+              <a:r>
+                <a:rPr lang="en-US" altLang="zh-CN" dirty="0" smtClean="0"/>
+                <a:t>4 kj/mol</a:t>
+              </a:r>
+              <a:endParaRPr lang="zh-CN" altLang="en-US" dirty="0"/>
+            </a:p>
+          </p:txBody>
+        </p:sp>
         <p:cxnSp>
           <p:nvCxnSpPr>
-            <p:cNvPr id="5" name="直接箭头连接符 4"/>
+            <p:cNvPr id="4" name="直接连接符 3"/>
             <p:cNvCxnSpPr/>
             <p:nvPr/>
           </p:nvCxnSpPr>
           <p:spPr>
             <a:xfrm>
-              <a:off x="489862" y="6077617"/>
-              <a:ext cx="8418264" cy="0"/>
+              <a:off x="3303144" y="1268760"/>
+              <a:ext cx="0" cy="4896544"/>
             </a:xfrm>
-            <a:prstGeom prst="straightConnector1">
+            <a:prstGeom prst="line">
               <a:avLst/>
             </a:prstGeom>
-            <a:ln w="63500">
-              <a:solidFill>
-                <a:schemeClr val="tx1"/>
-              </a:solidFill>
-              <a:tailEnd type="triangle"/>
-            </a:ln>
-          </p:spPr>
-          <p:style>
-            <a:lnRef idx="1">
-              <a:schemeClr val="accent1"/>
-            </a:lnRef>
-            <a:fillRef idx="0">
-              <a:schemeClr val="accent1"/>
-            </a:fillRef>
-            <a:effectRef idx="0">
-              <a:schemeClr val="accent1"/>
-            </a:effectRef>
-            <a:fontRef idx="minor">
-              <a:schemeClr val="tx1"/>
-            </a:fontRef>
-          </p:style>
-        </p:cxnSp>
-        <p:cxnSp>
-          <p:nvCxnSpPr>
-            <p:cNvPr id="6" name="直接箭头连接符 5"/>
-            <p:cNvCxnSpPr/>
-            <p:nvPr/>
-          </p:nvCxnSpPr>
-          <p:spPr>
-            <a:xfrm flipV="1">
-              <a:off x="489862" y="1268760"/>
-              <a:ext cx="0" cy="4808857"/>
-            </a:xfrm>
-            <a:prstGeom prst="straightConnector1">
-              <a:avLst/>
-            </a:prstGeom>
-            <a:ln w="63500">
-              <a:solidFill>
-                <a:schemeClr val="tx1"/>
-              </a:solidFill>
-              <a:tailEnd type="triangle"/>
+            <a:ln w="50800">
+              <a:prstDash val="sysDash"/>
             </a:ln>
           </p:spPr>
           <p:style>
@@ -6639,14 +7431,14 @@
         </p:cxnSp>
         <p:sp>
           <p:nvSpPr>
-            <p:cNvPr id="9" name="TextBox 8"/>
+            <p:cNvPr id="29" name="TextBox 28"/>
             <p:cNvSpPr txBox="1"/>
             <p:nvPr/>
           </p:nvSpPr>
           <p:spPr>
             <a:xfrm>
-              <a:off x="8116038" y="6108975"/>
-              <a:ext cx="827534" cy="369332"/>
+              <a:off x="2892295" y="6180722"/>
+              <a:ext cx="962123" cy="369332"/>
             </a:xfrm>
             <a:prstGeom prst="rect">
               <a:avLst/>
@@ -6661,696 +7453,12 @@
             <a:p>
               <a:r>
                 <a:rPr lang="en-US" altLang="zh-CN" dirty="0" smtClean="0"/>
-                <a:t>energy</a:t>
+                <a:t>3 kj/mol</a:t>
               </a:r>
               <a:endParaRPr lang="zh-CN" altLang="en-US" dirty="0"/>
             </a:p>
           </p:txBody>
         </p:sp>
-        <p:sp>
-          <p:nvSpPr>
-            <p:cNvPr id="10" name="TextBox 9"/>
-            <p:cNvSpPr txBox="1"/>
-            <p:nvPr/>
-          </p:nvSpPr>
-          <p:spPr>
-            <a:xfrm>
-              <a:off x="561870" y="1484784"/>
-              <a:ext cx="969624" cy="369332"/>
-            </a:xfrm>
-            <a:prstGeom prst="rect">
-              <a:avLst/>
-            </a:prstGeom>
-            <a:noFill/>
-          </p:spPr>
-          <p:txBody>
-            <a:bodyPr wrap="none" rtlCol="0">
-              <a:spAutoFit/>
-            </a:bodyPr>
-            <a:lstStyle/>
-            <a:p>
-              <a:r>
-                <a:rPr lang="en-US" altLang="zh-CN" dirty="0" smtClean="0"/>
-                <a:t>quantity</a:t>
-              </a:r>
-              <a:endParaRPr lang="zh-CN" altLang="en-US" dirty="0"/>
-            </a:p>
-          </p:txBody>
-        </p:sp>
-        <p:sp>
-          <p:nvSpPr>
-            <p:cNvPr id="13" name="椭圆 12"/>
-            <p:cNvSpPr/>
-            <p:nvPr/>
-          </p:nvSpPr>
-          <p:spPr>
-            <a:xfrm>
-              <a:off x="363278" y="5946294"/>
-              <a:ext cx="198592" cy="219010"/>
-            </a:xfrm>
-            <a:prstGeom prst="ellipse">
-              <a:avLst/>
-            </a:prstGeom>
-          </p:spPr>
-          <p:style>
-            <a:lnRef idx="1">
-              <a:schemeClr val="accent2"/>
-            </a:lnRef>
-            <a:fillRef idx="3">
-              <a:schemeClr val="accent2"/>
-            </a:fillRef>
-            <a:effectRef idx="2">
-              <a:schemeClr val="accent2"/>
-            </a:effectRef>
-            <a:fontRef idx="minor">
-              <a:schemeClr val="lt1"/>
-            </a:fontRef>
-          </p:style>
-          <p:txBody>
-            <a:bodyPr rtlCol="0" anchor="ctr"/>
-            <a:lstStyle/>
-            <a:p>
-              <a:pPr algn="ctr"/>
-              <a:endParaRPr lang="zh-CN" altLang="en-US"/>
-            </a:p>
-          </p:txBody>
-        </p:sp>
-        <p:sp>
-          <p:nvSpPr>
-            <p:cNvPr id="14" name="椭圆 13"/>
-            <p:cNvSpPr/>
-            <p:nvPr/>
-          </p:nvSpPr>
-          <p:spPr>
-            <a:xfrm>
-              <a:off x="2195736" y="5774292"/>
-              <a:ext cx="198592" cy="219010"/>
-            </a:xfrm>
-            <a:prstGeom prst="ellipse">
-              <a:avLst/>
-            </a:prstGeom>
-          </p:spPr>
-          <p:style>
-            <a:lnRef idx="1">
-              <a:schemeClr val="accent2"/>
-            </a:lnRef>
-            <a:fillRef idx="3">
-              <a:schemeClr val="accent2"/>
-            </a:fillRef>
-            <a:effectRef idx="2">
-              <a:schemeClr val="accent2"/>
-            </a:effectRef>
-            <a:fontRef idx="minor">
-              <a:schemeClr val="lt1"/>
-            </a:fontRef>
-          </p:style>
-          <p:txBody>
-            <a:bodyPr rtlCol="0" anchor="ctr"/>
-            <a:lstStyle/>
-            <a:p>
-              <a:pPr algn="ctr"/>
-              <a:endParaRPr lang="zh-CN" altLang="en-US"/>
-            </a:p>
-          </p:txBody>
-        </p:sp>
-        <p:sp>
-          <p:nvSpPr>
-            <p:cNvPr id="15" name="椭圆 14"/>
-            <p:cNvSpPr/>
-            <p:nvPr/>
-          </p:nvSpPr>
-          <p:spPr>
-            <a:xfrm>
-              <a:off x="3203848" y="5208865"/>
-              <a:ext cx="198592" cy="219010"/>
-            </a:xfrm>
-            <a:prstGeom prst="ellipse">
-              <a:avLst/>
-            </a:prstGeom>
-          </p:spPr>
-          <p:style>
-            <a:lnRef idx="1">
-              <a:schemeClr val="accent2"/>
-            </a:lnRef>
-            <a:fillRef idx="3">
-              <a:schemeClr val="accent2"/>
-            </a:fillRef>
-            <a:effectRef idx="2">
-              <a:schemeClr val="accent2"/>
-            </a:effectRef>
-            <a:fontRef idx="minor">
-              <a:schemeClr val="lt1"/>
-            </a:fontRef>
-          </p:style>
-          <p:txBody>
-            <a:bodyPr rtlCol="0" anchor="ctr"/>
-            <a:lstStyle/>
-            <a:p>
-              <a:pPr algn="ctr"/>
-              <a:endParaRPr lang="zh-CN" altLang="en-US"/>
-            </a:p>
-          </p:txBody>
-        </p:sp>
-        <p:sp>
-          <p:nvSpPr>
-            <p:cNvPr id="16" name="椭圆 15"/>
-            <p:cNvSpPr/>
-            <p:nvPr/>
-          </p:nvSpPr>
-          <p:spPr>
-            <a:xfrm>
-              <a:off x="3851920" y="2924944"/>
-              <a:ext cx="198592" cy="219010"/>
-            </a:xfrm>
-            <a:prstGeom prst="ellipse">
-              <a:avLst/>
-            </a:prstGeom>
-          </p:spPr>
-          <p:style>
-            <a:lnRef idx="1">
-              <a:schemeClr val="accent2"/>
-            </a:lnRef>
-            <a:fillRef idx="3">
-              <a:schemeClr val="accent2"/>
-            </a:fillRef>
-            <a:effectRef idx="2">
-              <a:schemeClr val="accent2"/>
-            </a:effectRef>
-            <a:fontRef idx="minor">
-              <a:schemeClr val="lt1"/>
-            </a:fontRef>
-          </p:style>
-          <p:txBody>
-            <a:bodyPr rtlCol="0" anchor="ctr"/>
-            <a:lstStyle/>
-            <a:p>
-              <a:pPr algn="ctr"/>
-              <a:endParaRPr lang="zh-CN" altLang="en-US"/>
-            </a:p>
-          </p:txBody>
-        </p:sp>
-        <p:sp>
-          <p:nvSpPr>
-            <p:cNvPr id="17" name="椭圆 16"/>
-            <p:cNvSpPr/>
-            <p:nvPr/>
-          </p:nvSpPr>
-          <p:spPr>
-            <a:xfrm>
-              <a:off x="4411756" y="2420888"/>
-              <a:ext cx="198592" cy="219010"/>
-            </a:xfrm>
-            <a:prstGeom prst="ellipse">
-              <a:avLst/>
-            </a:prstGeom>
-          </p:spPr>
-          <p:style>
-            <a:lnRef idx="1">
-              <a:schemeClr val="accent2"/>
-            </a:lnRef>
-            <a:fillRef idx="3">
-              <a:schemeClr val="accent2"/>
-            </a:fillRef>
-            <a:effectRef idx="2">
-              <a:schemeClr val="accent2"/>
-            </a:effectRef>
-            <a:fontRef idx="minor">
-              <a:schemeClr val="lt1"/>
-            </a:fontRef>
-          </p:style>
-          <p:txBody>
-            <a:bodyPr rtlCol="0" anchor="ctr"/>
-            <a:lstStyle/>
-            <a:p>
-              <a:pPr algn="ctr"/>
-              <a:endParaRPr lang="zh-CN" altLang="en-US"/>
-            </a:p>
-          </p:txBody>
-        </p:sp>
-        <p:sp>
-          <p:nvSpPr>
-            <p:cNvPr id="18" name="椭圆 17"/>
-            <p:cNvSpPr/>
-            <p:nvPr/>
-          </p:nvSpPr>
-          <p:spPr>
-            <a:xfrm>
-              <a:off x="4989915" y="2898965"/>
-              <a:ext cx="198592" cy="219010"/>
-            </a:xfrm>
-            <a:prstGeom prst="ellipse">
-              <a:avLst/>
-            </a:prstGeom>
-          </p:spPr>
-          <p:style>
-            <a:lnRef idx="1">
-              <a:schemeClr val="accent2"/>
-            </a:lnRef>
-            <a:fillRef idx="3">
-              <a:schemeClr val="accent2"/>
-            </a:fillRef>
-            <a:effectRef idx="2">
-              <a:schemeClr val="accent2"/>
-            </a:effectRef>
-            <a:fontRef idx="minor">
-              <a:schemeClr val="lt1"/>
-            </a:fontRef>
-          </p:style>
-          <p:txBody>
-            <a:bodyPr rtlCol="0" anchor="ctr"/>
-            <a:lstStyle/>
-            <a:p>
-              <a:pPr algn="ctr"/>
-              <a:endParaRPr lang="zh-CN" altLang="en-US"/>
-            </a:p>
-          </p:txBody>
-        </p:sp>
-        <p:sp>
-          <p:nvSpPr>
-            <p:cNvPr id="19" name="椭圆 18"/>
-            <p:cNvSpPr/>
-            <p:nvPr/>
-          </p:nvSpPr>
-          <p:spPr>
-            <a:xfrm>
-              <a:off x="5676459" y="5099360"/>
-              <a:ext cx="198592" cy="219010"/>
-            </a:xfrm>
-            <a:prstGeom prst="ellipse">
-              <a:avLst/>
-            </a:prstGeom>
-          </p:spPr>
-          <p:style>
-            <a:lnRef idx="1">
-              <a:schemeClr val="accent2"/>
-            </a:lnRef>
-            <a:fillRef idx="3">
-              <a:schemeClr val="accent2"/>
-            </a:fillRef>
-            <a:effectRef idx="2">
-              <a:schemeClr val="accent2"/>
-            </a:effectRef>
-            <a:fontRef idx="minor">
-              <a:schemeClr val="lt1"/>
-            </a:fontRef>
-          </p:style>
-          <p:txBody>
-            <a:bodyPr rtlCol="0" anchor="ctr"/>
-            <a:lstStyle/>
-            <a:p>
-              <a:pPr algn="ctr"/>
-              <a:endParaRPr lang="zh-CN" altLang="en-US"/>
-            </a:p>
-          </p:txBody>
-        </p:sp>
-        <p:sp>
-          <p:nvSpPr>
-            <p:cNvPr id="20" name="椭圆 19"/>
-            <p:cNvSpPr/>
-            <p:nvPr/>
-          </p:nvSpPr>
-          <p:spPr>
-            <a:xfrm>
-              <a:off x="6876256" y="5737616"/>
-              <a:ext cx="198592" cy="219010"/>
-            </a:xfrm>
-            <a:prstGeom prst="ellipse">
-              <a:avLst/>
-            </a:prstGeom>
-          </p:spPr>
-          <p:style>
-            <a:lnRef idx="1">
-              <a:schemeClr val="accent2"/>
-            </a:lnRef>
-            <a:fillRef idx="3">
-              <a:schemeClr val="accent2"/>
-            </a:fillRef>
-            <a:effectRef idx="2">
-              <a:schemeClr val="accent2"/>
-            </a:effectRef>
-            <a:fontRef idx="minor">
-              <a:schemeClr val="lt1"/>
-            </a:fontRef>
-          </p:style>
-          <p:txBody>
-            <a:bodyPr rtlCol="0" anchor="ctr"/>
-            <a:lstStyle/>
-            <a:p>
-              <a:pPr algn="ctr"/>
-              <a:endParaRPr lang="zh-CN" altLang="en-US"/>
-            </a:p>
-          </p:txBody>
-        </p:sp>
-        <p:sp>
-          <p:nvSpPr>
-            <p:cNvPr id="21" name="椭圆 20"/>
-            <p:cNvSpPr/>
-            <p:nvPr/>
-          </p:nvSpPr>
-          <p:spPr>
-            <a:xfrm>
-              <a:off x="8430509" y="5883797"/>
-              <a:ext cx="198592" cy="219010"/>
-            </a:xfrm>
-            <a:prstGeom prst="ellipse">
-              <a:avLst/>
-            </a:prstGeom>
-          </p:spPr>
-          <p:style>
-            <a:lnRef idx="1">
-              <a:schemeClr val="accent2"/>
-            </a:lnRef>
-            <a:fillRef idx="3">
-              <a:schemeClr val="accent2"/>
-            </a:fillRef>
-            <a:effectRef idx="2">
-              <a:schemeClr val="accent2"/>
-            </a:effectRef>
-            <a:fontRef idx="minor">
-              <a:schemeClr val="lt1"/>
-            </a:fontRef>
-          </p:style>
-          <p:txBody>
-            <a:bodyPr rtlCol="0" anchor="ctr"/>
-            <a:lstStyle/>
-            <a:p>
-              <a:pPr algn="ctr"/>
-              <a:endParaRPr lang="zh-CN" altLang="en-US"/>
-            </a:p>
-          </p:txBody>
-        </p:sp>
-        <p:cxnSp>
-          <p:nvCxnSpPr>
-            <p:cNvPr id="23" name="直接连接符 22"/>
-            <p:cNvCxnSpPr>
-              <a:stCxn id="13" idx="6"/>
-              <a:endCxn id="14" idx="2"/>
-            </p:cNvCxnSpPr>
-            <p:nvPr/>
-          </p:nvCxnSpPr>
-          <p:spPr>
-            <a:xfrm flipV="1">
-              <a:off x="561870" y="5883797"/>
-              <a:ext cx="1633866" cy="172002"/>
-            </a:xfrm>
-            <a:prstGeom prst="line">
-              <a:avLst/>
-            </a:prstGeom>
-            <a:ln w="63500">
-              <a:solidFill>
-                <a:srgbClr val="00B0F0"/>
-              </a:solidFill>
-              <a:prstDash val="sysDash"/>
-            </a:ln>
-          </p:spPr>
-          <p:style>
-            <a:lnRef idx="1">
-              <a:schemeClr val="accent1"/>
-            </a:lnRef>
-            <a:fillRef idx="0">
-              <a:schemeClr val="accent1"/>
-            </a:fillRef>
-            <a:effectRef idx="0">
-              <a:schemeClr val="accent1"/>
-            </a:effectRef>
-            <a:fontRef idx="minor">
-              <a:schemeClr val="tx1"/>
-            </a:fontRef>
-          </p:style>
-        </p:cxnSp>
-        <p:cxnSp>
-          <p:nvCxnSpPr>
-            <p:cNvPr id="25" name="直接连接符 24"/>
-            <p:cNvCxnSpPr>
-              <a:stCxn id="14" idx="6"/>
-              <a:endCxn id="15" idx="3"/>
-            </p:cNvCxnSpPr>
-            <p:nvPr/>
-          </p:nvCxnSpPr>
-          <p:spPr>
-            <a:xfrm flipV="1">
-              <a:off x="2394328" y="5395802"/>
-              <a:ext cx="838603" cy="487995"/>
-            </a:xfrm>
-            <a:prstGeom prst="line">
-              <a:avLst/>
-            </a:prstGeom>
-            <a:ln w="63500">
-              <a:solidFill>
-                <a:srgbClr val="00B0F0"/>
-              </a:solidFill>
-              <a:prstDash val="sysDash"/>
-            </a:ln>
-          </p:spPr>
-          <p:style>
-            <a:lnRef idx="1">
-              <a:schemeClr val="accent1"/>
-            </a:lnRef>
-            <a:fillRef idx="0">
-              <a:schemeClr val="accent1"/>
-            </a:fillRef>
-            <a:effectRef idx="0">
-              <a:schemeClr val="accent1"/>
-            </a:effectRef>
-            <a:fontRef idx="minor">
-              <a:schemeClr val="tx1"/>
-            </a:fontRef>
-          </p:style>
-        </p:cxnSp>
-        <p:cxnSp>
-          <p:nvCxnSpPr>
-            <p:cNvPr id="28" name="直接连接符 27"/>
-            <p:cNvCxnSpPr>
-              <a:stCxn id="15" idx="7"/>
-              <a:endCxn id="16" idx="4"/>
-            </p:cNvCxnSpPr>
-            <p:nvPr/>
-          </p:nvCxnSpPr>
-          <p:spPr>
-            <a:xfrm flipV="1">
-              <a:off x="3373357" y="3143954"/>
-              <a:ext cx="577859" cy="2096984"/>
-            </a:xfrm>
-            <a:prstGeom prst="line">
-              <a:avLst/>
-            </a:prstGeom>
-            <a:ln w="63500">
-              <a:solidFill>
-                <a:srgbClr val="00B0F0"/>
-              </a:solidFill>
-              <a:prstDash val="sysDash"/>
-            </a:ln>
-          </p:spPr>
-          <p:style>
-            <a:lnRef idx="1">
-              <a:schemeClr val="accent1"/>
-            </a:lnRef>
-            <a:fillRef idx="0">
-              <a:schemeClr val="accent1"/>
-            </a:fillRef>
-            <a:effectRef idx="0">
-              <a:schemeClr val="accent1"/>
-            </a:effectRef>
-            <a:fontRef idx="minor">
-              <a:schemeClr val="tx1"/>
-            </a:fontRef>
-          </p:style>
-        </p:cxnSp>
-        <p:cxnSp>
-          <p:nvCxnSpPr>
-            <p:cNvPr id="31" name="直接连接符 30"/>
-            <p:cNvCxnSpPr>
-              <a:stCxn id="16" idx="7"/>
-              <a:endCxn id="17" idx="3"/>
-            </p:cNvCxnSpPr>
-            <p:nvPr/>
-          </p:nvCxnSpPr>
-          <p:spPr>
-            <a:xfrm flipV="1">
-              <a:off x="4021429" y="2607825"/>
-              <a:ext cx="419410" cy="349192"/>
-            </a:xfrm>
-            <a:prstGeom prst="line">
-              <a:avLst/>
-            </a:prstGeom>
-            <a:ln w="63500">
-              <a:solidFill>
-                <a:srgbClr val="00B0F0"/>
-              </a:solidFill>
-              <a:prstDash val="sysDash"/>
-            </a:ln>
-          </p:spPr>
-          <p:style>
-            <a:lnRef idx="1">
-              <a:schemeClr val="accent1"/>
-            </a:lnRef>
-            <a:fillRef idx="0">
-              <a:schemeClr val="accent1"/>
-            </a:fillRef>
-            <a:effectRef idx="0">
-              <a:schemeClr val="accent1"/>
-            </a:effectRef>
-            <a:fontRef idx="minor">
-              <a:schemeClr val="tx1"/>
-            </a:fontRef>
-          </p:style>
-        </p:cxnSp>
-        <p:cxnSp>
-          <p:nvCxnSpPr>
-            <p:cNvPr id="32" name="直接连接符 31"/>
-            <p:cNvCxnSpPr>
-              <a:stCxn id="17" idx="5"/>
-              <a:endCxn id="18" idx="2"/>
-            </p:cNvCxnSpPr>
-            <p:nvPr/>
-          </p:nvCxnSpPr>
-          <p:spPr>
-            <a:xfrm>
-              <a:off x="4581265" y="2607825"/>
-              <a:ext cx="408650" cy="400645"/>
-            </a:xfrm>
-            <a:prstGeom prst="line">
-              <a:avLst/>
-            </a:prstGeom>
-            <a:ln w="63500">
-              <a:solidFill>
-                <a:srgbClr val="00B0F0"/>
-              </a:solidFill>
-              <a:prstDash val="sysDash"/>
-            </a:ln>
-          </p:spPr>
-          <p:style>
-            <a:lnRef idx="1">
-              <a:schemeClr val="accent1"/>
-            </a:lnRef>
-            <a:fillRef idx="0">
-              <a:schemeClr val="accent1"/>
-            </a:fillRef>
-            <a:effectRef idx="0">
-              <a:schemeClr val="accent1"/>
-            </a:effectRef>
-            <a:fontRef idx="minor">
-              <a:schemeClr val="tx1"/>
-            </a:fontRef>
-          </p:style>
-        </p:cxnSp>
-        <p:cxnSp>
-          <p:nvCxnSpPr>
-            <p:cNvPr id="33" name="直接连接符 32"/>
-            <p:cNvCxnSpPr>
-              <a:stCxn id="19" idx="5"/>
-              <a:endCxn id="20" idx="1"/>
-            </p:cNvCxnSpPr>
-            <p:nvPr/>
-          </p:nvCxnSpPr>
-          <p:spPr>
-            <a:xfrm>
-              <a:off x="5845968" y="5286297"/>
-              <a:ext cx="1059371" cy="483392"/>
-            </a:xfrm>
-            <a:prstGeom prst="line">
-              <a:avLst/>
-            </a:prstGeom>
-            <a:ln w="63500">
-              <a:solidFill>
-                <a:srgbClr val="00B0F0"/>
-              </a:solidFill>
-              <a:prstDash val="sysDash"/>
-            </a:ln>
-          </p:spPr>
-          <p:style>
-            <a:lnRef idx="1">
-              <a:schemeClr val="accent1"/>
-            </a:lnRef>
-            <a:fillRef idx="0">
-              <a:schemeClr val="accent1"/>
-            </a:fillRef>
-            <a:effectRef idx="0">
-              <a:schemeClr val="accent1"/>
-            </a:effectRef>
-            <a:fontRef idx="minor">
-              <a:schemeClr val="tx1"/>
-            </a:fontRef>
-          </p:style>
-        </p:cxnSp>
-        <p:cxnSp>
-          <p:nvCxnSpPr>
-            <p:cNvPr id="34" name="直接连接符 33"/>
-            <p:cNvCxnSpPr>
-              <a:stCxn id="18" idx="5"/>
-              <a:endCxn id="19" idx="0"/>
-            </p:cNvCxnSpPr>
-            <p:nvPr/>
-          </p:nvCxnSpPr>
-          <p:spPr>
-            <a:xfrm>
-              <a:off x="5159424" y="3085902"/>
-              <a:ext cx="616331" cy="2013458"/>
-            </a:xfrm>
-            <a:prstGeom prst="line">
-              <a:avLst/>
-            </a:prstGeom>
-            <a:ln w="63500">
-              <a:solidFill>
-                <a:srgbClr val="00B0F0"/>
-              </a:solidFill>
-              <a:prstDash val="sysDash"/>
-            </a:ln>
-          </p:spPr>
-          <p:style>
-            <a:lnRef idx="1">
-              <a:schemeClr val="accent1"/>
-            </a:lnRef>
-            <a:fillRef idx="0">
-              <a:schemeClr val="accent1"/>
-            </a:fillRef>
-            <a:effectRef idx="0">
-              <a:schemeClr val="accent1"/>
-            </a:effectRef>
-            <a:fontRef idx="minor">
-              <a:schemeClr val="tx1"/>
-            </a:fontRef>
-          </p:style>
-        </p:cxnSp>
-        <p:cxnSp>
-          <p:nvCxnSpPr>
-            <p:cNvPr id="43" name="直接连接符 42"/>
-            <p:cNvCxnSpPr>
-              <a:stCxn id="20" idx="5"/>
-              <a:endCxn id="21" idx="2"/>
-            </p:cNvCxnSpPr>
-            <p:nvPr/>
-          </p:nvCxnSpPr>
-          <p:spPr>
-            <a:xfrm>
-              <a:off x="7045765" y="5924553"/>
-              <a:ext cx="1384744" cy="68749"/>
-            </a:xfrm>
-            <a:prstGeom prst="line">
-              <a:avLst/>
-            </a:prstGeom>
-            <a:ln w="63500">
-              <a:solidFill>
-                <a:srgbClr val="00B0F0"/>
-              </a:solidFill>
-              <a:prstDash val="sysDash"/>
-            </a:ln>
-          </p:spPr>
-          <p:style>
-            <a:lnRef idx="1">
-              <a:schemeClr val="accent1"/>
-            </a:lnRef>
-            <a:fillRef idx="0">
-              <a:schemeClr val="accent1"/>
-            </a:fillRef>
-            <a:effectRef idx="0">
-              <a:schemeClr val="accent1"/>
-            </a:effectRef>
-            <a:fontRef idx="minor">
-              <a:schemeClr val="tx1"/>
-            </a:fontRef>
-          </p:style>
-        </p:cxnSp>
       </p:grpSp>
     </p:spTree>
     <p:extLst>

--- a/Manuscript/chemical_graph.pptx
+++ b/Manuscript/chemical_graph.pptx
@@ -6553,87 +6553,883 @@
       </p:grpSpPr>
       <p:grpSp>
         <p:nvGrpSpPr>
-          <p:cNvPr id="8" name="组合 7"/>
+          <p:cNvPr id="3" name="组合 2"/>
           <p:cNvGrpSpPr/>
           <p:nvPr/>
         </p:nvGrpSpPr>
         <p:grpSpPr>
           <a:xfrm>
-            <a:off x="300290" y="883748"/>
-            <a:ext cx="8647588" cy="5578879"/>
-            <a:chOff x="363278" y="1268760"/>
-            <a:chExt cx="8647588" cy="5578879"/>
+            <a:off x="300290" y="774243"/>
+            <a:ext cx="8583813" cy="5393738"/>
+            <a:chOff x="300290" y="774243"/>
+            <a:chExt cx="8583813" cy="5393738"/>
           </a:xfrm>
         </p:grpSpPr>
         <p:grpSp>
           <p:nvGrpSpPr>
-            <p:cNvPr id="46" name="组合 45"/>
+            <p:cNvPr id="8" name="组合 7"/>
             <p:cNvGrpSpPr/>
             <p:nvPr/>
           </p:nvGrpSpPr>
           <p:grpSpPr>
             <a:xfrm>
-              <a:off x="363278" y="1268760"/>
-              <a:ext cx="8580294" cy="5209547"/>
+              <a:off x="300290" y="883748"/>
+              <a:ext cx="8583813" cy="5281294"/>
               <a:chOff x="363278" y="1268760"/>
-              <a:chExt cx="8580294" cy="5209547"/>
+              <a:chExt cx="8583813" cy="5281294"/>
             </a:xfrm>
           </p:grpSpPr>
+          <p:grpSp>
+            <p:nvGrpSpPr>
+              <p:cNvPr id="46" name="组合 45"/>
+              <p:cNvGrpSpPr/>
+              <p:nvPr/>
+            </p:nvGrpSpPr>
+            <p:grpSpPr>
+              <a:xfrm>
+                <a:off x="363278" y="1268760"/>
+                <a:ext cx="8580294" cy="5209547"/>
+                <a:chOff x="363278" y="1268760"/>
+                <a:chExt cx="8580294" cy="5209547"/>
+              </a:xfrm>
+            </p:grpSpPr>
+            <p:cxnSp>
+              <p:nvCxnSpPr>
+                <p:cNvPr id="5" name="直接箭头连接符 4"/>
+                <p:cNvCxnSpPr/>
+                <p:nvPr/>
+              </p:nvCxnSpPr>
+              <p:spPr>
+                <a:xfrm>
+                  <a:off x="489862" y="6077617"/>
+                  <a:ext cx="8418264" cy="0"/>
+                </a:xfrm>
+                <a:prstGeom prst="straightConnector1">
+                  <a:avLst/>
+                </a:prstGeom>
+                <a:ln w="63500">
+                  <a:solidFill>
+                    <a:schemeClr val="tx1"/>
+                  </a:solidFill>
+                  <a:tailEnd type="triangle"/>
+                </a:ln>
+              </p:spPr>
+              <p:style>
+                <a:lnRef idx="1">
+                  <a:schemeClr val="accent1"/>
+                </a:lnRef>
+                <a:fillRef idx="0">
+                  <a:schemeClr val="accent1"/>
+                </a:fillRef>
+                <a:effectRef idx="0">
+                  <a:schemeClr val="accent1"/>
+                </a:effectRef>
+                <a:fontRef idx="minor">
+                  <a:schemeClr val="tx1"/>
+                </a:fontRef>
+              </p:style>
+            </p:cxnSp>
+            <p:cxnSp>
+              <p:nvCxnSpPr>
+                <p:cNvPr id="6" name="直接箭头连接符 5"/>
+                <p:cNvCxnSpPr/>
+                <p:nvPr/>
+              </p:nvCxnSpPr>
+              <p:spPr>
+                <a:xfrm flipV="1">
+                  <a:off x="489862" y="1268760"/>
+                  <a:ext cx="0" cy="4808857"/>
+                </a:xfrm>
+                <a:prstGeom prst="straightConnector1">
+                  <a:avLst/>
+                </a:prstGeom>
+                <a:ln w="63500">
+                  <a:solidFill>
+                    <a:schemeClr val="tx1"/>
+                  </a:solidFill>
+                  <a:tailEnd type="triangle"/>
+                </a:ln>
+              </p:spPr>
+              <p:style>
+                <a:lnRef idx="1">
+                  <a:schemeClr val="accent1"/>
+                </a:lnRef>
+                <a:fillRef idx="0">
+                  <a:schemeClr val="accent1"/>
+                </a:fillRef>
+                <a:effectRef idx="0">
+                  <a:schemeClr val="accent1"/>
+                </a:effectRef>
+                <a:fontRef idx="minor">
+                  <a:schemeClr val="tx1"/>
+                </a:fontRef>
+              </p:style>
+            </p:cxnSp>
+            <p:sp>
+              <p:nvSpPr>
+                <p:cNvPr id="9" name="TextBox 8"/>
+                <p:cNvSpPr txBox="1"/>
+                <p:nvPr/>
+              </p:nvSpPr>
+              <p:spPr>
+                <a:xfrm>
+                  <a:off x="8116038" y="6108975"/>
+                  <a:ext cx="827534" cy="369332"/>
+                </a:xfrm>
+                <a:prstGeom prst="rect">
+                  <a:avLst/>
+                </a:prstGeom>
+                <a:noFill/>
+              </p:spPr>
+              <p:txBody>
+                <a:bodyPr wrap="none" rtlCol="0">
+                  <a:spAutoFit/>
+                </a:bodyPr>
+                <a:lstStyle/>
+                <a:p>
+                  <a:r>
+                    <a:rPr lang="en-US" altLang="zh-CN" dirty="0" smtClean="0"/>
+                    <a:t>energy</a:t>
+                  </a:r>
+                  <a:endParaRPr lang="zh-CN" altLang="en-US" dirty="0"/>
+                </a:p>
+              </p:txBody>
+            </p:sp>
+            <p:sp>
+              <p:nvSpPr>
+                <p:cNvPr id="10" name="TextBox 9"/>
+                <p:cNvSpPr txBox="1"/>
+                <p:nvPr/>
+              </p:nvSpPr>
+              <p:spPr>
+                <a:xfrm>
+                  <a:off x="561870" y="1484784"/>
+                  <a:ext cx="969624" cy="369332"/>
+                </a:xfrm>
+                <a:prstGeom prst="rect">
+                  <a:avLst/>
+                </a:prstGeom>
+                <a:noFill/>
+              </p:spPr>
+              <p:txBody>
+                <a:bodyPr wrap="none" rtlCol="0">
+                  <a:spAutoFit/>
+                </a:bodyPr>
+                <a:lstStyle/>
+                <a:p>
+                  <a:r>
+                    <a:rPr lang="en-US" altLang="zh-CN" dirty="0" smtClean="0"/>
+                    <a:t>quantity</a:t>
+                  </a:r>
+                  <a:endParaRPr lang="zh-CN" altLang="en-US" dirty="0"/>
+                </a:p>
+              </p:txBody>
+            </p:sp>
+            <p:sp>
+              <p:nvSpPr>
+                <p:cNvPr id="13" name="椭圆 12"/>
+                <p:cNvSpPr/>
+                <p:nvPr/>
+              </p:nvSpPr>
+              <p:spPr>
+                <a:xfrm>
+                  <a:off x="363278" y="5946294"/>
+                  <a:ext cx="198592" cy="219010"/>
+                </a:xfrm>
+                <a:prstGeom prst="ellipse">
+                  <a:avLst/>
+                </a:prstGeom>
+              </p:spPr>
+              <p:style>
+                <a:lnRef idx="1">
+                  <a:schemeClr val="accent2"/>
+                </a:lnRef>
+                <a:fillRef idx="3">
+                  <a:schemeClr val="accent2"/>
+                </a:fillRef>
+                <a:effectRef idx="2">
+                  <a:schemeClr val="accent2"/>
+                </a:effectRef>
+                <a:fontRef idx="minor">
+                  <a:schemeClr val="lt1"/>
+                </a:fontRef>
+              </p:style>
+              <p:txBody>
+                <a:bodyPr rtlCol="0" anchor="ctr"/>
+                <a:lstStyle/>
+                <a:p>
+                  <a:pPr algn="ctr"/>
+                  <a:endParaRPr lang="zh-CN" altLang="en-US"/>
+                </a:p>
+              </p:txBody>
+            </p:sp>
+            <p:sp>
+              <p:nvSpPr>
+                <p:cNvPr id="14" name="椭圆 13"/>
+                <p:cNvSpPr/>
+                <p:nvPr/>
+              </p:nvSpPr>
+              <p:spPr>
+                <a:xfrm>
+                  <a:off x="2195736" y="5774292"/>
+                  <a:ext cx="198592" cy="219010"/>
+                </a:xfrm>
+                <a:prstGeom prst="ellipse">
+                  <a:avLst/>
+                </a:prstGeom>
+              </p:spPr>
+              <p:style>
+                <a:lnRef idx="1">
+                  <a:schemeClr val="accent2"/>
+                </a:lnRef>
+                <a:fillRef idx="3">
+                  <a:schemeClr val="accent2"/>
+                </a:fillRef>
+                <a:effectRef idx="2">
+                  <a:schemeClr val="accent2"/>
+                </a:effectRef>
+                <a:fontRef idx="minor">
+                  <a:schemeClr val="lt1"/>
+                </a:fontRef>
+              </p:style>
+              <p:txBody>
+                <a:bodyPr rtlCol="0" anchor="ctr"/>
+                <a:lstStyle/>
+                <a:p>
+                  <a:pPr algn="ctr"/>
+                  <a:endParaRPr lang="zh-CN" altLang="en-US"/>
+                </a:p>
+              </p:txBody>
+            </p:sp>
+            <p:sp>
+              <p:nvSpPr>
+                <p:cNvPr id="15" name="椭圆 14"/>
+                <p:cNvSpPr/>
+                <p:nvPr/>
+              </p:nvSpPr>
+              <p:spPr>
+                <a:xfrm>
+                  <a:off x="3203848" y="5208865"/>
+                  <a:ext cx="198592" cy="219010"/>
+                </a:xfrm>
+                <a:prstGeom prst="ellipse">
+                  <a:avLst/>
+                </a:prstGeom>
+              </p:spPr>
+              <p:style>
+                <a:lnRef idx="1">
+                  <a:schemeClr val="accent2"/>
+                </a:lnRef>
+                <a:fillRef idx="3">
+                  <a:schemeClr val="accent2"/>
+                </a:fillRef>
+                <a:effectRef idx="2">
+                  <a:schemeClr val="accent2"/>
+                </a:effectRef>
+                <a:fontRef idx="minor">
+                  <a:schemeClr val="lt1"/>
+                </a:fontRef>
+              </p:style>
+              <p:txBody>
+                <a:bodyPr rtlCol="0" anchor="ctr"/>
+                <a:lstStyle/>
+                <a:p>
+                  <a:pPr algn="ctr"/>
+                  <a:endParaRPr lang="zh-CN" altLang="en-US"/>
+                </a:p>
+              </p:txBody>
+            </p:sp>
+            <p:sp>
+              <p:nvSpPr>
+                <p:cNvPr id="16" name="椭圆 15"/>
+                <p:cNvSpPr/>
+                <p:nvPr/>
+              </p:nvSpPr>
+              <p:spPr>
+                <a:xfrm>
+                  <a:off x="3851920" y="2924944"/>
+                  <a:ext cx="198592" cy="219010"/>
+                </a:xfrm>
+                <a:prstGeom prst="ellipse">
+                  <a:avLst/>
+                </a:prstGeom>
+              </p:spPr>
+              <p:style>
+                <a:lnRef idx="1">
+                  <a:schemeClr val="accent2"/>
+                </a:lnRef>
+                <a:fillRef idx="3">
+                  <a:schemeClr val="accent2"/>
+                </a:fillRef>
+                <a:effectRef idx="2">
+                  <a:schemeClr val="accent2"/>
+                </a:effectRef>
+                <a:fontRef idx="minor">
+                  <a:schemeClr val="lt1"/>
+                </a:fontRef>
+              </p:style>
+              <p:txBody>
+                <a:bodyPr rtlCol="0" anchor="ctr"/>
+                <a:lstStyle/>
+                <a:p>
+                  <a:pPr algn="ctr"/>
+                  <a:endParaRPr lang="zh-CN" altLang="en-US"/>
+                </a:p>
+              </p:txBody>
+            </p:sp>
+            <p:sp>
+              <p:nvSpPr>
+                <p:cNvPr id="17" name="椭圆 16"/>
+                <p:cNvSpPr/>
+                <p:nvPr/>
+              </p:nvSpPr>
+              <p:spPr>
+                <a:xfrm>
+                  <a:off x="4411756" y="2420888"/>
+                  <a:ext cx="198592" cy="219010"/>
+                </a:xfrm>
+                <a:prstGeom prst="ellipse">
+                  <a:avLst/>
+                </a:prstGeom>
+              </p:spPr>
+              <p:style>
+                <a:lnRef idx="1">
+                  <a:schemeClr val="accent2"/>
+                </a:lnRef>
+                <a:fillRef idx="3">
+                  <a:schemeClr val="accent2"/>
+                </a:fillRef>
+                <a:effectRef idx="2">
+                  <a:schemeClr val="accent2"/>
+                </a:effectRef>
+                <a:fontRef idx="minor">
+                  <a:schemeClr val="lt1"/>
+                </a:fontRef>
+              </p:style>
+              <p:txBody>
+                <a:bodyPr rtlCol="0" anchor="ctr"/>
+                <a:lstStyle/>
+                <a:p>
+                  <a:pPr algn="ctr"/>
+                  <a:endParaRPr lang="zh-CN" altLang="en-US"/>
+                </a:p>
+              </p:txBody>
+            </p:sp>
+            <p:sp>
+              <p:nvSpPr>
+                <p:cNvPr id="18" name="椭圆 17"/>
+                <p:cNvSpPr/>
+                <p:nvPr/>
+              </p:nvSpPr>
+              <p:spPr>
+                <a:xfrm>
+                  <a:off x="4989915" y="2898965"/>
+                  <a:ext cx="198592" cy="219010"/>
+                </a:xfrm>
+                <a:prstGeom prst="ellipse">
+                  <a:avLst/>
+                </a:prstGeom>
+              </p:spPr>
+              <p:style>
+                <a:lnRef idx="1">
+                  <a:schemeClr val="accent2"/>
+                </a:lnRef>
+                <a:fillRef idx="3">
+                  <a:schemeClr val="accent2"/>
+                </a:fillRef>
+                <a:effectRef idx="2">
+                  <a:schemeClr val="accent2"/>
+                </a:effectRef>
+                <a:fontRef idx="minor">
+                  <a:schemeClr val="lt1"/>
+                </a:fontRef>
+              </p:style>
+              <p:txBody>
+                <a:bodyPr rtlCol="0" anchor="ctr"/>
+                <a:lstStyle/>
+                <a:p>
+                  <a:pPr algn="ctr"/>
+                  <a:endParaRPr lang="zh-CN" altLang="en-US"/>
+                </a:p>
+              </p:txBody>
+            </p:sp>
+            <p:sp>
+              <p:nvSpPr>
+                <p:cNvPr id="19" name="椭圆 18"/>
+                <p:cNvSpPr/>
+                <p:nvPr/>
+              </p:nvSpPr>
+              <p:spPr>
+                <a:xfrm>
+                  <a:off x="5676459" y="5099360"/>
+                  <a:ext cx="198592" cy="219010"/>
+                </a:xfrm>
+                <a:prstGeom prst="ellipse">
+                  <a:avLst/>
+                </a:prstGeom>
+              </p:spPr>
+              <p:style>
+                <a:lnRef idx="1">
+                  <a:schemeClr val="accent2"/>
+                </a:lnRef>
+                <a:fillRef idx="3">
+                  <a:schemeClr val="accent2"/>
+                </a:fillRef>
+                <a:effectRef idx="2">
+                  <a:schemeClr val="accent2"/>
+                </a:effectRef>
+                <a:fontRef idx="minor">
+                  <a:schemeClr val="lt1"/>
+                </a:fontRef>
+              </p:style>
+              <p:txBody>
+                <a:bodyPr rtlCol="0" anchor="ctr"/>
+                <a:lstStyle/>
+                <a:p>
+                  <a:pPr algn="ctr"/>
+                  <a:endParaRPr lang="zh-CN" altLang="en-US"/>
+                </a:p>
+              </p:txBody>
+            </p:sp>
+            <p:sp>
+              <p:nvSpPr>
+                <p:cNvPr id="20" name="椭圆 19"/>
+                <p:cNvSpPr/>
+                <p:nvPr/>
+              </p:nvSpPr>
+              <p:spPr>
+                <a:xfrm>
+                  <a:off x="6876256" y="5737616"/>
+                  <a:ext cx="198592" cy="219010"/>
+                </a:xfrm>
+                <a:prstGeom prst="ellipse">
+                  <a:avLst/>
+                </a:prstGeom>
+              </p:spPr>
+              <p:style>
+                <a:lnRef idx="1">
+                  <a:schemeClr val="accent2"/>
+                </a:lnRef>
+                <a:fillRef idx="3">
+                  <a:schemeClr val="accent2"/>
+                </a:fillRef>
+                <a:effectRef idx="2">
+                  <a:schemeClr val="accent2"/>
+                </a:effectRef>
+                <a:fontRef idx="minor">
+                  <a:schemeClr val="lt1"/>
+                </a:fontRef>
+              </p:style>
+              <p:txBody>
+                <a:bodyPr rtlCol="0" anchor="ctr"/>
+                <a:lstStyle/>
+                <a:p>
+                  <a:pPr algn="ctr"/>
+                  <a:endParaRPr lang="zh-CN" altLang="en-US"/>
+                </a:p>
+              </p:txBody>
+            </p:sp>
+            <p:sp>
+              <p:nvSpPr>
+                <p:cNvPr id="21" name="椭圆 20"/>
+                <p:cNvSpPr/>
+                <p:nvPr/>
+              </p:nvSpPr>
+              <p:spPr>
+                <a:xfrm>
+                  <a:off x="8430509" y="5883797"/>
+                  <a:ext cx="198592" cy="219010"/>
+                </a:xfrm>
+                <a:prstGeom prst="ellipse">
+                  <a:avLst/>
+                </a:prstGeom>
+              </p:spPr>
+              <p:style>
+                <a:lnRef idx="1">
+                  <a:schemeClr val="accent2"/>
+                </a:lnRef>
+                <a:fillRef idx="3">
+                  <a:schemeClr val="accent2"/>
+                </a:fillRef>
+                <a:effectRef idx="2">
+                  <a:schemeClr val="accent2"/>
+                </a:effectRef>
+                <a:fontRef idx="minor">
+                  <a:schemeClr val="lt1"/>
+                </a:fontRef>
+              </p:style>
+              <p:txBody>
+                <a:bodyPr rtlCol="0" anchor="ctr"/>
+                <a:lstStyle/>
+                <a:p>
+                  <a:pPr algn="ctr"/>
+                  <a:endParaRPr lang="zh-CN" altLang="en-US"/>
+                </a:p>
+              </p:txBody>
+            </p:sp>
+            <p:cxnSp>
+              <p:nvCxnSpPr>
+                <p:cNvPr id="23" name="直接连接符 22"/>
+                <p:cNvCxnSpPr>
+                  <a:stCxn id="13" idx="6"/>
+                  <a:endCxn id="14" idx="2"/>
+                </p:cNvCxnSpPr>
+                <p:nvPr/>
+              </p:nvCxnSpPr>
+              <p:spPr>
+                <a:xfrm flipV="1">
+                  <a:off x="561870" y="5883797"/>
+                  <a:ext cx="1633866" cy="172002"/>
+                </a:xfrm>
+                <a:prstGeom prst="line">
+                  <a:avLst/>
+                </a:prstGeom>
+                <a:ln w="63500">
+                  <a:solidFill>
+                    <a:srgbClr val="00B0F0"/>
+                  </a:solidFill>
+                  <a:prstDash val="sysDash"/>
+                </a:ln>
+              </p:spPr>
+              <p:style>
+                <a:lnRef idx="1">
+                  <a:schemeClr val="accent1"/>
+                </a:lnRef>
+                <a:fillRef idx="0">
+                  <a:schemeClr val="accent1"/>
+                </a:fillRef>
+                <a:effectRef idx="0">
+                  <a:schemeClr val="accent1"/>
+                </a:effectRef>
+                <a:fontRef idx="minor">
+                  <a:schemeClr val="tx1"/>
+                </a:fontRef>
+              </p:style>
+            </p:cxnSp>
+            <p:cxnSp>
+              <p:nvCxnSpPr>
+                <p:cNvPr id="25" name="直接连接符 24"/>
+                <p:cNvCxnSpPr>
+                  <a:stCxn id="14" idx="6"/>
+                  <a:endCxn id="15" idx="3"/>
+                </p:cNvCxnSpPr>
+                <p:nvPr/>
+              </p:nvCxnSpPr>
+              <p:spPr>
+                <a:xfrm flipV="1">
+                  <a:off x="2394328" y="5395802"/>
+                  <a:ext cx="838603" cy="487995"/>
+                </a:xfrm>
+                <a:prstGeom prst="line">
+                  <a:avLst/>
+                </a:prstGeom>
+                <a:ln w="63500">
+                  <a:solidFill>
+                    <a:srgbClr val="00B0F0"/>
+                  </a:solidFill>
+                  <a:prstDash val="sysDash"/>
+                </a:ln>
+              </p:spPr>
+              <p:style>
+                <a:lnRef idx="1">
+                  <a:schemeClr val="accent1"/>
+                </a:lnRef>
+                <a:fillRef idx="0">
+                  <a:schemeClr val="accent1"/>
+                </a:fillRef>
+                <a:effectRef idx="0">
+                  <a:schemeClr val="accent1"/>
+                </a:effectRef>
+                <a:fontRef idx="minor">
+                  <a:schemeClr val="tx1"/>
+                </a:fontRef>
+              </p:style>
+            </p:cxnSp>
+            <p:cxnSp>
+              <p:nvCxnSpPr>
+                <p:cNvPr id="28" name="直接连接符 27"/>
+                <p:cNvCxnSpPr>
+                  <a:stCxn id="15" idx="7"/>
+                  <a:endCxn id="16" idx="4"/>
+                </p:cNvCxnSpPr>
+                <p:nvPr/>
+              </p:nvCxnSpPr>
+              <p:spPr>
+                <a:xfrm flipV="1">
+                  <a:off x="3373357" y="3143954"/>
+                  <a:ext cx="577859" cy="2096984"/>
+                </a:xfrm>
+                <a:prstGeom prst="line">
+                  <a:avLst/>
+                </a:prstGeom>
+                <a:ln w="63500">
+                  <a:solidFill>
+                    <a:srgbClr val="00B0F0"/>
+                  </a:solidFill>
+                  <a:prstDash val="sysDash"/>
+                </a:ln>
+              </p:spPr>
+              <p:style>
+                <a:lnRef idx="1">
+                  <a:schemeClr val="accent1"/>
+                </a:lnRef>
+                <a:fillRef idx="0">
+                  <a:schemeClr val="accent1"/>
+                </a:fillRef>
+                <a:effectRef idx="0">
+                  <a:schemeClr val="accent1"/>
+                </a:effectRef>
+                <a:fontRef idx="minor">
+                  <a:schemeClr val="tx1"/>
+                </a:fontRef>
+              </p:style>
+            </p:cxnSp>
+            <p:cxnSp>
+              <p:nvCxnSpPr>
+                <p:cNvPr id="31" name="直接连接符 30"/>
+                <p:cNvCxnSpPr>
+                  <a:stCxn id="16" idx="7"/>
+                  <a:endCxn id="17" idx="3"/>
+                </p:cNvCxnSpPr>
+                <p:nvPr/>
+              </p:nvCxnSpPr>
+              <p:spPr>
+                <a:xfrm flipV="1">
+                  <a:off x="4021429" y="2607825"/>
+                  <a:ext cx="419410" cy="349192"/>
+                </a:xfrm>
+                <a:prstGeom prst="line">
+                  <a:avLst/>
+                </a:prstGeom>
+                <a:ln w="63500">
+                  <a:solidFill>
+                    <a:srgbClr val="00B0F0"/>
+                  </a:solidFill>
+                  <a:prstDash val="sysDash"/>
+                </a:ln>
+              </p:spPr>
+              <p:style>
+                <a:lnRef idx="1">
+                  <a:schemeClr val="accent1"/>
+                </a:lnRef>
+                <a:fillRef idx="0">
+                  <a:schemeClr val="accent1"/>
+                </a:fillRef>
+                <a:effectRef idx="0">
+                  <a:schemeClr val="accent1"/>
+                </a:effectRef>
+                <a:fontRef idx="minor">
+                  <a:schemeClr val="tx1"/>
+                </a:fontRef>
+              </p:style>
+            </p:cxnSp>
+            <p:cxnSp>
+              <p:nvCxnSpPr>
+                <p:cNvPr id="32" name="直接连接符 31"/>
+                <p:cNvCxnSpPr>
+                  <a:stCxn id="17" idx="5"/>
+                  <a:endCxn id="18" idx="2"/>
+                </p:cNvCxnSpPr>
+                <p:nvPr/>
+              </p:nvCxnSpPr>
+              <p:spPr>
+                <a:xfrm>
+                  <a:off x="4581265" y="2607825"/>
+                  <a:ext cx="408650" cy="400645"/>
+                </a:xfrm>
+                <a:prstGeom prst="line">
+                  <a:avLst/>
+                </a:prstGeom>
+                <a:ln w="63500">
+                  <a:solidFill>
+                    <a:srgbClr val="00B0F0"/>
+                  </a:solidFill>
+                  <a:prstDash val="sysDash"/>
+                </a:ln>
+              </p:spPr>
+              <p:style>
+                <a:lnRef idx="1">
+                  <a:schemeClr val="accent1"/>
+                </a:lnRef>
+                <a:fillRef idx="0">
+                  <a:schemeClr val="accent1"/>
+                </a:fillRef>
+                <a:effectRef idx="0">
+                  <a:schemeClr val="accent1"/>
+                </a:effectRef>
+                <a:fontRef idx="minor">
+                  <a:schemeClr val="tx1"/>
+                </a:fontRef>
+              </p:style>
+            </p:cxnSp>
+            <p:cxnSp>
+              <p:nvCxnSpPr>
+                <p:cNvPr id="33" name="直接连接符 32"/>
+                <p:cNvCxnSpPr>
+                  <a:stCxn id="19" idx="5"/>
+                  <a:endCxn id="20" idx="1"/>
+                </p:cNvCxnSpPr>
+                <p:nvPr/>
+              </p:nvCxnSpPr>
+              <p:spPr>
+                <a:xfrm>
+                  <a:off x="5845968" y="5286297"/>
+                  <a:ext cx="1059371" cy="483392"/>
+                </a:xfrm>
+                <a:prstGeom prst="line">
+                  <a:avLst/>
+                </a:prstGeom>
+                <a:ln w="63500">
+                  <a:solidFill>
+                    <a:srgbClr val="00B0F0"/>
+                  </a:solidFill>
+                  <a:prstDash val="sysDash"/>
+                </a:ln>
+              </p:spPr>
+              <p:style>
+                <a:lnRef idx="1">
+                  <a:schemeClr val="accent1"/>
+                </a:lnRef>
+                <a:fillRef idx="0">
+                  <a:schemeClr val="accent1"/>
+                </a:fillRef>
+                <a:effectRef idx="0">
+                  <a:schemeClr val="accent1"/>
+                </a:effectRef>
+                <a:fontRef idx="minor">
+                  <a:schemeClr val="tx1"/>
+                </a:fontRef>
+              </p:style>
+            </p:cxnSp>
+            <p:cxnSp>
+              <p:nvCxnSpPr>
+                <p:cNvPr id="34" name="直接连接符 33"/>
+                <p:cNvCxnSpPr>
+                  <a:stCxn id="18" idx="5"/>
+                  <a:endCxn id="19" idx="0"/>
+                </p:cNvCxnSpPr>
+                <p:nvPr/>
+              </p:nvCxnSpPr>
+              <p:spPr>
+                <a:xfrm>
+                  <a:off x="5159424" y="3085902"/>
+                  <a:ext cx="616331" cy="2013458"/>
+                </a:xfrm>
+                <a:prstGeom prst="line">
+                  <a:avLst/>
+                </a:prstGeom>
+                <a:ln w="63500">
+                  <a:solidFill>
+                    <a:srgbClr val="00B0F0"/>
+                  </a:solidFill>
+                  <a:prstDash val="sysDash"/>
+                </a:ln>
+              </p:spPr>
+              <p:style>
+                <a:lnRef idx="1">
+                  <a:schemeClr val="accent1"/>
+                </a:lnRef>
+                <a:fillRef idx="0">
+                  <a:schemeClr val="accent1"/>
+                </a:fillRef>
+                <a:effectRef idx="0">
+                  <a:schemeClr val="accent1"/>
+                </a:effectRef>
+                <a:fontRef idx="minor">
+                  <a:schemeClr val="tx1"/>
+                </a:fontRef>
+              </p:style>
+            </p:cxnSp>
+            <p:cxnSp>
+              <p:nvCxnSpPr>
+                <p:cNvPr id="43" name="直接连接符 42"/>
+                <p:cNvCxnSpPr>
+                  <a:stCxn id="20" idx="5"/>
+                  <a:endCxn id="21" idx="2"/>
+                </p:cNvCxnSpPr>
+                <p:nvPr/>
+              </p:nvCxnSpPr>
+              <p:spPr>
+                <a:xfrm>
+                  <a:off x="7045765" y="5924553"/>
+                  <a:ext cx="1384744" cy="68749"/>
+                </a:xfrm>
+                <a:prstGeom prst="line">
+                  <a:avLst/>
+                </a:prstGeom>
+                <a:ln w="63500">
+                  <a:solidFill>
+                    <a:srgbClr val="00B0F0"/>
+                  </a:solidFill>
+                  <a:prstDash val="sysDash"/>
+                </a:ln>
+              </p:spPr>
+              <p:style>
+                <a:lnRef idx="1">
+                  <a:schemeClr val="accent1"/>
+                </a:lnRef>
+                <a:fillRef idx="0">
+                  <a:schemeClr val="accent1"/>
+                </a:fillRef>
+                <a:effectRef idx="0">
+                  <a:schemeClr val="accent1"/>
+                </a:effectRef>
+                <a:fontRef idx="minor">
+                  <a:schemeClr val="tx1"/>
+                </a:fontRef>
+              </p:style>
+            </p:cxnSp>
+          </p:grpSp>
+          <p:sp>
+            <p:nvSpPr>
+              <p:cNvPr id="2" name="TextBox 1"/>
+              <p:cNvSpPr txBox="1"/>
+              <p:nvPr/>
+            </p:nvSpPr>
+            <p:spPr>
+              <a:xfrm>
+                <a:off x="7984968" y="5427875"/>
+                <a:ext cx="962123" cy="369332"/>
+              </a:xfrm>
+              <a:prstGeom prst="rect">
+                <a:avLst/>
+              </a:prstGeom>
+              <a:noFill/>
+            </p:spPr>
+            <p:txBody>
+              <a:bodyPr wrap="none" rtlCol="0">
+                <a:spAutoFit/>
+              </a:bodyPr>
+              <a:lstStyle/>
+              <a:p>
+                <a:r>
+                  <a:rPr lang="en-US" altLang="zh-CN" dirty="0" smtClean="0"/>
+                  <a:t>6 </a:t>
+                </a:r>
+                <a:r>
+                  <a:rPr lang="en-US" altLang="zh-CN" dirty="0" smtClean="0"/>
+                  <a:t>kj/mol</a:t>
+                </a:r>
+                <a:endParaRPr lang="zh-CN" altLang="en-US" dirty="0"/>
+              </a:p>
+            </p:txBody>
+          </p:sp>
           <p:cxnSp>
             <p:nvCxnSpPr>
-              <p:cNvPr id="5" name="直接箭头连接符 4"/>
+              <p:cNvPr id="4" name="直接连接符 3"/>
               <p:cNvCxnSpPr/>
               <p:nvPr/>
             </p:nvCxnSpPr>
             <p:spPr>
               <a:xfrm>
-                <a:off x="489862" y="6077617"/>
-                <a:ext cx="8418264" cy="0"/>
+                <a:off x="3303144" y="1268760"/>
+                <a:ext cx="0" cy="4896544"/>
               </a:xfrm>
-              <a:prstGeom prst="straightConnector1">
+              <a:prstGeom prst="line">
                 <a:avLst/>
               </a:prstGeom>
-              <a:ln w="63500">
-                <a:solidFill>
-                  <a:schemeClr val="tx1"/>
-                </a:solidFill>
-                <a:tailEnd type="triangle"/>
-              </a:ln>
-            </p:spPr>
-            <p:style>
-              <a:lnRef idx="1">
-                <a:schemeClr val="accent1"/>
-              </a:lnRef>
-              <a:fillRef idx="0">
-                <a:schemeClr val="accent1"/>
-              </a:fillRef>
-              <a:effectRef idx="0">
-                <a:schemeClr val="accent1"/>
-              </a:effectRef>
-              <a:fontRef idx="minor">
-                <a:schemeClr val="tx1"/>
-              </a:fontRef>
-            </p:style>
-          </p:cxnSp>
-          <p:cxnSp>
-            <p:nvCxnSpPr>
-              <p:cNvPr id="6" name="直接箭头连接符 5"/>
-              <p:cNvCxnSpPr/>
-              <p:nvPr/>
-            </p:nvCxnSpPr>
-            <p:spPr>
-              <a:xfrm flipV="1">
-                <a:off x="489862" y="1268760"/>
-                <a:ext cx="0" cy="4808857"/>
-              </a:xfrm>
-              <a:prstGeom prst="straightConnector1">
-                <a:avLst/>
-              </a:prstGeom>
-              <a:ln w="63500">
-                <a:solidFill>
-                  <a:schemeClr val="tx1"/>
-                </a:solidFill>
-                <a:tailEnd type="triangle"/>
+              <a:ln w="50800">
+                <a:prstDash val="sysDash"/>
               </a:ln>
             </p:spPr>
             <p:style>
@@ -6653,14 +7449,14 @@
           </p:cxnSp>
           <p:sp>
             <p:nvSpPr>
-              <p:cNvPr id="9" name="TextBox 8"/>
+              <p:cNvPr id="29" name="TextBox 28"/>
               <p:cNvSpPr txBox="1"/>
               <p:nvPr/>
             </p:nvSpPr>
             <p:spPr>
               <a:xfrm>
-                <a:off x="8116038" y="6108975"/>
-                <a:ext cx="827534" cy="369332"/>
+                <a:off x="2892295" y="6180722"/>
+                <a:ext cx="962123" cy="369332"/>
               </a:xfrm>
               <a:prstGeom prst="rect">
                 <a:avLst/>
@@ -6675,736 +7471,22 @@
               <a:p>
                 <a:r>
                   <a:rPr lang="en-US" altLang="zh-CN" dirty="0" smtClean="0"/>
-                  <a:t>energy</a:t>
+                  <a:t>3 kj/mol</a:t>
                 </a:r>
                 <a:endParaRPr lang="zh-CN" altLang="en-US" dirty="0"/>
               </a:p>
             </p:txBody>
           </p:sp>
-          <p:sp>
-            <p:nvSpPr>
-              <p:cNvPr id="10" name="TextBox 9"/>
-              <p:cNvSpPr txBox="1"/>
-              <p:nvPr/>
-            </p:nvSpPr>
-            <p:spPr>
-              <a:xfrm>
-                <a:off x="561870" y="1484784"/>
-                <a:ext cx="969624" cy="369332"/>
-              </a:xfrm>
-              <a:prstGeom prst="rect">
-                <a:avLst/>
-              </a:prstGeom>
-              <a:noFill/>
-            </p:spPr>
-            <p:txBody>
-              <a:bodyPr wrap="none" rtlCol="0">
-                <a:spAutoFit/>
-              </a:bodyPr>
-              <a:lstStyle/>
-              <a:p>
-                <a:r>
-                  <a:rPr lang="en-US" altLang="zh-CN" dirty="0" smtClean="0"/>
-                  <a:t>quantity</a:t>
-                </a:r>
-                <a:endParaRPr lang="zh-CN" altLang="en-US" dirty="0"/>
-              </a:p>
-            </p:txBody>
-          </p:sp>
-          <p:sp>
-            <p:nvSpPr>
-              <p:cNvPr id="13" name="椭圆 12"/>
-              <p:cNvSpPr/>
-              <p:nvPr/>
-            </p:nvSpPr>
-            <p:spPr>
-              <a:xfrm>
-                <a:off x="363278" y="5946294"/>
-                <a:ext cx="198592" cy="219010"/>
-              </a:xfrm>
-              <a:prstGeom prst="ellipse">
-                <a:avLst/>
-              </a:prstGeom>
-            </p:spPr>
-            <p:style>
-              <a:lnRef idx="1">
-                <a:schemeClr val="accent2"/>
-              </a:lnRef>
-              <a:fillRef idx="3">
-                <a:schemeClr val="accent2"/>
-              </a:fillRef>
-              <a:effectRef idx="2">
-                <a:schemeClr val="accent2"/>
-              </a:effectRef>
-              <a:fontRef idx="minor">
-                <a:schemeClr val="lt1"/>
-              </a:fontRef>
-            </p:style>
-            <p:txBody>
-              <a:bodyPr rtlCol="0" anchor="ctr"/>
-              <a:lstStyle/>
-              <a:p>
-                <a:pPr algn="ctr"/>
-                <a:endParaRPr lang="zh-CN" altLang="en-US"/>
-              </a:p>
-            </p:txBody>
-          </p:sp>
-          <p:sp>
-            <p:nvSpPr>
-              <p:cNvPr id="14" name="椭圆 13"/>
-              <p:cNvSpPr/>
-              <p:nvPr/>
-            </p:nvSpPr>
-            <p:spPr>
-              <a:xfrm>
-                <a:off x="2195736" y="5774292"/>
-                <a:ext cx="198592" cy="219010"/>
-              </a:xfrm>
-              <a:prstGeom prst="ellipse">
-                <a:avLst/>
-              </a:prstGeom>
-            </p:spPr>
-            <p:style>
-              <a:lnRef idx="1">
-                <a:schemeClr val="accent2"/>
-              </a:lnRef>
-              <a:fillRef idx="3">
-                <a:schemeClr val="accent2"/>
-              </a:fillRef>
-              <a:effectRef idx="2">
-                <a:schemeClr val="accent2"/>
-              </a:effectRef>
-              <a:fontRef idx="minor">
-                <a:schemeClr val="lt1"/>
-              </a:fontRef>
-            </p:style>
-            <p:txBody>
-              <a:bodyPr rtlCol="0" anchor="ctr"/>
-              <a:lstStyle/>
-              <a:p>
-                <a:pPr algn="ctr"/>
-                <a:endParaRPr lang="zh-CN" altLang="en-US"/>
-              </a:p>
-            </p:txBody>
-          </p:sp>
-          <p:sp>
-            <p:nvSpPr>
-              <p:cNvPr id="15" name="椭圆 14"/>
-              <p:cNvSpPr/>
-              <p:nvPr/>
-            </p:nvSpPr>
-            <p:spPr>
-              <a:xfrm>
-                <a:off x="3203848" y="5208865"/>
-                <a:ext cx="198592" cy="219010"/>
-              </a:xfrm>
-              <a:prstGeom prst="ellipse">
-                <a:avLst/>
-              </a:prstGeom>
-            </p:spPr>
-            <p:style>
-              <a:lnRef idx="1">
-                <a:schemeClr val="accent2"/>
-              </a:lnRef>
-              <a:fillRef idx="3">
-                <a:schemeClr val="accent2"/>
-              </a:fillRef>
-              <a:effectRef idx="2">
-                <a:schemeClr val="accent2"/>
-              </a:effectRef>
-              <a:fontRef idx="minor">
-                <a:schemeClr val="lt1"/>
-              </a:fontRef>
-            </p:style>
-            <p:txBody>
-              <a:bodyPr rtlCol="0" anchor="ctr"/>
-              <a:lstStyle/>
-              <a:p>
-                <a:pPr algn="ctr"/>
-                <a:endParaRPr lang="zh-CN" altLang="en-US"/>
-              </a:p>
-            </p:txBody>
-          </p:sp>
-          <p:sp>
-            <p:nvSpPr>
-              <p:cNvPr id="16" name="椭圆 15"/>
-              <p:cNvSpPr/>
-              <p:nvPr/>
-            </p:nvSpPr>
-            <p:spPr>
-              <a:xfrm>
-                <a:off x="3851920" y="2924944"/>
-                <a:ext cx="198592" cy="219010"/>
-              </a:xfrm>
-              <a:prstGeom prst="ellipse">
-                <a:avLst/>
-              </a:prstGeom>
-            </p:spPr>
-            <p:style>
-              <a:lnRef idx="1">
-                <a:schemeClr val="accent2"/>
-              </a:lnRef>
-              <a:fillRef idx="3">
-                <a:schemeClr val="accent2"/>
-              </a:fillRef>
-              <a:effectRef idx="2">
-                <a:schemeClr val="accent2"/>
-              </a:effectRef>
-              <a:fontRef idx="minor">
-                <a:schemeClr val="lt1"/>
-              </a:fontRef>
-            </p:style>
-            <p:txBody>
-              <a:bodyPr rtlCol="0" anchor="ctr"/>
-              <a:lstStyle/>
-              <a:p>
-                <a:pPr algn="ctr"/>
-                <a:endParaRPr lang="zh-CN" altLang="en-US"/>
-              </a:p>
-            </p:txBody>
-          </p:sp>
-          <p:sp>
-            <p:nvSpPr>
-              <p:cNvPr id="17" name="椭圆 16"/>
-              <p:cNvSpPr/>
-              <p:nvPr/>
-            </p:nvSpPr>
-            <p:spPr>
-              <a:xfrm>
-                <a:off x="4411756" y="2420888"/>
-                <a:ext cx="198592" cy="219010"/>
-              </a:xfrm>
-              <a:prstGeom prst="ellipse">
-                <a:avLst/>
-              </a:prstGeom>
-            </p:spPr>
-            <p:style>
-              <a:lnRef idx="1">
-                <a:schemeClr val="accent2"/>
-              </a:lnRef>
-              <a:fillRef idx="3">
-                <a:schemeClr val="accent2"/>
-              </a:fillRef>
-              <a:effectRef idx="2">
-                <a:schemeClr val="accent2"/>
-              </a:effectRef>
-              <a:fontRef idx="minor">
-                <a:schemeClr val="lt1"/>
-              </a:fontRef>
-            </p:style>
-            <p:txBody>
-              <a:bodyPr rtlCol="0" anchor="ctr"/>
-              <a:lstStyle/>
-              <a:p>
-                <a:pPr algn="ctr"/>
-                <a:endParaRPr lang="zh-CN" altLang="en-US"/>
-              </a:p>
-            </p:txBody>
-          </p:sp>
-          <p:sp>
-            <p:nvSpPr>
-              <p:cNvPr id="18" name="椭圆 17"/>
-              <p:cNvSpPr/>
-              <p:nvPr/>
-            </p:nvSpPr>
-            <p:spPr>
-              <a:xfrm>
-                <a:off x="4989915" y="2898965"/>
-                <a:ext cx="198592" cy="219010"/>
-              </a:xfrm>
-              <a:prstGeom prst="ellipse">
-                <a:avLst/>
-              </a:prstGeom>
-            </p:spPr>
-            <p:style>
-              <a:lnRef idx="1">
-                <a:schemeClr val="accent2"/>
-              </a:lnRef>
-              <a:fillRef idx="3">
-                <a:schemeClr val="accent2"/>
-              </a:fillRef>
-              <a:effectRef idx="2">
-                <a:schemeClr val="accent2"/>
-              </a:effectRef>
-              <a:fontRef idx="minor">
-                <a:schemeClr val="lt1"/>
-              </a:fontRef>
-            </p:style>
-            <p:txBody>
-              <a:bodyPr rtlCol="0" anchor="ctr"/>
-              <a:lstStyle/>
-              <a:p>
-                <a:pPr algn="ctr"/>
-                <a:endParaRPr lang="zh-CN" altLang="en-US"/>
-              </a:p>
-            </p:txBody>
-          </p:sp>
-          <p:sp>
-            <p:nvSpPr>
-              <p:cNvPr id="19" name="椭圆 18"/>
-              <p:cNvSpPr/>
-              <p:nvPr/>
-            </p:nvSpPr>
-            <p:spPr>
-              <a:xfrm>
-                <a:off x="5676459" y="5099360"/>
-                <a:ext cx="198592" cy="219010"/>
-              </a:xfrm>
-              <a:prstGeom prst="ellipse">
-                <a:avLst/>
-              </a:prstGeom>
-            </p:spPr>
-            <p:style>
-              <a:lnRef idx="1">
-                <a:schemeClr val="accent2"/>
-              </a:lnRef>
-              <a:fillRef idx="3">
-                <a:schemeClr val="accent2"/>
-              </a:fillRef>
-              <a:effectRef idx="2">
-                <a:schemeClr val="accent2"/>
-              </a:effectRef>
-              <a:fontRef idx="minor">
-                <a:schemeClr val="lt1"/>
-              </a:fontRef>
-            </p:style>
-            <p:txBody>
-              <a:bodyPr rtlCol="0" anchor="ctr"/>
-              <a:lstStyle/>
-              <a:p>
-                <a:pPr algn="ctr"/>
-                <a:endParaRPr lang="zh-CN" altLang="en-US"/>
-              </a:p>
-            </p:txBody>
-          </p:sp>
-          <p:sp>
-            <p:nvSpPr>
-              <p:cNvPr id="20" name="椭圆 19"/>
-              <p:cNvSpPr/>
-              <p:nvPr/>
-            </p:nvSpPr>
-            <p:spPr>
-              <a:xfrm>
-                <a:off x="6876256" y="5737616"/>
-                <a:ext cx="198592" cy="219010"/>
-              </a:xfrm>
-              <a:prstGeom prst="ellipse">
-                <a:avLst/>
-              </a:prstGeom>
-            </p:spPr>
-            <p:style>
-              <a:lnRef idx="1">
-                <a:schemeClr val="accent2"/>
-              </a:lnRef>
-              <a:fillRef idx="3">
-                <a:schemeClr val="accent2"/>
-              </a:fillRef>
-              <a:effectRef idx="2">
-                <a:schemeClr val="accent2"/>
-              </a:effectRef>
-              <a:fontRef idx="minor">
-                <a:schemeClr val="lt1"/>
-              </a:fontRef>
-            </p:style>
-            <p:txBody>
-              <a:bodyPr rtlCol="0" anchor="ctr"/>
-              <a:lstStyle/>
-              <a:p>
-                <a:pPr algn="ctr"/>
-                <a:endParaRPr lang="zh-CN" altLang="en-US"/>
-              </a:p>
-            </p:txBody>
-          </p:sp>
-          <p:sp>
-            <p:nvSpPr>
-              <p:cNvPr id="21" name="椭圆 20"/>
-              <p:cNvSpPr/>
-              <p:nvPr/>
-            </p:nvSpPr>
-            <p:spPr>
-              <a:xfrm>
-                <a:off x="8430509" y="5883797"/>
-                <a:ext cx="198592" cy="219010"/>
-              </a:xfrm>
-              <a:prstGeom prst="ellipse">
-                <a:avLst/>
-              </a:prstGeom>
-            </p:spPr>
-            <p:style>
-              <a:lnRef idx="1">
-                <a:schemeClr val="accent2"/>
-              </a:lnRef>
-              <a:fillRef idx="3">
-                <a:schemeClr val="accent2"/>
-              </a:fillRef>
-              <a:effectRef idx="2">
-                <a:schemeClr val="accent2"/>
-              </a:effectRef>
-              <a:fontRef idx="minor">
-                <a:schemeClr val="lt1"/>
-              </a:fontRef>
-            </p:style>
-            <p:txBody>
-              <a:bodyPr rtlCol="0" anchor="ctr"/>
-              <a:lstStyle/>
-              <a:p>
-                <a:pPr algn="ctr"/>
-                <a:endParaRPr lang="zh-CN" altLang="en-US"/>
-              </a:p>
-            </p:txBody>
-          </p:sp>
-          <p:cxnSp>
-            <p:nvCxnSpPr>
-              <p:cNvPr id="23" name="直接连接符 22"/>
-              <p:cNvCxnSpPr>
-                <a:stCxn id="13" idx="6"/>
-                <a:endCxn id="14" idx="2"/>
-              </p:cNvCxnSpPr>
-              <p:nvPr/>
-            </p:nvCxnSpPr>
-            <p:spPr>
-              <a:xfrm flipV="1">
-                <a:off x="561870" y="5883797"/>
-                <a:ext cx="1633866" cy="172002"/>
-              </a:xfrm>
-              <a:prstGeom prst="line">
-                <a:avLst/>
-              </a:prstGeom>
-              <a:ln w="63500">
-                <a:solidFill>
-                  <a:srgbClr val="00B0F0"/>
-                </a:solidFill>
-                <a:prstDash val="sysDash"/>
-              </a:ln>
-            </p:spPr>
-            <p:style>
-              <a:lnRef idx="1">
-                <a:schemeClr val="accent1"/>
-              </a:lnRef>
-              <a:fillRef idx="0">
-                <a:schemeClr val="accent1"/>
-              </a:fillRef>
-              <a:effectRef idx="0">
-                <a:schemeClr val="accent1"/>
-              </a:effectRef>
-              <a:fontRef idx="minor">
-                <a:schemeClr val="tx1"/>
-              </a:fontRef>
-            </p:style>
-          </p:cxnSp>
-          <p:cxnSp>
-            <p:nvCxnSpPr>
-              <p:cNvPr id="25" name="直接连接符 24"/>
-              <p:cNvCxnSpPr>
-                <a:stCxn id="14" idx="6"/>
-                <a:endCxn id="15" idx="3"/>
-              </p:cNvCxnSpPr>
-              <p:nvPr/>
-            </p:nvCxnSpPr>
-            <p:spPr>
-              <a:xfrm flipV="1">
-                <a:off x="2394328" y="5395802"/>
-                <a:ext cx="838603" cy="487995"/>
-              </a:xfrm>
-              <a:prstGeom prst="line">
-                <a:avLst/>
-              </a:prstGeom>
-              <a:ln w="63500">
-                <a:solidFill>
-                  <a:srgbClr val="00B0F0"/>
-                </a:solidFill>
-                <a:prstDash val="sysDash"/>
-              </a:ln>
-            </p:spPr>
-            <p:style>
-              <a:lnRef idx="1">
-                <a:schemeClr val="accent1"/>
-              </a:lnRef>
-              <a:fillRef idx="0">
-                <a:schemeClr val="accent1"/>
-              </a:fillRef>
-              <a:effectRef idx="0">
-                <a:schemeClr val="accent1"/>
-              </a:effectRef>
-              <a:fontRef idx="minor">
-                <a:schemeClr val="tx1"/>
-              </a:fontRef>
-            </p:style>
-          </p:cxnSp>
-          <p:cxnSp>
-            <p:nvCxnSpPr>
-              <p:cNvPr id="28" name="直接连接符 27"/>
-              <p:cNvCxnSpPr>
-                <a:stCxn id="15" idx="7"/>
-                <a:endCxn id="16" idx="4"/>
-              </p:cNvCxnSpPr>
-              <p:nvPr/>
-            </p:nvCxnSpPr>
-            <p:spPr>
-              <a:xfrm flipV="1">
-                <a:off x="3373357" y="3143954"/>
-                <a:ext cx="577859" cy="2096984"/>
-              </a:xfrm>
-              <a:prstGeom prst="line">
-                <a:avLst/>
-              </a:prstGeom>
-              <a:ln w="63500">
-                <a:solidFill>
-                  <a:srgbClr val="00B0F0"/>
-                </a:solidFill>
-                <a:prstDash val="sysDash"/>
-              </a:ln>
-            </p:spPr>
-            <p:style>
-              <a:lnRef idx="1">
-                <a:schemeClr val="accent1"/>
-              </a:lnRef>
-              <a:fillRef idx="0">
-                <a:schemeClr val="accent1"/>
-              </a:fillRef>
-              <a:effectRef idx="0">
-                <a:schemeClr val="accent1"/>
-              </a:effectRef>
-              <a:fontRef idx="minor">
-                <a:schemeClr val="tx1"/>
-              </a:fontRef>
-            </p:style>
-          </p:cxnSp>
-          <p:cxnSp>
-            <p:nvCxnSpPr>
-              <p:cNvPr id="31" name="直接连接符 30"/>
-              <p:cNvCxnSpPr>
-                <a:stCxn id="16" idx="7"/>
-                <a:endCxn id="17" idx="3"/>
-              </p:cNvCxnSpPr>
-              <p:nvPr/>
-            </p:nvCxnSpPr>
-            <p:spPr>
-              <a:xfrm flipV="1">
-                <a:off x="4021429" y="2607825"/>
-                <a:ext cx="419410" cy="349192"/>
-              </a:xfrm>
-              <a:prstGeom prst="line">
-                <a:avLst/>
-              </a:prstGeom>
-              <a:ln w="63500">
-                <a:solidFill>
-                  <a:srgbClr val="00B0F0"/>
-                </a:solidFill>
-                <a:prstDash val="sysDash"/>
-              </a:ln>
-            </p:spPr>
-            <p:style>
-              <a:lnRef idx="1">
-                <a:schemeClr val="accent1"/>
-              </a:lnRef>
-              <a:fillRef idx="0">
-                <a:schemeClr val="accent1"/>
-              </a:fillRef>
-              <a:effectRef idx="0">
-                <a:schemeClr val="accent1"/>
-              </a:effectRef>
-              <a:fontRef idx="minor">
-                <a:schemeClr val="tx1"/>
-              </a:fontRef>
-            </p:style>
-          </p:cxnSp>
-          <p:cxnSp>
-            <p:nvCxnSpPr>
-              <p:cNvPr id="32" name="直接连接符 31"/>
-              <p:cNvCxnSpPr>
-                <a:stCxn id="17" idx="5"/>
-                <a:endCxn id="18" idx="2"/>
-              </p:cNvCxnSpPr>
-              <p:nvPr/>
-            </p:nvCxnSpPr>
-            <p:spPr>
-              <a:xfrm>
-                <a:off x="4581265" y="2607825"/>
-                <a:ext cx="408650" cy="400645"/>
-              </a:xfrm>
-              <a:prstGeom prst="line">
-                <a:avLst/>
-              </a:prstGeom>
-              <a:ln w="63500">
-                <a:solidFill>
-                  <a:srgbClr val="00B0F0"/>
-                </a:solidFill>
-                <a:prstDash val="sysDash"/>
-              </a:ln>
-            </p:spPr>
-            <p:style>
-              <a:lnRef idx="1">
-                <a:schemeClr val="accent1"/>
-              </a:lnRef>
-              <a:fillRef idx="0">
-                <a:schemeClr val="accent1"/>
-              </a:fillRef>
-              <a:effectRef idx="0">
-                <a:schemeClr val="accent1"/>
-              </a:effectRef>
-              <a:fontRef idx="minor">
-                <a:schemeClr val="tx1"/>
-              </a:fontRef>
-            </p:style>
-          </p:cxnSp>
-          <p:cxnSp>
-            <p:nvCxnSpPr>
-              <p:cNvPr id="33" name="直接连接符 32"/>
-              <p:cNvCxnSpPr>
-                <a:stCxn id="19" idx="5"/>
-                <a:endCxn id="20" idx="1"/>
-              </p:cNvCxnSpPr>
-              <p:nvPr/>
-            </p:nvCxnSpPr>
-            <p:spPr>
-              <a:xfrm>
-                <a:off x="5845968" y="5286297"/>
-                <a:ext cx="1059371" cy="483392"/>
-              </a:xfrm>
-              <a:prstGeom prst="line">
-                <a:avLst/>
-              </a:prstGeom>
-              <a:ln w="63500">
-                <a:solidFill>
-                  <a:srgbClr val="00B0F0"/>
-                </a:solidFill>
-                <a:prstDash val="sysDash"/>
-              </a:ln>
-            </p:spPr>
-            <p:style>
-              <a:lnRef idx="1">
-                <a:schemeClr val="accent1"/>
-              </a:lnRef>
-              <a:fillRef idx="0">
-                <a:schemeClr val="accent1"/>
-              </a:fillRef>
-              <a:effectRef idx="0">
-                <a:schemeClr val="accent1"/>
-              </a:effectRef>
-              <a:fontRef idx="minor">
-                <a:schemeClr val="tx1"/>
-              </a:fontRef>
-            </p:style>
-          </p:cxnSp>
-          <p:cxnSp>
-            <p:nvCxnSpPr>
-              <p:cNvPr id="34" name="直接连接符 33"/>
-              <p:cNvCxnSpPr>
-                <a:stCxn id="18" idx="5"/>
-                <a:endCxn id="19" idx="0"/>
-              </p:cNvCxnSpPr>
-              <p:nvPr/>
-            </p:nvCxnSpPr>
-            <p:spPr>
-              <a:xfrm>
-                <a:off x="5159424" y="3085902"/>
-                <a:ext cx="616331" cy="2013458"/>
-              </a:xfrm>
-              <a:prstGeom prst="line">
-                <a:avLst/>
-              </a:prstGeom>
-              <a:ln w="63500">
-                <a:solidFill>
-                  <a:srgbClr val="00B0F0"/>
-                </a:solidFill>
-                <a:prstDash val="sysDash"/>
-              </a:ln>
-            </p:spPr>
-            <p:style>
-              <a:lnRef idx="1">
-                <a:schemeClr val="accent1"/>
-              </a:lnRef>
-              <a:fillRef idx="0">
-                <a:schemeClr val="accent1"/>
-              </a:fillRef>
-              <a:effectRef idx="0">
-                <a:schemeClr val="accent1"/>
-              </a:effectRef>
-              <a:fontRef idx="minor">
-                <a:schemeClr val="tx1"/>
-              </a:fontRef>
-            </p:style>
-          </p:cxnSp>
-          <p:cxnSp>
-            <p:nvCxnSpPr>
-              <p:cNvPr id="43" name="直接连接符 42"/>
-              <p:cNvCxnSpPr>
-                <a:stCxn id="20" idx="5"/>
-                <a:endCxn id="21" idx="2"/>
-              </p:cNvCxnSpPr>
-              <p:nvPr/>
-            </p:nvCxnSpPr>
-            <p:spPr>
-              <a:xfrm>
-                <a:off x="7045765" y="5924553"/>
-                <a:ext cx="1384744" cy="68749"/>
-              </a:xfrm>
-              <a:prstGeom prst="line">
-                <a:avLst/>
-              </a:prstGeom>
-              <a:ln w="63500">
-                <a:solidFill>
-                  <a:srgbClr val="00B0F0"/>
-                </a:solidFill>
-                <a:prstDash val="sysDash"/>
-              </a:ln>
-            </p:spPr>
-            <p:style>
-              <a:lnRef idx="1">
-                <a:schemeClr val="accent1"/>
-              </a:lnRef>
-              <a:fillRef idx="0">
-                <a:schemeClr val="accent1"/>
-              </a:fillRef>
-              <a:effectRef idx="0">
-                <a:schemeClr val="accent1"/>
-              </a:effectRef>
-              <a:fontRef idx="minor">
-                <a:schemeClr val="tx1"/>
-              </a:fontRef>
-            </p:style>
-          </p:cxnSp>
         </p:grpSp>
-        <p:sp>
-          <p:nvSpPr>
-            <p:cNvPr id="2" name="TextBox 1"/>
-            <p:cNvSpPr txBox="1"/>
-            <p:nvPr/>
-          </p:nvSpPr>
-          <p:spPr>
-            <a:xfrm>
-              <a:off x="8048743" y="6478307"/>
-              <a:ext cx="962123" cy="369332"/>
-            </a:xfrm>
-            <a:prstGeom prst="rect">
-              <a:avLst/>
-            </a:prstGeom>
-            <a:noFill/>
-          </p:spPr>
-          <p:txBody>
-            <a:bodyPr wrap="none" rtlCol="0">
-              <a:spAutoFit/>
-            </a:bodyPr>
-            <a:lstStyle/>
-            <a:p>
-              <a:r>
-                <a:rPr lang="en-US" altLang="zh-CN" dirty="0" smtClean="0"/>
-                <a:t>4 kj/mol</a:t>
-              </a:r>
-              <a:endParaRPr lang="zh-CN" altLang="en-US" dirty="0"/>
-            </a:p>
-          </p:txBody>
-        </p:sp>
         <p:cxnSp>
           <p:nvCxnSpPr>
-            <p:cNvPr id="4" name="直接连接符 3"/>
+            <p:cNvPr id="30" name="直接连接符 29"/>
             <p:cNvCxnSpPr/>
             <p:nvPr/>
           </p:nvCxnSpPr>
           <p:spPr>
             <a:xfrm>
-              <a:off x="3303144" y="1268760"/>
+              <a:off x="6848240" y="774243"/>
               <a:ext cx="0" cy="4896544"/>
             </a:xfrm>
             <a:prstGeom prst="line">
@@ -7431,13 +7513,13 @@
         </p:cxnSp>
         <p:sp>
           <p:nvSpPr>
-            <p:cNvPr id="29" name="TextBox 28"/>
+            <p:cNvPr id="35" name="TextBox 34"/>
             <p:cNvSpPr txBox="1"/>
             <p:nvPr/>
           </p:nvSpPr>
           <p:spPr>
             <a:xfrm>
-              <a:off x="2892295" y="6180722"/>
+              <a:off x="6431502" y="5798649"/>
               <a:ext cx="962123" cy="369332"/>
             </a:xfrm>
             <a:prstGeom prst="rect">
@@ -7453,7 +7535,11 @@
             <a:p>
               <a:r>
                 <a:rPr lang="en-US" altLang="zh-CN" dirty="0" smtClean="0"/>
-                <a:t>3 kj/mol</a:t>
+                <a:t>5 </a:t>
+              </a:r>
+              <a:r>
+                <a:rPr lang="en-US" altLang="zh-CN" dirty="0" smtClean="0"/>
+                <a:t>kj/mol</a:t>
               </a:r>
               <a:endParaRPr lang="zh-CN" altLang="en-US" dirty="0"/>
             </a:p>

--- a/Manuscript/chemical_graph.pptx
+++ b/Manuscript/chemical_graph.pptx
@@ -9,6 +9,7 @@
     <p:sldId id="257" r:id="rId3"/>
     <p:sldId id="258" r:id="rId4"/>
     <p:sldId id="259" r:id="rId5"/>
+    <p:sldId id="260" r:id="rId6"/>
   </p:sldIdLst>
   <p:sldSz cx="9144000" cy="6858000" type="screen4x3"/>
   <p:notesSz cx="6858000" cy="9144000"/>
@@ -7404,11 +7405,7 @@
               <a:p>
                 <a:r>
                   <a:rPr lang="en-US" altLang="zh-CN" dirty="0" smtClean="0"/>
-                  <a:t>6 </a:t>
-                </a:r>
-                <a:r>
-                  <a:rPr lang="en-US" altLang="zh-CN" dirty="0" smtClean="0"/>
-                  <a:t>kj/mol</a:t>
+                  <a:t>6 kj/mol</a:t>
                 </a:r>
                 <a:endParaRPr lang="zh-CN" altLang="en-US" dirty="0"/>
               </a:p>
@@ -7535,11 +7532,7 @@
             <a:p>
               <a:r>
                 <a:rPr lang="en-US" altLang="zh-CN" dirty="0" smtClean="0"/>
-                <a:t>5 </a:t>
-              </a:r>
-              <a:r>
-                <a:rPr lang="en-US" altLang="zh-CN" dirty="0" smtClean="0"/>
-                <a:t>kj/mol</a:t>
+                <a:t>5 kj/mol</a:t>
               </a:r>
               <a:endParaRPr lang="zh-CN" altLang="en-US" dirty="0"/>
             </a:p>
@@ -7550,6 +7543,521 @@
     <p:extLst>
       <p:ext uri="{BB962C8B-B14F-4D97-AF65-F5344CB8AC3E}">
         <p14:creationId xmlns:p14="http://schemas.microsoft.com/office/powerpoint/2010/main" val="871263022"/>
+      </p:ext>
+    </p:extLst>
+  </p:cSld>
+  <p:clrMapOvr>
+    <a:masterClrMapping/>
+  </p:clrMapOvr>
+  <p:timing>
+    <p:tnLst>
+      <p:par>
+        <p:cTn id="1" dur="indefinite" restart="never" nodeType="tmRoot"/>
+      </p:par>
+    </p:tnLst>
+  </p:timing>
+</p:sld>
+</file>
+
+<file path=ppt/slides/slide5.xml><?xml version="1.0" encoding="utf-8"?>
+<p:sld xmlns:a="http://schemas.openxmlformats.org/drawingml/2006/main" xmlns:r="http://schemas.openxmlformats.org/officeDocument/2006/relationships" xmlns:p="http://schemas.openxmlformats.org/presentationml/2006/main">
+  <p:cSld>
+    <p:spTree>
+      <p:nvGrpSpPr>
+        <p:cNvPr id="1" name=""/>
+        <p:cNvGrpSpPr/>
+        <p:nvPr/>
+      </p:nvGrpSpPr>
+      <p:grpSpPr>
+        <a:xfrm>
+          <a:off x="0" y="0"/>
+          <a:ext cx="0" cy="0"/>
+          <a:chOff x="0" y="0"/>
+          <a:chExt cx="0" cy="0"/>
+        </a:xfrm>
+      </p:grpSpPr>
+      <p:grpSp>
+        <p:nvGrpSpPr>
+          <p:cNvPr id="27" name="组合 26"/>
+          <p:cNvGrpSpPr/>
+          <p:nvPr/>
+        </p:nvGrpSpPr>
+        <p:grpSpPr>
+          <a:xfrm>
+            <a:off x="323528" y="404664"/>
+            <a:ext cx="4032448" cy="2864393"/>
+            <a:chOff x="323528" y="404664"/>
+            <a:chExt cx="4032448" cy="2864393"/>
+          </a:xfrm>
+        </p:grpSpPr>
+        <p:cxnSp>
+          <p:nvCxnSpPr>
+            <p:cNvPr id="14" name="直接箭头连接符 13"/>
+            <p:cNvCxnSpPr/>
+            <p:nvPr/>
+          </p:nvCxnSpPr>
+          <p:spPr>
+            <a:xfrm>
+              <a:off x="323528" y="2868367"/>
+              <a:ext cx="4032448" cy="0"/>
+            </a:xfrm>
+            <a:prstGeom prst="straightConnector1">
+              <a:avLst/>
+            </a:prstGeom>
+            <a:ln w="63500">
+              <a:solidFill>
+                <a:schemeClr val="tx1"/>
+              </a:solidFill>
+              <a:tailEnd type="triangle"/>
+            </a:ln>
+          </p:spPr>
+          <p:style>
+            <a:lnRef idx="1">
+              <a:schemeClr val="accent1"/>
+            </a:lnRef>
+            <a:fillRef idx="0">
+              <a:schemeClr val="accent1"/>
+            </a:fillRef>
+            <a:effectRef idx="0">
+              <a:schemeClr val="accent1"/>
+            </a:effectRef>
+            <a:fontRef idx="minor">
+              <a:schemeClr val="tx1"/>
+            </a:fontRef>
+          </p:style>
+        </p:cxnSp>
+        <p:cxnSp>
+          <p:nvCxnSpPr>
+            <p:cNvPr id="15" name="直接箭头连接符 14"/>
+            <p:cNvCxnSpPr/>
+            <p:nvPr/>
+          </p:nvCxnSpPr>
+          <p:spPr>
+            <a:xfrm flipV="1">
+              <a:off x="323528" y="564111"/>
+              <a:ext cx="0" cy="2304256"/>
+            </a:xfrm>
+            <a:prstGeom prst="straightConnector1">
+              <a:avLst/>
+            </a:prstGeom>
+            <a:ln w="63500">
+              <a:solidFill>
+                <a:schemeClr val="tx1"/>
+              </a:solidFill>
+              <a:tailEnd type="triangle"/>
+            </a:ln>
+          </p:spPr>
+          <p:style>
+            <a:lnRef idx="1">
+              <a:schemeClr val="accent1"/>
+            </a:lnRef>
+            <a:fillRef idx="0">
+              <a:schemeClr val="accent1"/>
+            </a:fillRef>
+            <a:effectRef idx="0">
+              <a:schemeClr val="accent1"/>
+            </a:effectRef>
+            <a:fontRef idx="minor">
+              <a:schemeClr val="tx1"/>
+            </a:fontRef>
+          </p:style>
+        </p:cxnSp>
+        <p:cxnSp>
+          <p:nvCxnSpPr>
+            <p:cNvPr id="16" name="直接连接符 15"/>
+            <p:cNvCxnSpPr/>
+            <p:nvPr/>
+          </p:nvCxnSpPr>
+          <p:spPr>
+            <a:xfrm>
+              <a:off x="3280343" y="2418413"/>
+              <a:ext cx="0" cy="492652"/>
+            </a:xfrm>
+            <a:prstGeom prst="line">
+              <a:avLst/>
+            </a:prstGeom>
+            <a:ln w="190500">
+              <a:solidFill>
+                <a:schemeClr val="tx2"/>
+              </a:solidFill>
+            </a:ln>
+          </p:spPr>
+          <p:style>
+            <a:lnRef idx="1">
+              <a:schemeClr val="accent1"/>
+            </a:lnRef>
+            <a:fillRef idx="0">
+              <a:schemeClr val="accent1"/>
+            </a:fillRef>
+            <a:effectRef idx="0">
+              <a:schemeClr val="accent1"/>
+            </a:effectRef>
+            <a:fontRef idx="minor">
+              <a:schemeClr val="tx1"/>
+            </a:fontRef>
+          </p:style>
+        </p:cxnSp>
+        <p:sp>
+          <p:nvSpPr>
+            <p:cNvPr id="17" name="TextBox 16"/>
+            <p:cNvSpPr txBox="1"/>
+            <p:nvPr/>
+          </p:nvSpPr>
+          <p:spPr>
+            <a:xfrm>
+              <a:off x="3070991" y="1994394"/>
+              <a:ext cx="418704" cy="369332"/>
+            </a:xfrm>
+            <a:prstGeom prst="rect">
+              <a:avLst/>
+            </a:prstGeom>
+            <a:noFill/>
+          </p:spPr>
+          <p:txBody>
+            <a:bodyPr wrap="none" rtlCol="0">
+              <a:spAutoFit/>
+            </a:bodyPr>
+            <a:lstStyle/>
+            <a:p>
+              <a:r>
+                <a:rPr lang="en-US" altLang="zh-CN" dirty="0" smtClean="0"/>
+                <a:t>35</a:t>
+              </a:r>
+              <a:endParaRPr lang="zh-CN" altLang="en-US" dirty="0"/>
+            </a:p>
+          </p:txBody>
+        </p:sp>
+        <p:sp>
+          <p:nvSpPr>
+            <p:cNvPr id="18" name="TextBox 17"/>
+            <p:cNvSpPr txBox="1"/>
+            <p:nvPr/>
+          </p:nvSpPr>
+          <p:spPr>
+            <a:xfrm>
+              <a:off x="3707904" y="2899725"/>
+              <a:ext cx="550151" cy="369332"/>
+            </a:xfrm>
+            <a:prstGeom prst="rect">
+              <a:avLst/>
+            </a:prstGeom>
+            <a:noFill/>
+          </p:spPr>
+          <p:txBody>
+            <a:bodyPr wrap="none" rtlCol="0">
+              <a:spAutoFit/>
+            </a:bodyPr>
+            <a:lstStyle/>
+            <a:p>
+              <a:r>
+                <a:rPr lang="en-US" altLang="zh-CN" dirty="0" smtClean="0"/>
+                <a:t>m/z</a:t>
+              </a:r>
+              <a:endParaRPr lang="zh-CN" altLang="en-US" dirty="0"/>
+            </a:p>
+          </p:txBody>
+        </p:sp>
+        <p:sp>
+          <p:nvSpPr>
+            <p:cNvPr id="19" name="TextBox 18"/>
+            <p:cNvSpPr txBox="1"/>
+            <p:nvPr/>
+          </p:nvSpPr>
+          <p:spPr>
+            <a:xfrm>
+              <a:off x="361660" y="404664"/>
+              <a:ext cx="553806" cy="369332"/>
+            </a:xfrm>
+            <a:prstGeom prst="rect">
+              <a:avLst/>
+            </a:prstGeom>
+            <a:noFill/>
+          </p:spPr>
+          <p:txBody>
+            <a:bodyPr wrap="none" rtlCol="0">
+              <a:spAutoFit/>
+            </a:bodyPr>
+            <a:lstStyle/>
+            <a:p>
+              <a:r>
+                <a:rPr lang="en-US" altLang="zh-CN" dirty="0" smtClean="0"/>
+                <a:t>into</a:t>
+              </a:r>
+              <a:endParaRPr lang="zh-CN" altLang="en-US" dirty="0"/>
+            </a:p>
+          </p:txBody>
+        </p:sp>
+        <p:cxnSp>
+          <p:nvCxnSpPr>
+            <p:cNvPr id="6" name="直接连接符 5"/>
+            <p:cNvCxnSpPr/>
+            <p:nvPr/>
+          </p:nvCxnSpPr>
+          <p:spPr>
+            <a:xfrm>
+              <a:off x="672469" y="2355019"/>
+              <a:ext cx="0" cy="556046"/>
+            </a:xfrm>
+            <a:prstGeom prst="line">
+              <a:avLst/>
+            </a:prstGeom>
+            <a:ln w="190500">
+              <a:solidFill>
+                <a:schemeClr val="tx2"/>
+              </a:solidFill>
+            </a:ln>
+          </p:spPr>
+          <p:style>
+            <a:lnRef idx="1">
+              <a:schemeClr val="accent1"/>
+            </a:lnRef>
+            <a:fillRef idx="0">
+              <a:schemeClr val="accent1"/>
+            </a:fillRef>
+            <a:effectRef idx="0">
+              <a:schemeClr val="accent1"/>
+            </a:effectRef>
+            <a:fontRef idx="minor">
+              <a:schemeClr val="tx1"/>
+            </a:fontRef>
+          </p:style>
+        </p:cxnSp>
+        <p:cxnSp>
+          <p:nvCxnSpPr>
+            <p:cNvPr id="7" name="直接连接符 6"/>
+            <p:cNvCxnSpPr>
+              <a:stCxn id="12" idx="2"/>
+            </p:cNvCxnSpPr>
+            <p:nvPr/>
+          </p:nvCxnSpPr>
+          <p:spPr>
+            <a:xfrm>
+              <a:off x="1290428" y="773996"/>
+              <a:ext cx="0" cy="2090082"/>
+            </a:xfrm>
+            <a:prstGeom prst="line">
+              <a:avLst/>
+            </a:prstGeom>
+            <a:ln w="190500">
+              <a:solidFill>
+                <a:schemeClr val="tx2"/>
+              </a:solidFill>
+            </a:ln>
+          </p:spPr>
+          <p:style>
+            <a:lnRef idx="1">
+              <a:schemeClr val="accent1"/>
+            </a:lnRef>
+            <a:fillRef idx="0">
+              <a:schemeClr val="accent1"/>
+            </a:fillRef>
+            <a:effectRef idx="0">
+              <a:schemeClr val="accent1"/>
+            </a:effectRef>
+            <a:fontRef idx="minor">
+              <a:schemeClr val="tx1"/>
+            </a:fontRef>
+          </p:style>
+        </p:cxnSp>
+        <p:cxnSp>
+          <p:nvCxnSpPr>
+            <p:cNvPr id="8" name="直接连接符 7"/>
+            <p:cNvCxnSpPr/>
+            <p:nvPr/>
+          </p:nvCxnSpPr>
+          <p:spPr>
+            <a:xfrm>
+              <a:off x="1984199" y="2418413"/>
+              <a:ext cx="1" cy="505195"/>
+            </a:xfrm>
+            <a:prstGeom prst="line">
+              <a:avLst/>
+            </a:prstGeom>
+            <a:ln w="190500">
+              <a:solidFill>
+                <a:schemeClr val="tx2"/>
+              </a:solidFill>
+            </a:ln>
+          </p:spPr>
+          <p:style>
+            <a:lnRef idx="1">
+              <a:schemeClr val="accent1"/>
+            </a:lnRef>
+            <a:fillRef idx="0">
+              <a:schemeClr val="accent1"/>
+            </a:fillRef>
+            <a:effectRef idx="0">
+              <a:schemeClr val="accent1"/>
+            </a:effectRef>
+            <a:fontRef idx="minor">
+              <a:schemeClr val="tx1"/>
+            </a:fontRef>
+          </p:style>
+        </p:cxnSp>
+        <p:cxnSp>
+          <p:nvCxnSpPr>
+            <p:cNvPr id="9" name="直接连接符 8"/>
+            <p:cNvCxnSpPr/>
+            <p:nvPr/>
+          </p:nvCxnSpPr>
+          <p:spPr>
+            <a:xfrm>
+              <a:off x="2339752" y="1268760"/>
+              <a:ext cx="12918" cy="1642305"/>
+            </a:xfrm>
+            <a:prstGeom prst="line">
+              <a:avLst/>
+            </a:prstGeom>
+            <a:ln w="190500">
+              <a:solidFill>
+                <a:schemeClr val="tx2"/>
+              </a:solidFill>
+            </a:ln>
+          </p:spPr>
+          <p:style>
+            <a:lnRef idx="1">
+              <a:schemeClr val="accent1"/>
+            </a:lnRef>
+            <a:fillRef idx="0">
+              <a:schemeClr val="accent1"/>
+            </a:fillRef>
+            <a:effectRef idx="0">
+              <a:schemeClr val="accent1"/>
+            </a:effectRef>
+            <a:fontRef idx="minor">
+              <a:schemeClr val="tx1"/>
+            </a:fontRef>
+          </p:style>
+        </p:cxnSp>
+        <p:sp>
+          <p:nvSpPr>
+            <p:cNvPr id="10" name="TextBox 9"/>
+            <p:cNvSpPr txBox="1"/>
+            <p:nvPr/>
+          </p:nvSpPr>
+          <p:spPr>
+            <a:xfrm>
+              <a:off x="2156236" y="773996"/>
+              <a:ext cx="418704" cy="369332"/>
+            </a:xfrm>
+            <a:prstGeom prst="rect">
+              <a:avLst/>
+            </a:prstGeom>
+            <a:noFill/>
+          </p:spPr>
+          <p:txBody>
+            <a:bodyPr wrap="none" rtlCol="0">
+              <a:spAutoFit/>
+            </a:bodyPr>
+            <a:lstStyle/>
+            <a:p>
+              <a:r>
+                <a:rPr lang="en-US" altLang="zh-CN" dirty="0" smtClean="0"/>
+                <a:t>25</a:t>
+              </a:r>
+              <a:endParaRPr lang="zh-CN" altLang="en-US" dirty="0"/>
+            </a:p>
+          </p:txBody>
+        </p:sp>
+        <p:sp>
+          <p:nvSpPr>
+            <p:cNvPr id="11" name="TextBox 10"/>
+            <p:cNvSpPr txBox="1"/>
+            <p:nvPr/>
+          </p:nvSpPr>
+          <p:spPr>
+            <a:xfrm>
+              <a:off x="1796612" y="1985687"/>
+              <a:ext cx="418704" cy="369332"/>
+            </a:xfrm>
+            <a:prstGeom prst="rect">
+              <a:avLst/>
+            </a:prstGeom>
+            <a:noFill/>
+          </p:spPr>
+          <p:txBody>
+            <a:bodyPr wrap="none" rtlCol="0">
+              <a:spAutoFit/>
+            </a:bodyPr>
+            <a:lstStyle/>
+            <a:p>
+              <a:r>
+                <a:rPr lang="en-US" altLang="zh-CN" dirty="0" smtClean="0"/>
+                <a:t>20</a:t>
+              </a:r>
+              <a:endParaRPr lang="zh-CN" altLang="en-US" dirty="0"/>
+            </a:p>
+          </p:txBody>
+        </p:sp>
+        <p:sp>
+          <p:nvSpPr>
+            <p:cNvPr id="12" name="TextBox 11"/>
+            <p:cNvSpPr txBox="1"/>
+            <p:nvPr/>
+          </p:nvSpPr>
+          <p:spPr>
+            <a:xfrm>
+              <a:off x="1081076" y="404664"/>
+              <a:ext cx="418704" cy="369332"/>
+            </a:xfrm>
+            <a:prstGeom prst="rect">
+              <a:avLst/>
+            </a:prstGeom>
+            <a:noFill/>
+          </p:spPr>
+          <p:txBody>
+            <a:bodyPr wrap="none" rtlCol="0">
+              <a:spAutoFit/>
+            </a:bodyPr>
+            <a:lstStyle/>
+            <a:p>
+              <a:r>
+                <a:rPr lang="en-US" altLang="zh-CN" dirty="0"/>
+                <a:t>1</a:t>
+              </a:r>
+              <a:r>
+                <a:rPr lang="en-US" altLang="zh-CN" dirty="0" smtClean="0"/>
+                <a:t>0</a:t>
+              </a:r>
+              <a:endParaRPr lang="zh-CN" altLang="en-US" dirty="0"/>
+            </a:p>
+          </p:txBody>
+        </p:sp>
+        <p:sp>
+          <p:nvSpPr>
+            <p:cNvPr id="13" name="TextBox 12"/>
+            <p:cNvSpPr txBox="1"/>
+            <p:nvPr/>
+          </p:nvSpPr>
+          <p:spPr>
+            <a:xfrm>
+              <a:off x="531923" y="1870462"/>
+              <a:ext cx="301686" cy="369332"/>
+            </a:xfrm>
+            <a:prstGeom prst="rect">
+              <a:avLst/>
+            </a:prstGeom>
+            <a:noFill/>
+          </p:spPr>
+          <p:txBody>
+            <a:bodyPr wrap="none" rtlCol="0">
+              <a:spAutoFit/>
+            </a:bodyPr>
+            <a:lstStyle/>
+            <a:p>
+              <a:r>
+                <a:rPr lang="en-US" altLang="zh-CN" dirty="0" smtClean="0"/>
+                <a:t>5</a:t>
+              </a:r>
+              <a:endParaRPr lang="zh-CN" altLang="en-US" dirty="0"/>
+            </a:p>
+          </p:txBody>
+        </p:sp>
+      </p:grpSp>
+    </p:spTree>
+    <p:extLst>
+      <p:ext uri="{BB962C8B-B14F-4D97-AF65-F5344CB8AC3E}">
+        <p14:creationId xmlns:p14="http://schemas.microsoft.com/office/powerpoint/2010/main" val="344449354"/>
       </p:ext>
     </p:extLst>
   </p:cSld>
